--- a/09.Spring Security.pptx
+++ b/09.Spring Security.pptx
@@ -12,15 +12,27 @@
     <p:sldId id="418" r:id="rId6"/>
     <p:sldId id="430" r:id="rId7"/>
     <p:sldId id="419" r:id="rId8"/>
-    <p:sldId id="420" r:id="rId9"/>
-    <p:sldId id="421" r:id="rId10"/>
-    <p:sldId id="422" r:id="rId11"/>
+    <p:sldId id="421" r:id="rId9"/>
+    <p:sldId id="422" r:id="rId10"/>
+    <p:sldId id="431" r:id="rId11"/>
     <p:sldId id="423" r:id="rId12"/>
-    <p:sldId id="424" r:id="rId13"/>
-    <p:sldId id="425" r:id="rId14"/>
-    <p:sldId id="426" r:id="rId15"/>
-    <p:sldId id="327" r:id="rId16"/>
-    <p:sldId id="323" r:id="rId17"/>
+    <p:sldId id="432" r:id="rId13"/>
+    <p:sldId id="433" r:id="rId14"/>
+    <p:sldId id="437" r:id="rId15"/>
+    <p:sldId id="424" r:id="rId16"/>
+    <p:sldId id="436" r:id="rId17"/>
+    <p:sldId id="435" r:id="rId18"/>
+    <p:sldId id="438" r:id="rId19"/>
+    <p:sldId id="439" r:id="rId20"/>
+    <p:sldId id="434" r:id="rId21"/>
+    <p:sldId id="440" r:id="rId22"/>
+    <p:sldId id="443" r:id="rId23"/>
+    <p:sldId id="442" r:id="rId24"/>
+    <p:sldId id="441" r:id="rId25"/>
+    <p:sldId id="444" r:id="rId26"/>
+    <p:sldId id="445" r:id="rId27"/>
+    <p:sldId id="446" r:id="rId28"/>
+    <p:sldId id="327" r:id="rId29"/>
   </p:sldIdLst>
   <p:sldSz cx="12192000" cy="6858000"/>
   <p:notesSz cx="6858000" cy="9144000"/>
@@ -851,7 +863,7 @@
           <a:p>
             <a:fld id="{E7E49A89-72C0-40C6-A55C-C6C12D525ACC}" type="datetimeFigureOut">
               <a:rPr lang="en-US" smtClean="0"/>
-              <a:t>9/29/2024</a:t>
+              <a:t>10/1/2024</a:t>
             </a:fld>
             <a:endParaRPr lang="en-US"/>
           </a:p>
@@ -1102,7 +1114,7 @@
           <a:p>
             <a:fld id="{E7E49A89-72C0-40C6-A55C-C6C12D525ACC}" type="datetimeFigureOut">
               <a:rPr lang="en-US" smtClean="0"/>
-              <a:t>9/29/2024</a:t>
+              <a:t>10/1/2024</a:t>
             </a:fld>
             <a:endParaRPr lang="en-US"/>
           </a:p>
@@ -1416,7 +1428,7 @@
           <a:p>
             <a:fld id="{E7E49A89-72C0-40C6-A55C-C6C12D525ACC}" type="datetimeFigureOut">
               <a:rPr lang="en-US" smtClean="0"/>
-              <a:t>9/29/2024</a:t>
+              <a:t>10/1/2024</a:t>
             </a:fld>
             <a:endParaRPr lang="en-US"/>
           </a:p>
@@ -1743,7 +1755,7 @@
           <a:p>
             <a:fld id="{E7E49A89-72C0-40C6-A55C-C6C12D525ACC}" type="datetimeFigureOut">
               <a:rPr lang="en-US" smtClean="0"/>
-              <a:t>9/29/2024</a:t>
+              <a:t>10/1/2024</a:t>
             </a:fld>
             <a:endParaRPr lang="en-US"/>
           </a:p>
@@ -2057,7 +2069,7 @@
           <a:p>
             <a:fld id="{E7E49A89-72C0-40C6-A55C-C6C12D525ACC}" type="datetimeFigureOut">
               <a:rPr lang="en-US" smtClean="0"/>
-              <a:t>9/29/2024</a:t>
+              <a:t>10/1/2024</a:t>
             </a:fld>
             <a:endParaRPr lang="en-US"/>
           </a:p>
@@ -2444,7 +2456,7 @@
           <a:p>
             <a:fld id="{E7E49A89-72C0-40C6-A55C-C6C12D525ACC}" type="datetimeFigureOut">
               <a:rPr lang="en-US" smtClean="0"/>
-              <a:t>9/29/2024</a:t>
+              <a:t>10/1/2024</a:t>
             </a:fld>
             <a:endParaRPr lang="en-US"/>
           </a:p>
@@ -2614,7 +2626,7 @@
           <a:p>
             <a:fld id="{E7E49A89-72C0-40C6-A55C-C6C12D525ACC}" type="datetimeFigureOut">
               <a:rPr lang="en-US" smtClean="0"/>
-              <a:t>9/29/2024</a:t>
+              <a:t>10/1/2024</a:t>
             </a:fld>
             <a:endParaRPr lang="en-US"/>
           </a:p>
@@ -2794,7 +2806,7 @@
           <a:p>
             <a:fld id="{E7E49A89-72C0-40C6-A55C-C6C12D525ACC}" type="datetimeFigureOut">
               <a:rPr lang="en-US" smtClean="0"/>
-              <a:t>9/29/2024</a:t>
+              <a:t>10/1/2024</a:t>
             </a:fld>
             <a:endParaRPr lang="en-US"/>
           </a:p>
@@ -2970,7 +2982,7 @@
           <a:p>
             <a:fld id="{E7E49A89-72C0-40C6-A55C-C6C12D525ACC}" type="datetimeFigureOut">
               <a:rPr lang="en-US" smtClean="0"/>
-              <a:t>9/29/2024</a:t>
+              <a:t>10/1/2024</a:t>
             </a:fld>
             <a:endParaRPr lang="en-US"/>
           </a:p>
@@ -3217,7 +3229,7 @@
           <a:p>
             <a:fld id="{E7E49A89-72C0-40C6-A55C-C6C12D525ACC}" type="datetimeFigureOut">
               <a:rPr lang="en-US" smtClean="0"/>
-              <a:t>9/29/2024</a:t>
+              <a:t>10/1/2024</a:t>
             </a:fld>
             <a:endParaRPr lang="en-US"/>
           </a:p>
@@ -3449,7 +3461,7 @@
           <a:p>
             <a:fld id="{E7E49A89-72C0-40C6-A55C-C6C12D525ACC}" type="datetimeFigureOut">
               <a:rPr lang="en-US" smtClean="0"/>
-              <a:t>9/29/2024</a:t>
+              <a:t>10/1/2024</a:t>
             </a:fld>
             <a:endParaRPr lang="en-US"/>
           </a:p>
@@ -3823,7 +3835,7 @@
           <a:p>
             <a:fld id="{E7E49A89-72C0-40C6-A55C-C6C12D525ACC}" type="datetimeFigureOut">
               <a:rPr lang="en-US" smtClean="0"/>
-              <a:t>9/29/2024</a:t>
+              <a:t>10/1/2024</a:t>
             </a:fld>
             <a:endParaRPr lang="en-US"/>
           </a:p>
@@ -3946,7 +3958,7 @@
           <a:p>
             <a:fld id="{E7E49A89-72C0-40C6-A55C-C6C12D525ACC}" type="datetimeFigureOut">
               <a:rPr lang="en-US" smtClean="0"/>
-              <a:t>9/29/2024</a:t>
+              <a:t>10/1/2024</a:t>
             </a:fld>
             <a:endParaRPr lang="en-US"/>
           </a:p>
@@ -4041,7 +4053,7 @@
           <a:p>
             <a:fld id="{E7E49A89-72C0-40C6-A55C-C6C12D525ACC}" type="datetimeFigureOut">
               <a:rPr lang="en-US" smtClean="0"/>
-              <a:t>9/29/2024</a:t>
+              <a:t>10/1/2024</a:t>
             </a:fld>
             <a:endParaRPr lang="en-US"/>
           </a:p>
@@ -4296,7 +4308,7 @@
           <a:p>
             <a:fld id="{E7E49A89-72C0-40C6-A55C-C6C12D525ACC}" type="datetimeFigureOut">
               <a:rPr lang="en-US" smtClean="0"/>
-              <a:t>9/29/2024</a:t>
+              <a:t>10/1/2024</a:t>
             </a:fld>
             <a:endParaRPr lang="en-US"/>
           </a:p>
@@ -4558,7 +4570,7 @@
           <a:p>
             <a:fld id="{E7E49A89-72C0-40C6-A55C-C6C12D525ACC}" type="datetimeFigureOut">
               <a:rPr lang="en-US" smtClean="0"/>
-              <a:t>9/29/2024</a:t>
+              <a:t>10/1/2024</a:t>
             </a:fld>
             <a:endParaRPr lang="en-US"/>
           </a:p>
@@ -5303,7 +5315,7 @@
           <a:p>
             <a:fld id="{E7E49A89-72C0-40C6-A55C-C6C12D525ACC}" type="datetimeFigureOut">
               <a:rPr lang="en-US" smtClean="0"/>
-              <a:t>9/29/2024</a:t>
+              <a:t>10/1/2024</a:t>
             </a:fld>
             <a:endParaRPr lang="en-US"/>
           </a:p>
@@ -5929,7 +5941,7 @@
                 <a:latin typeface="Arial" panose="020B0604020202020204" pitchFamily="34" charset="0"/>
                 <a:cs typeface="Arial" panose="020B0604020202020204" pitchFamily="34" charset="0"/>
               </a:rPr>
-              <a:t>Setting Validation</a:t>
+              <a:t>Setting Security</a:t>
             </a:r>
           </a:p>
         </p:txBody>
@@ -5952,47 +5964,49 @@
           <a:lstStyle/>
           <a:p>
             <a:r>
-              <a:rPr lang="vi-VN">
-                <a:latin typeface="Arial" panose="020B0604020202020204" pitchFamily="34" charset="0"/>
-                <a:cs typeface="Arial" panose="020B0604020202020204" pitchFamily="34" charset="0"/>
-              </a:rPr>
-              <a:t>Ở đoạn code trên, nếu dữ liệu không hợp lệ, thì method </a:t>
-            </a:r>
-            <a:r>
-              <a:rPr lang="vi-VN">
-                <a:solidFill>
-                  <a:srgbClr val="FFC000"/>
-                </a:solidFill>
-                <a:latin typeface="Arial" panose="020B0604020202020204" pitchFamily="34" charset="0"/>
-                <a:cs typeface="Arial" panose="020B0604020202020204" pitchFamily="34" charset="0"/>
-              </a:rPr>
-              <a:t>addUser</a:t>
-            </a:r>
-            <a:r>
-              <a:rPr lang="vi-VN">
-                <a:latin typeface="Arial" panose="020B0604020202020204" pitchFamily="34" charset="0"/>
-                <a:cs typeface="Arial" panose="020B0604020202020204" pitchFamily="34" charset="0"/>
-              </a:rPr>
-              <a:t> sẽ không được gọi</a:t>
-            </a:r>
-            <a:r>
               <a:rPr lang="en-US">
                 <a:latin typeface="Arial" panose="020B0604020202020204" pitchFamily="34" charset="0"/>
                 <a:cs typeface="Arial" panose="020B0604020202020204" pitchFamily="34" charset="0"/>
               </a:rPr>
-              <a:t> mà throw exception.</a:t>
-            </a:r>
-            <a:endParaRPr lang="vi-VN">
-              <a:latin typeface="Arial" panose="020B0604020202020204" pitchFamily="34" charset="0"/>
-              <a:cs typeface="Arial" panose="020B0604020202020204" pitchFamily="34" charset="0"/>
-            </a:endParaRPr>
-          </a:p>
-        </p:txBody>
-      </p:sp>
+              <a:t>Username mặc định để login là user và password thì mọi người xem trong IDE nhé</a:t>
+            </a:r>
+          </a:p>
+        </p:txBody>
+      </p:sp>
+      <p:pic>
+        <p:nvPicPr>
+          <p:cNvPr id="6" name="Picture 5">
+            <a:extLst>
+              <a:ext uri="{FF2B5EF4-FFF2-40B4-BE49-F238E27FC236}">
+                <a16:creationId xmlns:a16="http://schemas.microsoft.com/office/drawing/2014/main" id="{7C62B90E-82C8-C4EF-961F-993DA7EB69DA}"/>
+              </a:ext>
+            </a:extLst>
+          </p:cNvPr>
+          <p:cNvPicPr>
+            <a:picLocks noChangeAspect="1"/>
+          </p:cNvPicPr>
+          <p:nvPr/>
+        </p:nvPicPr>
+        <p:blipFill>
+          <a:blip r:embed="rId2"/>
+          <a:stretch>
+            <a:fillRect/>
+          </a:stretch>
+        </p:blipFill>
+        <p:spPr>
+          <a:xfrm>
+            <a:off x="812018" y="2914586"/>
+            <a:ext cx="8327300" cy="1924566"/>
+          </a:xfrm>
+          <a:prstGeom prst="rect">
+            <a:avLst/>
+          </a:prstGeom>
+        </p:spPr>
+      </p:pic>
     </p:spTree>
     <p:extLst>
       <p:ext uri="{BB962C8B-B14F-4D97-AF65-F5344CB8AC3E}">
-        <p14:creationId xmlns:p14="http://schemas.microsoft.com/office/powerpoint/2010/main" val="523440547"/>
+        <p14:creationId xmlns:p14="http://schemas.microsoft.com/office/powerpoint/2010/main" val="187853184"/>
       </p:ext>
     </p:extLst>
   </p:cSld>
@@ -6066,35 +6080,17 @@
                 <a:latin typeface="Arial" panose="020B0604020202020204" pitchFamily="34" charset="0"/>
                 <a:cs typeface="Arial" panose="020B0604020202020204" pitchFamily="34" charset="0"/>
               </a:rPr>
-              <a:t>Để xử lý exception và hiển thị ra message tương ứng ta có 2 cách:</a:t>
-            </a:r>
-            <a:endParaRPr lang="vi-VN">
-              <a:latin typeface="Arial" panose="020B0604020202020204" pitchFamily="34" charset="0"/>
-              <a:cs typeface="Arial" panose="020B0604020202020204" pitchFamily="34" charset="0"/>
-            </a:endParaRPr>
+              <a:t>Chúng ta có thể config giá trị mặc định username và password trong application.properties, ta làm như sau:</a:t>
+            </a:r>
           </a:p>
           <a:p>
             <a:pPr lvl="1"/>
-            <a:r>
-              <a:rPr lang="vi-VN">
-                <a:latin typeface="Arial" panose="020B0604020202020204" pitchFamily="34" charset="0"/>
-                <a:cs typeface="Arial" panose="020B0604020202020204" pitchFamily="34" charset="0"/>
-              </a:rPr>
-              <a:t>Dùng tham số BindingResult. Nếu validation fail, method vẫn sẽ được gọi vào, và chúng ta có thể check tham số BindingResult có lỗi hay không, từ đó xử lý </a:t>
-            </a:r>
             <a:r>
               <a:rPr lang="en-US">
                 <a:latin typeface="Arial" panose="020B0604020202020204" pitchFamily="34" charset="0"/>
                 <a:cs typeface="Arial" panose="020B0604020202020204" pitchFamily="34" charset="0"/>
               </a:rPr>
-              <a:t>tiếp</a:t>
-            </a:r>
-            <a:r>
-              <a:rPr lang="vi-VN">
-                <a:latin typeface="Arial" panose="020B0604020202020204" pitchFamily="34" charset="0"/>
-                <a:cs typeface="Arial" panose="020B0604020202020204" pitchFamily="34" charset="0"/>
-              </a:rPr>
-              <a:t>.</a:t>
+              <a:t>spring.security.user.name=haolv</a:t>
             </a:r>
           </a:p>
           <a:p>
@@ -6104,33 +6100,8 @@
                 <a:latin typeface="Arial" panose="020B0604020202020204" pitchFamily="34" charset="0"/>
                 <a:cs typeface="Arial" panose="020B0604020202020204" pitchFamily="34" charset="0"/>
               </a:rPr>
-              <a:t>C</a:t>
-            </a:r>
-            <a:r>
-              <a:rPr lang="vi-VN">
-                <a:latin typeface="Arial" panose="020B0604020202020204" pitchFamily="34" charset="0"/>
-                <a:cs typeface="Arial" panose="020B0604020202020204" pitchFamily="34" charset="0"/>
-              </a:rPr>
-              <a:t>hương trình ném ra lỗi BindException. Chúng ta chỉ cần bắt lỗi lại với @ExceptionHandler và xử lý </a:t>
-            </a:r>
-            <a:r>
-              <a:rPr lang="en-US">
-                <a:latin typeface="Arial" panose="020B0604020202020204" pitchFamily="34" charset="0"/>
-                <a:cs typeface="Arial" panose="020B0604020202020204" pitchFamily="34" charset="0"/>
-              </a:rPr>
-              <a:t>tiếp</a:t>
-            </a:r>
-            <a:r>
-              <a:rPr lang="vi-VN">
-                <a:latin typeface="Arial" panose="020B0604020202020204" pitchFamily="34" charset="0"/>
-                <a:cs typeface="Arial" panose="020B0604020202020204" pitchFamily="34" charset="0"/>
-              </a:rPr>
-              <a:t>.</a:t>
-            </a:r>
-            <a:endParaRPr lang="en-US">
-              <a:latin typeface="Arial" panose="020B0604020202020204" pitchFamily="34" charset="0"/>
-              <a:cs typeface="Arial" panose="020B0604020202020204" pitchFamily="34" charset="0"/>
-            </a:endParaRPr>
+              <a:t>spring.security.user.password=123</a:t>
+            </a:r>
           </a:p>
         </p:txBody>
       </p:sp>
@@ -6207,18 +6178,11 @@
           <a:lstStyle/>
           <a:p>
             <a:r>
-              <a:rPr lang="vi-VN">
-                <a:latin typeface="Arial" panose="020B0604020202020204" pitchFamily="34" charset="0"/>
-                <a:cs typeface="Arial" panose="020B0604020202020204" pitchFamily="34" charset="0"/>
-              </a:rPr>
-              <a:t>Dùng tham số BindingResult</a:t>
-            </a:r>
-            <a:r>
               <a:rPr lang="en-US">
                 <a:latin typeface="Arial" panose="020B0604020202020204" pitchFamily="34" charset="0"/>
                 <a:cs typeface="Arial" panose="020B0604020202020204" pitchFamily="34" charset="0"/>
               </a:rPr>
-              <a:t>:</a:t>
+              <a:t>Khi sử dụng các tool test API, để nhập username và password ta làm như sau:</a:t>
             </a:r>
           </a:p>
         </p:txBody>
@@ -6228,7 +6192,7 @@
           <p:cNvPr id="5" name="Picture 4">
             <a:extLst>
               <a:ext uri="{FF2B5EF4-FFF2-40B4-BE49-F238E27FC236}">
-                <a16:creationId xmlns:a16="http://schemas.microsoft.com/office/drawing/2014/main" id="{5E7B35B9-64DC-3B34-0ED8-B97811580C28}"/>
+                <a16:creationId xmlns:a16="http://schemas.microsoft.com/office/drawing/2014/main" id="{F645CECB-2946-F595-1281-63D8751D85FB}"/>
               </a:ext>
             </a:extLst>
           </p:cNvPr>
@@ -6245,8 +6209,38 @@
         </p:blipFill>
         <p:spPr>
           <a:xfrm>
-            <a:off x="1126261" y="2570191"/>
-            <a:ext cx="7501076" cy="2003756"/>
+            <a:off x="1794704" y="2556044"/>
+            <a:ext cx="6361927" cy="1982287"/>
+          </a:xfrm>
+          <a:prstGeom prst="rect">
+            <a:avLst/>
+          </a:prstGeom>
+        </p:spPr>
+      </p:pic>
+      <p:pic>
+        <p:nvPicPr>
+          <p:cNvPr id="7" name="Picture 6">
+            <a:extLst>
+              <a:ext uri="{FF2B5EF4-FFF2-40B4-BE49-F238E27FC236}">
+                <a16:creationId xmlns:a16="http://schemas.microsoft.com/office/drawing/2014/main" id="{E6ABBB74-E9CD-B3A0-F909-118F9450D58E}"/>
+              </a:ext>
+            </a:extLst>
+          </p:cNvPr>
+          <p:cNvPicPr>
+            <a:picLocks noChangeAspect="1"/>
+          </p:cNvPicPr>
+          <p:nvPr/>
+        </p:nvPicPr>
+        <p:blipFill>
+          <a:blip r:embed="rId3"/>
+          <a:stretch>
+            <a:fillRect/>
+          </a:stretch>
+        </p:blipFill>
+        <p:spPr>
+          <a:xfrm>
+            <a:off x="3499786" y="4604801"/>
+            <a:ext cx="2951762" cy="1666750"/>
           </a:xfrm>
           <a:prstGeom prst="rect">
             <a:avLst/>
@@ -6256,7 +6250,7 @@
     </p:spTree>
     <p:extLst>
       <p:ext uri="{BB962C8B-B14F-4D97-AF65-F5344CB8AC3E}">
-        <p14:creationId xmlns:p14="http://schemas.microsoft.com/office/powerpoint/2010/main" val="2842903347"/>
+        <p14:creationId xmlns:p14="http://schemas.microsoft.com/office/powerpoint/2010/main" val="442103986"/>
       </p:ext>
     </p:extLst>
   </p:cSld>
@@ -6330,31 +6324,68 @@
                 <a:latin typeface="Arial" panose="020B0604020202020204" pitchFamily="34" charset="0"/>
                 <a:cs typeface="Arial" panose="020B0604020202020204" pitchFamily="34" charset="0"/>
               </a:rPr>
-              <a:t>Sử dụng </a:t>
-            </a:r>
-            <a:r>
-              <a:rPr lang="vi-VN">
-                <a:latin typeface="Arial" panose="020B0604020202020204" pitchFamily="34" charset="0"/>
-                <a:cs typeface="Arial" panose="020B0604020202020204" pitchFamily="34" charset="0"/>
-              </a:rPr>
-              <a:t>@ExceptionHandle</a:t>
-            </a:r>
+              <a:t>Khi sử dụng các tool test API, để nhập username và password ta làm như sau:</a:t>
+            </a:r>
+          </a:p>
+          <a:p>
+            <a:endParaRPr lang="en-US">
+              <a:latin typeface="Arial" panose="020B0604020202020204" pitchFamily="34" charset="0"/>
+              <a:cs typeface="Arial" panose="020B0604020202020204" pitchFamily="34" charset="0"/>
+            </a:endParaRPr>
+          </a:p>
+          <a:p>
+            <a:endParaRPr lang="en-US">
+              <a:latin typeface="Arial" panose="020B0604020202020204" pitchFamily="34" charset="0"/>
+              <a:cs typeface="Arial" panose="020B0604020202020204" pitchFamily="34" charset="0"/>
+            </a:endParaRPr>
+          </a:p>
+          <a:p>
+            <a:endParaRPr lang="en-US">
+              <a:latin typeface="Arial" panose="020B0604020202020204" pitchFamily="34" charset="0"/>
+              <a:cs typeface="Arial" panose="020B0604020202020204" pitchFamily="34" charset="0"/>
+            </a:endParaRPr>
+          </a:p>
+          <a:p>
+            <a:endParaRPr lang="en-US">
+              <a:latin typeface="Arial" panose="020B0604020202020204" pitchFamily="34" charset="0"/>
+              <a:cs typeface="Arial" panose="020B0604020202020204" pitchFamily="34" charset="0"/>
+            </a:endParaRPr>
+          </a:p>
+          <a:p>
+            <a:endParaRPr lang="en-US">
+              <a:latin typeface="Arial" panose="020B0604020202020204" pitchFamily="34" charset="0"/>
+              <a:cs typeface="Arial" panose="020B0604020202020204" pitchFamily="34" charset="0"/>
+            </a:endParaRPr>
+          </a:p>
+          <a:p>
+            <a:endParaRPr lang="en-US">
+              <a:latin typeface="Arial" panose="020B0604020202020204" pitchFamily="34" charset="0"/>
+              <a:cs typeface="Arial" panose="020B0604020202020204" pitchFamily="34" charset="0"/>
+            </a:endParaRPr>
+          </a:p>
+          <a:p>
+            <a:endParaRPr lang="en-US">
+              <a:latin typeface="Arial" panose="020B0604020202020204" pitchFamily="34" charset="0"/>
+              <a:cs typeface="Arial" panose="020B0604020202020204" pitchFamily="34" charset="0"/>
+            </a:endParaRPr>
+          </a:p>
+          <a:p>
             <a:r>
               <a:rPr lang="en-US">
                 <a:latin typeface="Arial" panose="020B0604020202020204" pitchFamily="34" charset="0"/>
                 <a:cs typeface="Arial" panose="020B0604020202020204" pitchFamily="34" charset="0"/>
               </a:rPr>
-              <a:t>:</a:t>
+              <a:t>Nội dung username:password đã được encode base64</a:t>
             </a:r>
           </a:p>
         </p:txBody>
       </p:sp>
       <p:pic>
         <p:nvPicPr>
-          <p:cNvPr id="5" name="Picture 4">
+          <p:cNvPr id="6" name="Picture 5">
             <a:extLst>
               <a:ext uri="{FF2B5EF4-FFF2-40B4-BE49-F238E27FC236}">
-                <a16:creationId xmlns:a16="http://schemas.microsoft.com/office/drawing/2014/main" id="{D4FB6D56-F7A9-47C9-ADA1-FC525B245A04}"/>
+                <a16:creationId xmlns:a16="http://schemas.microsoft.com/office/drawing/2014/main" id="{C2F1ED96-CBD1-E0EE-EA69-AD3E6991F78C}"/>
               </a:ext>
             </a:extLst>
           </p:cNvPr>
@@ -6371,8 +6402,8 @@
         </p:blipFill>
         <p:spPr>
           <a:xfrm>
-            <a:off x="1127570" y="2554155"/>
-            <a:ext cx="5881155" cy="2309525"/>
+            <a:off x="1712407" y="2561273"/>
+            <a:ext cx="6526522" cy="2282851"/>
           </a:xfrm>
           <a:prstGeom prst="rect">
             <a:avLst/>
@@ -6382,7 +6413,7 @@
     </p:spTree>
     <p:extLst>
       <p:ext uri="{BB962C8B-B14F-4D97-AF65-F5344CB8AC3E}">
-        <p14:creationId xmlns:p14="http://schemas.microsoft.com/office/powerpoint/2010/main" val="4240386889"/>
+        <p14:creationId xmlns:p14="http://schemas.microsoft.com/office/powerpoint/2010/main" val="3292692376"/>
       </p:ext>
     </p:extLst>
   </p:cSld>
@@ -6429,7 +6460,7 @@
                 <a:latin typeface="Arial" panose="020B0604020202020204" pitchFamily="34" charset="0"/>
                 <a:cs typeface="Arial" panose="020B0604020202020204" pitchFamily="34" charset="0"/>
               </a:rPr>
-              <a:t>Custom Validation</a:t>
+              <a:t>Basic Configuration</a:t>
             </a:r>
           </a:p>
         </p:txBody>
@@ -6452,79 +6483,107 @@
           <a:lstStyle/>
           <a:p>
             <a:r>
+              <a:rPr lang="vi-VN">
+                <a:latin typeface="Arial" panose="020B0604020202020204" pitchFamily="34" charset="0"/>
+                <a:cs typeface="Arial" panose="020B0604020202020204" pitchFamily="34" charset="0"/>
+              </a:rPr>
+              <a:t>Trong Spring Security, lưu mật khẩu cần đảm bảo an toàn để tránh các vấn đề bảo mật. </a:t>
+            </a:r>
+            <a:endParaRPr lang="en-US">
+              <a:latin typeface="Arial" panose="020B0604020202020204" pitchFamily="34" charset="0"/>
+              <a:cs typeface="Arial" panose="020B0604020202020204" pitchFamily="34" charset="0"/>
+            </a:endParaRPr>
+          </a:p>
+          <a:p>
+            <a:r>
+              <a:rPr lang="vi-VN">
+                <a:latin typeface="Arial" panose="020B0604020202020204" pitchFamily="34" charset="0"/>
+                <a:cs typeface="Arial" panose="020B0604020202020204" pitchFamily="34" charset="0"/>
+              </a:rPr>
+              <a:t>Các cách lưu mật khẩu thường được sử dụng bao gồm:</a:t>
+            </a:r>
+            <a:endParaRPr lang="en-US">
+              <a:latin typeface="Arial" panose="020B0604020202020204" pitchFamily="34" charset="0"/>
+              <a:cs typeface="Arial" panose="020B0604020202020204" pitchFamily="34" charset="0"/>
+            </a:endParaRPr>
+          </a:p>
+          <a:p>
+            <a:pPr lvl="1"/>
+            <a:r>
+              <a:rPr lang="en-US"/>
+              <a:t>BCryptPasswordEncoder</a:t>
+            </a:r>
+            <a:endParaRPr lang="en-US">
+              <a:latin typeface="Arial" panose="020B0604020202020204" pitchFamily="34" charset="0"/>
+              <a:cs typeface="Arial" panose="020B0604020202020204" pitchFamily="34" charset="0"/>
+            </a:endParaRPr>
+          </a:p>
+          <a:p>
+            <a:pPr lvl="1"/>
+            <a:r>
               <a:rPr lang="en-US">
                 <a:latin typeface="Arial" panose="020B0604020202020204" pitchFamily="34" charset="0"/>
                 <a:cs typeface="Arial" panose="020B0604020202020204" pitchFamily="34" charset="0"/>
               </a:rPr>
-              <a:t>Ví dụ ta muốn validate cho số điện thoại đúng 10 chữ số:</a:t>
-            </a:r>
-          </a:p>
-        </p:txBody>
-      </p:sp>
-      <p:pic>
-        <p:nvPicPr>
-          <p:cNvPr id="6" name="Picture 5">
-            <a:extLst>
-              <a:ext uri="{FF2B5EF4-FFF2-40B4-BE49-F238E27FC236}">
-                <a16:creationId xmlns:a16="http://schemas.microsoft.com/office/drawing/2014/main" id="{4EBE4E4D-CC4C-EA0E-F400-D4AFC56BEE4C}"/>
-              </a:ext>
-            </a:extLst>
-          </p:cNvPr>
-          <p:cNvPicPr>
-            <a:picLocks noChangeAspect="1"/>
-          </p:cNvPicPr>
-          <p:nvPr/>
-        </p:nvPicPr>
-        <p:blipFill>
-          <a:blip r:embed="rId2"/>
-          <a:stretch>
-            <a:fillRect/>
-          </a:stretch>
-        </p:blipFill>
-        <p:spPr>
-          <a:xfrm>
-            <a:off x="1096854" y="4927601"/>
-            <a:ext cx="8530277" cy="1545755"/>
-          </a:xfrm>
-          <a:prstGeom prst="rect">
-            <a:avLst/>
-          </a:prstGeom>
-        </p:spPr>
-      </p:pic>
-      <p:pic>
-        <p:nvPicPr>
-          <p:cNvPr id="8" name="Picture 7">
-            <a:extLst>
-              <a:ext uri="{FF2B5EF4-FFF2-40B4-BE49-F238E27FC236}">
-                <a16:creationId xmlns:a16="http://schemas.microsoft.com/office/drawing/2014/main" id="{4C2B454C-1950-E075-0768-AF8F8F64DCFB}"/>
-              </a:ext>
-            </a:extLst>
-          </p:cNvPr>
-          <p:cNvPicPr>
-            <a:picLocks noChangeAspect="1"/>
-          </p:cNvPicPr>
-          <p:nvPr/>
-        </p:nvPicPr>
-        <p:blipFill>
-          <a:blip r:embed="rId3"/>
-          <a:stretch>
-            <a:fillRect/>
-          </a:stretch>
-        </p:blipFill>
-        <p:spPr>
-          <a:xfrm>
-            <a:off x="1096854" y="2520585"/>
-            <a:ext cx="5975488" cy="2189820"/>
-          </a:xfrm>
-          <a:prstGeom prst="rect">
-            <a:avLst/>
-          </a:prstGeom>
-        </p:spPr>
-      </p:pic>
+              <a:t>Pbkdf2PasswordEncoder</a:t>
+            </a:r>
+          </a:p>
+          <a:p>
+            <a:pPr lvl="1"/>
+            <a:r>
+              <a:rPr lang="en-US">
+                <a:latin typeface="Arial" panose="020B0604020202020204" pitchFamily="34" charset="0"/>
+                <a:cs typeface="Arial" panose="020B0604020202020204" pitchFamily="34" charset="0"/>
+              </a:rPr>
+              <a:t>Argon2PasswordEncoder</a:t>
+            </a:r>
+          </a:p>
+          <a:p>
+            <a:pPr lvl="1"/>
+            <a:r>
+              <a:rPr lang="en-US">
+                <a:latin typeface="Arial" panose="020B0604020202020204" pitchFamily="34" charset="0"/>
+                <a:cs typeface="Arial" panose="020B0604020202020204" pitchFamily="34" charset="0"/>
+              </a:rPr>
+              <a:t>SCryptPasswordEncoder</a:t>
+            </a:r>
+          </a:p>
+          <a:p>
+            <a:pPr lvl="1"/>
+            <a:r>
+              <a:rPr lang="en-US">
+                <a:latin typeface="Arial" panose="020B0604020202020204" pitchFamily="34" charset="0"/>
+                <a:cs typeface="Arial" panose="020B0604020202020204" pitchFamily="34" charset="0"/>
+              </a:rPr>
+              <a:t>NoOpPasswordEncoder</a:t>
+            </a:r>
+          </a:p>
+          <a:p>
+            <a:pPr lvl="1"/>
+            <a:r>
+              <a:rPr lang="en-US">
+                <a:latin typeface="Arial" panose="020B0604020202020204" pitchFamily="34" charset="0"/>
+                <a:cs typeface="Arial" panose="020B0604020202020204" pitchFamily="34" charset="0"/>
+              </a:rPr>
+              <a:t>DelegatingPasswordEncoder</a:t>
+            </a:r>
+          </a:p>
+          <a:p>
+            <a:pPr lvl="1"/>
+            <a:r>
+              <a:rPr lang="en-US">
+                <a:latin typeface="Arial" panose="020B0604020202020204" pitchFamily="34" charset="0"/>
+                <a:cs typeface="Arial" panose="020B0604020202020204" pitchFamily="34" charset="0"/>
+              </a:rPr>
+              <a:t>…</a:t>
+            </a:r>
+          </a:p>
+        </p:txBody>
+      </p:sp>
     </p:spTree>
     <p:extLst>
       <p:ext uri="{BB962C8B-B14F-4D97-AF65-F5344CB8AC3E}">
-        <p14:creationId xmlns:p14="http://schemas.microsoft.com/office/powerpoint/2010/main" val="2739357440"/>
+        <p14:creationId xmlns:p14="http://schemas.microsoft.com/office/powerpoint/2010/main" val="1795311266"/>
       </p:ext>
     </p:extLst>
   </p:cSld>
@@ -6571,7 +6630,7 @@
                 <a:latin typeface="Arial" panose="020B0604020202020204" pitchFamily="34" charset="0"/>
                 <a:cs typeface="Arial" panose="020B0604020202020204" pitchFamily="34" charset="0"/>
               </a:rPr>
-              <a:t>New project</a:t>
+              <a:t>Basic Configuration</a:t>
             </a:r>
           </a:p>
         </p:txBody>
@@ -6588,7 +6647,9 @@
         </p:nvSpPr>
         <p:spPr/>
         <p:txBody>
-          <a:bodyPr/>
+          <a:bodyPr>
+            <a:normAutofit/>
+          </a:bodyPr>
           <a:lstStyle/>
           <a:p>
             <a:r>
@@ -6596,51 +6657,82 @@
                 <a:latin typeface="Arial" panose="020B0604020202020204" pitchFamily="34" charset="0"/>
                 <a:cs typeface="Arial" panose="020B0604020202020204" pitchFamily="34" charset="0"/>
               </a:rPr>
-              <a:t>Tạo mới project:</a:t>
-            </a:r>
-          </a:p>
-          <a:p>
+              <a:t>Mặc định, Spring Boot sử dụng DelegatingPasswordEncoder làm PasswordEncoder</a:t>
+            </a:r>
+          </a:p>
+          <a:p>
+            <a:r>
+              <a:rPr lang="en-US">
+                <a:latin typeface="Arial" panose="020B0604020202020204" pitchFamily="34" charset="0"/>
+                <a:cs typeface="Arial" panose="020B0604020202020204" pitchFamily="34" charset="0"/>
+              </a:rPr>
+              <a:t>Cách hoạt động của nó như sau:</a:t>
+            </a:r>
+          </a:p>
+          <a:p>
+            <a:pPr lvl="1"/>
+            <a:r>
+              <a:rPr lang="vi-VN">
+                <a:latin typeface="Arial" panose="020B0604020202020204" pitchFamily="34" charset="0"/>
+                <a:cs typeface="Arial" panose="020B0604020202020204" pitchFamily="34" charset="0"/>
+              </a:rPr>
+              <a:t>DelegatingPasswordEncoder sử dụng một chuỗi nhận diện (id) đi kèm với mật khẩu đã mã hóa để xác định thuật toán mã hóa cụ thể nào sẽ được sử dụng để giải mã mật khẩu đó. </a:t>
+            </a:r>
             <a:endParaRPr lang="en-US">
               <a:latin typeface="Arial" panose="020B0604020202020204" pitchFamily="34" charset="0"/>
               <a:cs typeface="Arial" panose="020B0604020202020204" pitchFamily="34" charset="0"/>
             </a:endParaRPr>
           </a:p>
-        </p:txBody>
-      </p:sp>
-      <p:pic>
-        <p:nvPicPr>
-          <p:cNvPr id="6" name="Picture 5">
-            <a:extLst>
-              <a:ext uri="{FF2B5EF4-FFF2-40B4-BE49-F238E27FC236}">
-                <a16:creationId xmlns:a16="http://schemas.microsoft.com/office/drawing/2014/main" id="{5DDA5412-BBEF-4943-457B-7013F894E541}"/>
-              </a:ext>
-            </a:extLst>
-          </p:cNvPr>
-          <p:cNvPicPr>
-            <a:picLocks noChangeAspect="1"/>
-          </p:cNvPicPr>
-          <p:nvPr/>
-        </p:nvPicPr>
-        <p:blipFill>
-          <a:blip r:embed="rId2"/>
-          <a:stretch>
-            <a:fillRect/>
-          </a:stretch>
-        </p:blipFill>
-        <p:spPr>
-          <a:xfrm>
-            <a:off x="1097885" y="2595373"/>
-            <a:ext cx="7570273" cy="3158966"/>
-          </a:xfrm>
-          <a:prstGeom prst="rect">
-            <a:avLst/>
-          </a:prstGeom>
-        </p:spPr>
-      </p:pic>
+          <a:p>
+            <a:pPr lvl="1"/>
+            <a:r>
+              <a:rPr lang="vi-VN">
+                <a:latin typeface="Arial" panose="020B0604020202020204" pitchFamily="34" charset="0"/>
+                <a:cs typeface="Arial" panose="020B0604020202020204" pitchFamily="34" charset="0"/>
+              </a:rPr>
+              <a:t>Chuỗi id này được đặt trong dấu ngoặc nhọn ({}) ở đầu mật khẩu đã mã hóa, giúp DelegatingPasswordEncoder biết cách chọn PasswordEncoder phù hợp để xác minh mật khẩu.</a:t>
+            </a:r>
+            <a:endParaRPr lang="en-US">
+              <a:latin typeface="Arial" panose="020B0604020202020204" pitchFamily="34" charset="0"/>
+              <a:cs typeface="Arial" panose="020B0604020202020204" pitchFamily="34" charset="0"/>
+            </a:endParaRPr>
+          </a:p>
+          <a:p>
+            <a:pPr lvl="1"/>
+            <a:r>
+              <a:rPr lang="en-US">
+                <a:latin typeface="Arial" panose="020B0604020202020204" pitchFamily="34" charset="0"/>
+                <a:cs typeface="Arial" panose="020B0604020202020204" pitchFamily="34" charset="0"/>
+              </a:rPr>
+              <a:t>Ví dụ:</a:t>
+            </a:r>
+          </a:p>
+          <a:p>
+            <a:pPr lvl="2"/>
+            <a:r>
+              <a:rPr lang="en-US">
+                <a:latin typeface="Arial" panose="020B0604020202020204" pitchFamily="34" charset="0"/>
+                <a:cs typeface="Arial" panose="020B0604020202020204" pitchFamily="34" charset="0"/>
+              </a:rPr>
+              <a:t>{bcrypt}xvxcvzxvzxcvzxcvzxv</a:t>
+            </a:r>
+          </a:p>
+          <a:p>
+            <a:pPr lvl="2"/>
+            <a:r>
+              <a:rPr lang="en-US">
+                <a:latin typeface="Arial" panose="020B0604020202020204" pitchFamily="34" charset="0"/>
+                <a:cs typeface="Arial" panose="020B0604020202020204" pitchFamily="34" charset="0"/>
+              </a:rPr>
+              <a:t>{noop}abc123</a:t>
+            </a:r>
+          </a:p>
+        </p:txBody>
+      </p:sp>
     </p:spTree>
     <p:extLst>
       <p:ext uri="{BB962C8B-B14F-4D97-AF65-F5344CB8AC3E}">
-        <p14:creationId xmlns:p14="http://schemas.microsoft.com/office/powerpoint/2010/main" val="622539829"/>
+        <p14:creationId xmlns:p14="http://schemas.microsoft.com/office/powerpoint/2010/main" val="2842903347"/>
       </p:ext>
     </p:extLst>
   </p:cSld>
@@ -6687,7 +6779,7 @@
                 <a:latin typeface="Arial" panose="020B0604020202020204" pitchFamily="34" charset="0"/>
                 <a:cs typeface="Arial" panose="020B0604020202020204" pitchFamily="34" charset="0"/>
               </a:rPr>
-              <a:t>Start project</a:t>
+              <a:t>Basic Configuration</a:t>
             </a:r>
           </a:p>
         </p:txBody>
@@ -6704,7 +6796,9 @@
         </p:nvSpPr>
         <p:spPr/>
         <p:txBody>
-          <a:bodyPr/>
+          <a:bodyPr>
+            <a:normAutofit/>
+          </a:bodyPr>
           <a:lstStyle/>
           <a:p>
             <a:r>
@@ -6712,37 +6806,7 @@
                 <a:latin typeface="Arial" panose="020B0604020202020204" pitchFamily="34" charset="0"/>
                 <a:cs typeface="Arial" panose="020B0604020202020204" pitchFamily="34" charset="0"/>
               </a:rPr>
-              <a:t>Cấu hình DB trong application.properties:</a:t>
-            </a:r>
-          </a:p>
-          <a:p>
-            <a:pPr lvl="1"/>
-            <a:r>
-              <a:rPr lang="en-US">
-                <a:latin typeface="Arial" panose="020B0604020202020204" pitchFamily="34" charset="0"/>
-                <a:cs typeface="Arial" panose="020B0604020202020204" pitchFamily="34" charset="0"/>
-              </a:rPr>
-              <a:t>spring.datasource.url=jdbc:mariadb://localhost:3006/demo_validation</a:t>
-            </a:r>
-          </a:p>
-          <a:p>
-            <a:pPr lvl="1"/>
-            <a:r>
-              <a:rPr lang="en-US">
-                <a:latin typeface="Arial" panose="020B0604020202020204" pitchFamily="34" charset="0"/>
-                <a:cs typeface="Arial" panose="020B0604020202020204" pitchFamily="34" charset="0"/>
-              </a:rPr>
-              <a:t>spring.datasource.username=root</a:t>
-            </a:r>
-          </a:p>
-          <a:p>
-            <a:pPr lvl="1"/>
-            <a:r>
-              <a:rPr lang="en-US">
-                <a:latin typeface="Arial" panose="020B0604020202020204" pitchFamily="34" charset="0"/>
-                <a:cs typeface="Arial" panose="020B0604020202020204" pitchFamily="34" charset="0"/>
-              </a:rPr>
-              <a:t>spring.datasource.password=root</a:t>
+              <a:t>Cách add thông tin user vào bộ nhớ:</a:t>
             </a:r>
           </a:p>
           <a:p>
@@ -6751,12 +6815,432 @@
               <a:cs typeface="Arial" panose="020B0604020202020204" pitchFamily="34" charset="0"/>
             </a:endParaRPr>
           </a:p>
-        </p:txBody>
-      </p:sp>
+          <a:p>
+            <a:endParaRPr lang="en-US">
+              <a:latin typeface="Arial" panose="020B0604020202020204" pitchFamily="34" charset="0"/>
+              <a:cs typeface="Arial" panose="020B0604020202020204" pitchFamily="34" charset="0"/>
+            </a:endParaRPr>
+          </a:p>
+          <a:p>
+            <a:endParaRPr lang="en-US">
+              <a:latin typeface="Arial" panose="020B0604020202020204" pitchFamily="34" charset="0"/>
+              <a:cs typeface="Arial" panose="020B0604020202020204" pitchFamily="34" charset="0"/>
+            </a:endParaRPr>
+          </a:p>
+          <a:p>
+            <a:endParaRPr lang="en-US">
+              <a:latin typeface="Arial" panose="020B0604020202020204" pitchFamily="34" charset="0"/>
+              <a:cs typeface="Arial" panose="020B0604020202020204" pitchFamily="34" charset="0"/>
+            </a:endParaRPr>
+          </a:p>
+          <a:p>
+            <a:endParaRPr lang="en-US">
+              <a:latin typeface="Arial" panose="020B0604020202020204" pitchFamily="34" charset="0"/>
+              <a:cs typeface="Arial" panose="020B0604020202020204" pitchFamily="34" charset="0"/>
+            </a:endParaRPr>
+          </a:p>
+          <a:p>
+            <a:endParaRPr lang="en-US">
+              <a:latin typeface="Arial" panose="020B0604020202020204" pitchFamily="34" charset="0"/>
+              <a:cs typeface="Arial" panose="020B0604020202020204" pitchFamily="34" charset="0"/>
+            </a:endParaRPr>
+          </a:p>
+          <a:p>
+            <a:endParaRPr lang="en-US">
+              <a:latin typeface="Arial" panose="020B0604020202020204" pitchFamily="34" charset="0"/>
+              <a:cs typeface="Arial" panose="020B0604020202020204" pitchFamily="34" charset="0"/>
+            </a:endParaRPr>
+          </a:p>
+          <a:p>
+            <a:r>
+              <a:rPr lang="en-US">
+                <a:latin typeface="Arial" panose="020B0604020202020204" pitchFamily="34" charset="0"/>
+                <a:cs typeface="Arial" panose="020B0604020202020204" pitchFamily="34" charset="0"/>
+              </a:rPr>
+              <a:t>Nếu sử dụng cách này thì nó sẽ không lấy thông tin user đã được config ở application.properties nữa</a:t>
+            </a:r>
+          </a:p>
+          <a:p>
+            <a:endParaRPr lang="en-US">
+              <a:latin typeface="Arial" panose="020B0604020202020204" pitchFamily="34" charset="0"/>
+              <a:cs typeface="Arial" panose="020B0604020202020204" pitchFamily="34" charset="0"/>
+            </a:endParaRPr>
+          </a:p>
+        </p:txBody>
+      </p:sp>
+      <p:pic>
+        <p:nvPicPr>
+          <p:cNvPr id="5" name="Picture 4">
+            <a:extLst>
+              <a:ext uri="{FF2B5EF4-FFF2-40B4-BE49-F238E27FC236}">
+                <a16:creationId xmlns:a16="http://schemas.microsoft.com/office/drawing/2014/main" id="{5F061391-2CF2-E29C-9B86-1587FB37A2D9}"/>
+              </a:ext>
+            </a:extLst>
+          </p:cNvPr>
+          <p:cNvPicPr>
+            <a:picLocks noChangeAspect="1"/>
+          </p:cNvPicPr>
+          <p:nvPr/>
+        </p:nvPicPr>
+        <p:blipFill>
+          <a:blip r:embed="rId2"/>
+          <a:stretch>
+            <a:fillRect/>
+          </a:stretch>
+        </p:blipFill>
+        <p:spPr>
+          <a:xfrm>
+            <a:off x="1123697" y="2546408"/>
+            <a:ext cx="8327300" cy="2486750"/>
+          </a:xfrm>
+          <a:prstGeom prst="rect">
+            <a:avLst/>
+          </a:prstGeom>
+        </p:spPr>
+      </p:pic>
     </p:spTree>
     <p:extLst>
       <p:ext uri="{BB962C8B-B14F-4D97-AF65-F5344CB8AC3E}">
-        <p14:creationId xmlns:p14="http://schemas.microsoft.com/office/powerpoint/2010/main" val="2101312965"/>
+        <p14:creationId xmlns:p14="http://schemas.microsoft.com/office/powerpoint/2010/main" val="2943361093"/>
+      </p:ext>
+    </p:extLst>
+  </p:cSld>
+  <p:clrMapOvr>
+    <a:masterClrMapping/>
+  </p:clrMapOvr>
+</p:sld>
+</file>
+
+<file path=ppt/slides/slide17.xml><?xml version="1.0" encoding="utf-8"?>
+<p:sld xmlns:a="http://schemas.openxmlformats.org/drawingml/2006/main" xmlns:r="http://schemas.openxmlformats.org/officeDocument/2006/relationships" xmlns:p="http://schemas.openxmlformats.org/presentationml/2006/main">
+  <p:cSld>
+    <p:spTree>
+      <p:nvGrpSpPr>
+        <p:cNvPr id="1" name=""/>
+        <p:cNvGrpSpPr/>
+        <p:nvPr/>
+      </p:nvGrpSpPr>
+      <p:grpSpPr>
+        <a:xfrm>
+          <a:off x="0" y="0"/>
+          <a:ext cx="0" cy="0"/>
+          <a:chOff x="0" y="0"/>
+          <a:chExt cx="0" cy="0"/>
+        </a:xfrm>
+      </p:grpSpPr>
+      <p:sp>
+        <p:nvSpPr>
+          <p:cNvPr id="2" name="Title 1"/>
+          <p:cNvSpPr>
+            <a:spLocks noGrp="1"/>
+          </p:cNvSpPr>
+          <p:nvPr>
+            <p:ph type="title"/>
+          </p:nvPr>
+        </p:nvSpPr>
+        <p:spPr/>
+        <p:txBody>
+          <a:bodyPr/>
+          <a:lstStyle/>
+          <a:p>
+            <a:r>
+              <a:rPr lang="en-US">
+                <a:latin typeface="Arial" panose="020B0604020202020204" pitchFamily="34" charset="0"/>
+                <a:cs typeface="Arial" panose="020B0604020202020204" pitchFamily="34" charset="0"/>
+              </a:rPr>
+              <a:t>Basic Configuration</a:t>
+            </a:r>
+          </a:p>
+        </p:txBody>
+      </p:sp>
+      <p:sp>
+        <p:nvSpPr>
+          <p:cNvPr id="3" name="Content Placeholder 2"/>
+          <p:cNvSpPr>
+            <a:spLocks noGrp="1"/>
+          </p:cNvSpPr>
+          <p:nvPr>
+            <p:ph idx="1"/>
+          </p:nvPr>
+        </p:nvSpPr>
+        <p:spPr/>
+        <p:txBody>
+          <a:bodyPr>
+            <a:normAutofit/>
+          </a:bodyPr>
+          <a:lstStyle/>
+          <a:p>
+            <a:r>
+              <a:rPr lang="en-US">
+                <a:latin typeface="Arial" panose="020B0604020202020204" pitchFamily="34" charset="0"/>
+                <a:cs typeface="Arial" panose="020B0604020202020204" pitchFamily="34" charset="0"/>
+              </a:rPr>
+              <a:t>Thử login bằng user đầu tiên nhé: haolv1:test123</a:t>
+            </a:r>
+          </a:p>
+          <a:p>
+            <a:endParaRPr lang="en-US">
+              <a:latin typeface="Arial" panose="020B0604020202020204" pitchFamily="34" charset="0"/>
+              <a:cs typeface="Arial" panose="020B0604020202020204" pitchFamily="34" charset="0"/>
+            </a:endParaRPr>
+          </a:p>
+        </p:txBody>
+      </p:sp>
+      <p:pic>
+        <p:nvPicPr>
+          <p:cNvPr id="5" name="Picture 4">
+            <a:extLst>
+              <a:ext uri="{FF2B5EF4-FFF2-40B4-BE49-F238E27FC236}">
+                <a16:creationId xmlns:a16="http://schemas.microsoft.com/office/drawing/2014/main" id="{E674D717-38E2-927B-4E56-38FCCEECCAF5}"/>
+              </a:ext>
+            </a:extLst>
+          </p:cNvPr>
+          <p:cNvPicPr>
+            <a:picLocks noChangeAspect="1"/>
+          </p:cNvPicPr>
+          <p:nvPr/>
+        </p:nvPicPr>
+        <p:blipFill>
+          <a:blip r:embed="rId2"/>
+          <a:stretch>
+            <a:fillRect/>
+          </a:stretch>
+        </p:blipFill>
+        <p:spPr>
+          <a:xfrm>
+            <a:off x="677334" y="2667424"/>
+            <a:ext cx="9160030" cy="1896378"/>
+          </a:xfrm>
+          <a:prstGeom prst="rect">
+            <a:avLst/>
+          </a:prstGeom>
+        </p:spPr>
+      </p:pic>
+    </p:spTree>
+    <p:extLst>
+      <p:ext uri="{BB962C8B-B14F-4D97-AF65-F5344CB8AC3E}">
+        <p14:creationId xmlns:p14="http://schemas.microsoft.com/office/powerpoint/2010/main" val="1210555967"/>
+      </p:ext>
+    </p:extLst>
+  </p:cSld>
+  <p:clrMapOvr>
+    <a:masterClrMapping/>
+  </p:clrMapOvr>
+</p:sld>
+</file>
+
+<file path=ppt/slides/slide18.xml><?xml version="1.0" encoding="utf-8"?>
+<p:sld xmlns:a="http://schemas.openxmlformats.org/drawingml/2006/main" xmlns:r="http://schemas.openxmlformats.org/officeDocument/2006/relationships" xmlns:p="http://schemas.openxmlformats.org/presentationml/2006/main">
+  <p:cSld>
+    <p:spTree>
+      <p:nvGrpSpPr>
+        <p:cNvPr id="1" name=""/>
+        <p:cNvGrpSpPr/>
+        <p:nvPr/>
+      </p:nvGrpSpPr>
+      <p:grpSpPr>
+        <a:xfrm>
+          <a:off x="0" y="0"/>
+          <a:ext cx="0" cy="0"/>
+          <a:chOff x="0" y="0"/>
+          <a:chExt cx="0" cy="0"/>
+        </a:xfrm>
+      </p:grpSpPr>
+      <p:sp>
+        <p:nvSpPr>
+          <p:cNvPr id="2" name="Title 1"/>
+          <p:cNvSpPr>
+            <a:spLocks noGrp="1"/>
+          </p:cNvSpPr>
+          <p:nvPr>
+            <p:ph type="title"/>
+          </p:nvPr>
+        </p:nvSpPr>
+        <p:spPr/>
+        <p:txBody>
+          <a:bodyPr/>
+          <a:lstStyle/>
+          <a:p>
+            <a:r>
+              <a:rPr lang="en-US">
+                <a:latin typeface="Arial" panose="020B0604020202020204" pitchFamily="34" charset="0"/>
+                <a:cs typeface="Arial" panose="020B0604020202020204" pitchFamily="34" charset="0"/>
+              </a:rPr>
+              <a:t>Basic Configuration</a:t>
+            </a:r>
+          </a:p>
+        </p:txBody>
+      </p:sp>
+      <p:sp>
+        <p:nvSpPr>
+          <p:cNvPr id="3" name="Content Placeholder 2"/>
+          <p:cNvSpPr>
+            <a:spLocks noGrp="1"/>
+          </p:cNvSpPr>
+          <p:nvPr>
+            <p:ph idx="1"/>
+          </p:nvPr>
+        </p:nvSpPr>
+        <p:spPr/>
+        <p:txBody>
+          <a:bodyPr>
+            <a:normAutofit/>
+          </a:bodyPr>
+          <a:lstStyle/>
+          <a:p>
+            <a:r>
+              <a:rPr lang="en-US">
+                <a:latin typeface="Arial" panose="020B0604020202020204" pitchFamily="34" charset="0"/>
+                <a:cs typeface="Arial" panose="020B0604020202020204" pitchFamily="34" charset="0"/>
+              </a:rPr>
+              <a:t>Thử login bằng user đầu tiên nhé: haolv2:test123 và haolv3:test123 </a:t>
+            </a:r>
+          </a:p>
+          <a:p>
+            <a:endParaRPr lang="en-US">
+              <a:latin typeface="Arial" panose="020B0604020202020204" pitchFamily="34" charset="0"/>
+              <a:cs typeface="Arial" panose="020B0604020202020204" pitchFamily="34" charset="0"/>
+            </a:endParaRPr>
+          </a:p>
+        </p:txBody>
+      </p:sp>
+    </p:spTree>
+    <p:extLst>
+      <p:ext uri="{BB962C8B-B14F-4D97-AF65-F5344CB8AC3E}">
+        <p14:creationId xmlns:p14="http://schemas.microsoft.com/office/powerpoint/2010/main" val="2154305418"/>
+      </p:ext>
+    </p:extLst>
+  </p:cSld>
+  <p:clrMapOvr>
+    <a:masterClrMapping/>
+  </p:clrMapOvr>
+</p:sld>
+</file>
+
+<file path=ppt/slides/slide19.xml><?xml version="1.0" encoding="utf-8"?>
+<p:sld xmlns:a="http://schemas.openxmlformats.org/drawingml/2006/main" xmlns:r="http://schemas.openxmlformats.org/officeDocument/2006/relationships" xmlns:p="http://schemas.openxmlformats.org/presentationml/2006/main">
+  <p:cSld>
+    <p:spTree>
+      <p:nvGrpSpPr>
+        <p:cNvPr id="1" name=""/>
+        <p:cNvGrpSpPr/>
+        <p:nvPr/>
+      </p:nvGrpSpPr>
+      <p:grpSpPr>
+        <a:xfrm>
+          <a:off x="0" y="0"/>
+          <a:ext cx="0" cy="0"/>
+          <a:chOff x="0" y="0"/>
+          <a:chExt cx="0" cy="0"/>
+        </a:xfrm>
+      </p:grpSpPr>
+      <p:sp>
+        <p:nvSpPr>
+          <p:cNvPr id="2" name="Title 1"/>
+          <p:cNvSpPr>
+            <a:spLocks noGrp="1"/>
+          </p:cNvSpPr>
+          <p:nvPr>
+            <p:ph type="title"/>
+          </p:nvPr>
+        </p:nvSpPr>
+        <p:spPr/>
+        <p:txBody>
+          <a:bodyPr/>
+          <a:lstStyle/>
+          <a:p>
+            <a:r>
+              <a:rPr lang="en-US">
+                <a:latin typeface="Arial" panose="020B0604020202020204" pitchFamily="34" charset="0"/>
+                <a:cs typeface="Arial" panose="020B0604020202020204" pitchFamily="34" charset="0"/>
+              </a:rPr>
+              <a:t>Basic Configuration</a:t>
+            </a:r>
+          </a:p>
+        </p:txBody>
+      </p:sp>
+      <p:sp>
+        <p:nvSpPr>
+          <p:cNvPr id="3" name="Content Placeholder 2"/>
+          <p:cNvSpPr>
+            <a:spLocks noGrp="1"/>
+          </p:cNvSpPr>
+          <p:nvPr>
+            <p:ph idx="1"/>
+          </p:nvPr>
+        </p:nvSpPr>
+        <p:spPr/>
+        <p:txBody>
+          <a:bodyPr>
+            <a:normAutofit/>
+          </a:bodyPr>
+          <a:lstStyle/>
+          <a:p>
+            <a:r>
+              <a:rPr lang="en-US">
+                <a:latin typeface="Arial" panose="020B0604020202020204" pitchFamily="34" charset="0"/>
+                <a:cs typeface="Arial" panose="020B0604020202020204" pitchFamily="34" charset="0"/>
+              </a:rPr>
+              <a:t>Ví dụ password là: {bcrypt}$2a$12$GFrM4OAG2pAJJupeCTP5 …</a:t>
+            </a:r>
+          </a:p>
+          <a:p>
+            <a:endParaRPr lang="en-US">
+              <a:latin typeface="Arial" panose="020B0604020202020204" pitchFamily="34" charset="0"/>
+              <a:cs typeface="Arial" panose="020B0604020202020204" pitchFamily="34" charset="0"/>
+            </a:endParaRPr>
+          </a:p>
+          <a:p>
+            <a:r>
+              <a:rPr lang="en-US">
+                <a:latin typeface="Arial" panose="020B0604020202020204" pitchFamily="34" charset="0"/>
+                <a:cs typeface="Arial" panose="020B0604020202020204" pitchFamily="34" charset="0"/>
+              </a:rPr>
+              <a:t>Cách check password:</a:t>
+            </a:r>
+          </a:p>
+          <a:p>
+            <a:pPr lvl="1"/>
+            <a:r>
+              <a:rPr lang="en-US">
+                <a:latin typeface="Arial" panose="020B0604020202020204" pitchFamily="34" charset="0"/>
+                <a:cs typeface="Arial" panose="020B0604020202020204" pitchFamily="34" charset="0"/>
+              </a:rPr>
+              <a:t>Lấy id {bcrypt} và kiểm tra xem sử dụng encoder nào</a:t>
+            </a:r>
+          </a:p>
+          <a:p>
+            <a:pPr lvl="1"/>
+            <a:r>
+              <a:rPr lang="en-US">
+                <a:latin typeface="Arial" panose="020B0604020202020204" pitchFamily="34" charset="0"/>
+                <a:cs typeface="Arial" panose="020B0604020202020204" pitchFamily="34" charset="0"/>
+              </a:rPr>
+              <a:t>Thực hiện encode password mà user nhập vào</a:t>
+            </a:r>
+          </a:p>
+          <a:p>
+            <a:pPr lvl="1"/>
+            <a:r>
+              <a:rPr lang="en-US">
+                <a:latin typeface="Arial" panose="020B0604020202020204" pitchFamily="34" charset="0"/>
+                <a:cs typeface="Arial" panose="020B0604020202020204" pitchFamily="34" charset="0"/>
+              </a:rPr>
+              <a:t>Check mapping password sau khi encode với password trong bộ nhớ</a:t>
+            </a:r>
+          </a:p>
+          <a:p>
+            <a:endParaRPr lang="en-US">
+              <a:latin typeface="Arial" panose="020B0604020202020204" pitchFamily="34" charset="0"/>
+              <a:cs typeface="Arial" panose="020B0604020202020204" pitchFamily="34" charset="0"/>
+            </a:endParaRPr>
+          </a:p>
+        </p:txBody>
+      </p:sp>
+    </p:spTree>
+    <p:extLst>
+      <p:ext uri="{BB962C8B-B14F-4D97-AF65-F5344CB8AC3E}">
+        <p14:creationId xmlns:p14="http://schemas.microsoft.com/office/powerpoint/2010/main" val="1000020703"/>
       </p:ext>
     </p:extLst>
   </p:cSld>
@@ -7093,6 +7577,1319 @@
     <p:extLst>
       <p:ext uri="{BB962C8B-B14F-4D97-AF65-F5344CB8AC3E}">
         <p14:creationId xmlns:p14="http://schemas.microsoft.com/office/powerpoint/2010/main" val="4220137113"/>
+      </p:ext>
+    </p:extLst>
+  </p:cSld>
+  <p:clrMapOvr>
+    <a:masterClrMapping/>
+  </p:clrMapOvr>
+</p:sld>
+</file>
+
+<file path=ppt/slides/slide20.xml><?xml version="1.0" encoding="utf-8"?>
+<p:sld xmlns:a="http://schemas.openxmlformats.org/drawingml/2006/main" xmlns:r="http://schemas.openxmlformats.org/officeDocument/2006/relationships" xmlns:p="http://schemas.openxmlformats.org/presentationml/2006/main">
+  <p:cSld>
+    <p:spTree>
+      <p:nvGrpSpPr>
+        <p:cNvPr id="1" name=""/>
+        <p:cNvGrpSpPr/>
+        <p:nvPr/>
+      </p:nvGrpSpPr>
+      <p:grpSpPr>
+        <a:xfrm>
+          <a:off x="0" y="0"/>
+          <a:ext cx="0" cy="0"/>
+          <a:chOff x="0" y="0"/>
+          <a:chExt cx="0" cy="0"/>
+        </a:xfrm>
+      </p:grpSpPr>
+      <p:sp>
+        <p:nvSpPr>
+          <p:cNvPr id="2" name="Title 1"/>
+          <p:cNvSpPr>
+            <a:spLocks noGrp="1"/>
+          </p:cNvSpPr>
+          <p:nvPr>
+            <p:ph type="title"/>
+          </p:nvPr>
+        </p:nvSpPr>
+        <p:spPr/>
+        <p:txBody>
+          <a:bodyPr/>
+          <a:lstStyle/>
+          <a:p>
+            <a:r>
+              <a:rPr lang="en-US">
+                <a:latin typeface="Arial" panose="020B0604020202020204" pitchFamily="34" charset="0"/>
+                <a:cs typeface="Arial" panose="020B0604020202020204" pitchFamily="34" charset="0"/>
+              </a:rPr>
+              <a:t>Basic Configuration</a:t>
+            </a:r>
+          </a:p>
+        </p:txBody>
+      </p:sp>
+      <p:sp>
+        <p:nvSpPr>
+          <p:cNvPr id="3" name="Content Placeholder 2"/>
+          <p:cNvSpPr>
+            <a:spLocks noGrp="1"/>
+          </p:cNvSpPr>
+          <p:nvPr>
+            <p:ph idx="1"/>
+          </p:nvPr>
+        </p:nvSpPr>
+        <p:spPr/>
+        <p:txBody>
+          <a:bodyPr>
+            <a:normAutofit/>
+          </a:bodyPr>
+          <a:lstStyle/>
+          <a:p>
+            <a:r>
+              <a:rPr lang="en-US">
+                <a:latin typeface="Arial" panose="020B0604020202020204" pitchFamily="34" charset="0"/>
+                <a:cs typeface="Arial" panose="020B0604020202020204" pitchFamily="34" charset="0"/>
+              </a:rPr>
+              <a:t>Giờ ta sẽ xử lý bài toán bên dưới về quản lý nhân viên:</a:t>
+            </a:r>
+          </a:p>
+          <a:p>
+            <a:pPr lvl="1"/>
+            <a:r>
+              <a:rPr lang="en-US">
+                <a:latin typeface="Arial" panose="020B0604020202020204" pitchFamily="34" charset="0"/>
+                <a:cs typeface="Arial" panose="020B0604020202020204" pitchFamily="34" charset="0"/>
+              </a:rPr>
+              <a:t>User cho phép xem thông tin tất cả employee</a:t>
+            </a:r>
+          </a:p>
+          <a:p>
+            <a:pPr lvl="1"/>
+            <a:r>
+              <a:rPr lang="en-US">
+                <a:latin typeface="Arial" panose="020B0604020202020204" pitchFamily="34" charset="0"/>
+                <a:cs typeface="Arial" panose="020B0604020202020204" pitchFamily="34" charset="0"/>
+              </a:rPr>
+              <a:t>Manager cho phép thêm/sửa thông tin employee</a:t>
+            </a:r>
+          </a:p>
+          <a:p>
+            <a:pPr lvl="1"/>
+            <a:r>
+              <a:rPr lang="en-US">
+                <a:latin typeface="Arial" panose="020B0604020202020204" pitchFamily="34" charset="0"/>
+                <a:cs typeface="Arial" panose="020B0604020202020204" pitchFamily="34" charset="0"/>
+              </a:rPr>
+              <a:t>Admin cho phép xóa thông tin employee</a:t>
+            </a:r>
+          </a:p>
+        </p:txBody>
+      </p:sp>
+    </p:spTree>
+    <p:extLst>
+      <p:ext uri="{BB962C8B-B14F-4D97-AF65-F5344CB8AC3E}">
+        <p14:creationId xmlns:p14="http://schemas.microsoft.com/office/powerpoint/2010/main" val="1079521691"/>
+      </p:ext>
+    </p:extLst>
+  </p:cSld>
+  <p:clrMapOvr>
+    <a:masterClrMapping/>
+  </p:clrMapOvr>
+</p:sld>
+</file>
+
+<file path=ppt/slides/slide21.xml><?xml version="1.0" encoding="utf-8"?>
+<p:sld xmlns:a="http://schemas.openxmlformats.org/drawingml/2006/main" xmlns:r="http://schemas.openxmlformats.org/officeDocument/2006/relationships" xmlns:p="http://schemas.openxmlformats.org/presentationml/2006/main">
+  <p:cSld>
+    <p:spTree>
+      <p:nvGrpSpPr>
+        <p:cNvPr id="1" name=""/>
+        <p:cNvGrpSpPr/>
+        <p:nvPr/>
+      </p:nvGrpSpPr>
+      <p:grpSpPr>
+        <a:xfrm>
+          <a:off x="0" y="0"/>
+          <a:ext cx="0" cy="0"/>
+          <a:chOff x="0" y="0"/>
+          <a:chExt cx="0" cy="0"/>
+        </a:xfrm>
+      </p:grpSpPr>
+      <p:sp>
+        <p:nvSpPr>
+          <p:cNvPr id="2" name="Title 1"/>
+          <p:cNvSpPr>
+            <a:spLocks noGrp="1"/>
+          </p:cNvSpPr>
+          <p:nvPr>
+            <p:ph type="title"/>
+          </p:nvPr>
+        </p:nvSpPr>
+        <p:spPr/>
+        <p:txBody>
+          <a:bodyPr/>
+          <a:lstStyle/>
+          <a:p>
+            <a:r>
+              <a:rPr lang="en-US">
+                <a:latin typeface="Arial" panose="020B0604020202020204" pitchFamily="34" charset="0"/>
+                <a:cs typeface="Arial" panose="020B0604020202020204" pitchFamily="34" charset="0"/>
+              </a:rPr>
+              <a:t>Basic Configuration</a:t>
+            </a:r>
+          </a:p>
+        </p:txBody>
+      </p:sp>
+      <p:sp>
+        <p:nvSpPr>
+          <p:cNvPr id="3" name="Content Placeholder 2"/>
+          <p:cNvSpPr>
+            <a:spLocks noGrp="1"/>
+          </p:cNvSpPr>
+          <p:nvPr>
+            <p:ph idx="1"/>
+          </p:nvPr>
+        </p:nvSpPr>
+        <p:spPr/>
+        <p:txBody>
+          <a:bodyPr>
+            <a:normAutofit/>
+          </a:bodyPr>
+          <a:lstStyle/>
+          <a:p>
+            <a:r>
+              <a:rPr lang="en-US">
+                <a:latin typeface="Arial" panose="020B0604020202020204" pitchFamily="34" charset="0"/>
+                <a:cs typeface="Arial" panose="020B0604020202020204" pitchFamily="34" charset="0"/>
+              </a:rPr>
+              <a:t>Phân tích bài toán:</a:t>
+            </a:r>
+          </a:p>
+          <a:p>
+            <a:pPr lvl="1"/>
+            <a:r>
+              <a:rPr lang="en-US">
+                <a:latin typeface="Arial" panose="020B0604020202020204" pitchFamily="34" charset="0"/>
+                <a:cs typeface="Arial" panose="020B0604020202020204" pitchFamily="34" charset="0"/>
+              </a:rPr>
+              <a:t>User cho phép xem thông tin tất cả employee</a:t>
+            </a:r>
+          </a:p>
+          <a:p>
+            <a:pPr lvl="2"/>
+            <a:r>
+              <a:rPr lang="en-US">
+                <a:latin typeface="Arial" panose="020B0604020202020204" pitchFamily="34" charset="0"/>
+                <a:cs typeface="Arial" panose="020B0604020202020204" pitchFamily="34" charset="0"/>
+              </a:rPr>
+              <a:t>GET - /api/employee</a:t>
+            </a:r>
+          </a:p>
+          <a:p>
+            <a:pPr lvl="1"/>
+            <a:r>
+              <a:rPr lang="en-US">
+                <a:latin typeface="Arial" panose="020B0604020202020204" pitchFamily="34" charset="0"/>
+                <a:cs typeface="Arial" panose="020B0604020202020204" pitchFamily="34" charset="0"/>
+              </a:rPr>
+              <a:t>Manager cho phép thêm/sửa thông tin employee</a:t>
+            </a:r>
+          </a:p>
+          <a:p>
+            <a:pPr lvl="2"/>
+            <a:r>
+              <a:rPr lang="en-US">
+                <a:latin typeface="Arial" panose="020B0604020202020204" pitchFamily="34" charset="0"/>
+                <a:cs typeface="Arial" panose="020B0604020202020204" pitchFamily="34" charset="0"/>
+              </a:rPr>
+              <a:t>POST - /api/employee</a:t>
+            </a:r>
+          </a:p>
+          <a:p>
+            <a:pPr lvl="2"/>
+            <a:r>
+              <a:rPr lang="en-US">
+                <a:latin typeface="Arial" panose="020B0604020202020204" pitchFamily="34" charset="0"/>
+                <a:cs typeface="Arial" panose="020B0604020202020204" pitchFamily="34" charset="0"/>
+              </a:rPr>
+              <a:t>PUT - /api/employee</a:t>
+            </a:r>
+          </a:p>
+          <a:p>
+            <a:pPr lvl="1"/>
+            <a:r>
+              <a:rPr lang="en-US">
+                <a:latin typeface="Arial" panose="020B0604020202020204" pitchFamily="34" charset="0"/>
+                <a:cs typeface="Arial" panose="020B0604020202020204" pitchFamily="34" charset="0"/>
+              </a:rPr>
+              <a:t>Admin cho phép xóa thông tin employee</a:t>
+            </a:r>
+          </a:p>
+          <a:p>
+            <a:pPr lvl="2"/>
+            <a:r>
+              <a:rPr lang="en-US">
+                <a:latin typeface="Arial" panose="020B0604020202020204" pitchFamily="34" charset="0"/>
+                <a:cs typeface="Arial" panose="020B0604020202020204" pitchFamily="34" charset="0"/>
+              </a:rPr>
+              <a:t>DELETE - /api/employee/{employeeId}</a:t>
+            </a:r>
+          </a:p>
+          <a:p>
+            <a:pPr lvl="1"/>
+            <a:endParaRPr lang="en-US">
+              <a:latin typeface="Arial" panose="020B0604020202020204" pitchFamily="34" charset="0"/>
+              <a:cs typeface="Arial" panose="020B0604020202020204" pitchFamily="34" charset="0"/>
+            </a:endParaRPr>
+          </a:p>
+        </p:txBody>
+      </p:sp>
+    </p:spTree>
+    <p:extLst>
+      <p:ext uri="{BB962C8B-B14F-4D97-AF65-F5344CB8AC3E}">
+        <p14:creationId xmlns:p14="http://schemas.microsoft.com/office/powerpoint/2010/main" val="2777693918"/>
+      </p:ext>
+    </p:extLst>
+  </p:cSld>
+  <p:clrMapOvr>
+    <a:masterClrMapping/>
+  </p:clrMapOvr>
+</p:sld>
+</file>
+
+<file path=ppt/slides/slide22.xml><?xml version="1.0" encoding="utf-8"?>
+<p:sld xmlns:a="http://schemas.openxmlformats.org/drawingml/2006/main" xmlns:r="http://schemas.openxmlformats.org/officeDocument/2006/relationships" xmlns:p="http://schemas.openxmlformats.org/presentationml/2006/main">
+  <p:cSld>
+    <p:spTree>
+      <p:nvGrpSpPr>
+        <p:cNvPr id="1" name=""/>
+        <p:cNvGrpSpPr/>
+        <p:nvPr/>
+      </p:nvGrpSpPr>
+      <p:grpSpPr>
+        <a:xfrm>
+          <a:off x="0" y="0"/>
+          <a:ext cx="0" cy="0"/>
+          <a:chOff x="0" y="0"/>
+          <a:chExt cx="0" cy="0"/>
+        </a:xfrm>
+      </p:grpSpPr>
+      <p:sp>
+        <p:nvSpPr>
+          <p:cNvPr id="2" name="Title 1"/>
+          <p:cNvSpPr>
+            <a:spLocks noGrp="1"/>
+          </p:cNvSpPr>
+          <p:nvPr>
+            <p:ph type="title"/>
+          </p:nvPr>
+        </p:nvSpPr>
+        <p:spPr/>
+        <p:txBody>
+          <a:bodyPr/>
+          <a:lstStyle/>
+          <a:p>
+            <a:r>
+              <a:rPr lang="en-US">
+                <a:latin typeface="Arial" panose="020B0604020202020204" pitchFamily="34" charset="0"/>
+                <a:cs typeface="Arial" panose="020B0604020202020204" pitchFamily="34" charset="0"/>
+              </a:rPr>
+              <a:t>Basic Configuration</a:t>
+            </a:r>
+          </a:p>
+        </p:txBody>
+      </p:sp>
+      <p:sp>
+        <p:nvSpPr>
+          <p:cNvPr id="3" name="Content Placeholder 2"/>
+          <p:cNvSpPr>
+            <a:spLocks noGrp="1"/>
+          </p:cNvSpPr>
+          <p:nvPr>
+            <p:ph idx="1"/>
+          </p:nvPr>
+        </p:nvSpPr>
+        <p:spPr/>
+        <p:txBody>
+          <a:bodyPr>
+            <a:normAutofit/>
+          </a:bodyPr>
+          <a:lstStyle/>
+          <a:p>
+            <a:r>
+              <a:rPr lang="en-US">
+                <a:latin typeface="Arial" panose="020B0604020202020204" pitchFamily="34" charset="0"/>
+                <a:cs typeface="Arial" panose="020B0604020202020204" pitchFamily="34" charset="0"/>
+              </a:rPr>
+              <a:t>Triển khai thôi nào</a:t>
+            </a:r>
+          </a:p>
+          <a:p>
+            <a:pPr lvl="1"/>
+            <a:endParaRPr lang="en-US">
+              <a:latin typeface="Arial" panose="020B0604020202020204" pitchFamily="34" charset="0"/>
+              <a:cs typeface="Arial" panose="020B0604020202020204" pitchFamily="34" charset="0"/>
+            </a:endParaRPr>
+          </a:p>
+        </p:txBody>
+      </p:sp>
+      <p:pic>
+        <p:nvPicPr>
+          <p:cNvPr id="7" name="Picture 6">
+            <a:extLst>
+              <a:ext uri="{FF2B5EF4-FFF2-40B4-BE49-F238E27FC236}">
+                <a16:creationId xmlns:a16="http://schemas.microsoft.com/office/drawing/2014/main" id="{687D23CC-DB0C-5B17-7C52-485397B6E768}"/>
+              </a:ext>
+            </a:extLst>
+          </p:cNvPr>
+          <p:cNvPicPr>
+            <a:picLocks noChangeAspect="1"/>
+          </p:cNvPicPr>
+          <p:nvPr/>
+        </p:nvPicPr>
+        <p:blipFill>
+          <a:blip r:embed="rId2"/>
+          <a:stretch>
+            <a:fillRect/>
+          </a:stretch>
+        </p:blipFill>
+        <p:spPr>
+          <a:xfrm>
+            <a:off x="677334" y="2577994"/>
+            <a:ext cx="5234134" cy="3891594"/>
+          </a:xfrm>
+          <a:prstGeom prst="rect">
+            <a:avLst/>
+          </a:prstGeom>
+        </p:spPr>
+      </p:pic>
+    </p:spTree>
+    <p:extLst>
+      <p:ext uri="{BB962C8B-B14F-4D97-AF65-F5344CB8AC3E}">
+        <p14:creationId xmlns:p14="http://schemas.microsoft.com/office/powerpoint/2010/main" val="672940361"/>
+      </p:ext>
+    </p:extLst>
+  </p:cSld>
+  <p:clrMapOvr>
+    <a:masterClrMapping/>
+  </p:clrMapOvr>
+</p:sld>
+</file>
+
+<file path=ppt/slides/slide23.xml><?xml version="1.0" encoding="utf-8"?>
+<p:sld xmlns:a="http://schemas.openxmlformats.org/drawingml/2006/main" xmlns:r="http://schemas.openxmlformats.org/officeDocument/2006/relationships" xmlns:p="http://schemas.openxmlformats.org/presentationml/2006/main">
+  <p:cSld>
+    <p:spTree>
+      <p:nvGrpSpPr>
+        <p:cNvPr id="1" name=""/>
+        <p:cNvGrpSpPr/>
+        <p:nvPr/>
+      </p:nvGrpSpPr>
+      <p:grpSpPr>
+        <a:xfrm>
+          <a:off x="0" y="0"/>
+          <a:ext cx="0" cy="0"/>
+          <a:chOff x="0" y="0"/>
+          <a:chExt cx="0" cy="0"/>
+        </a:xfrm>
+      </p:grpSpPr>
+      <p:sp>
+        <p:nvSpPr>
+          <p:cNvPr id="2" name="Title 1"/>
+          <p:cNvSpPr>
+            <a:spLocks noGrp="1"/>
+          </p:cNvSpPr>
+          <p:nvPr>
+            <p:ph type="title"/>
+          </p:nvPr>
+        </p:nvSpPr>
+        <p:spPr/>
+        <p:txBody>
+          <a:bodyPr/>
+          <a:lstStyle/>
+          <a:p>
+            <a:r>
+              <a:rPr lang="en-US">
+                <a:latin typeface="Arial" panose="020B0604020202020204" pitchFamily="34" charset="0"/>
+                <a:cs typeface="Arial" panose="020B0604020202020204" pitchFamily="34" charset="0"/>
+              </a:rPr>
+              <a:t>Basic Configuration</a:t>
+            </a:r>
+          </a:p>
+        </p:txBody>
+      </p:sp>
+      <p:sp>
+        <p:nvSpPr>
+          <p:cNvPr id="3" name="Content Placeholder 2"/>
+          <p:cNvSpPr>
+            <a:spLocks noGrp="1"/>
+          </p:cNvSpPr>
+          <p:nvPr>
+            <p:ph idx="1"/>
+          </p:nvPr>
+        </p:nvSpPr>
+        <p:spPr/>
+        <p:txBody>
+          <a:bodyPr>
+            <a:normAutofit/>
+          </a:bodyPr>
+          <a:lstStyle/>
+          <a:p>
+            <a:r>
+              <a:rPr lang="en-US">
+                <a:latin typeface="Arial" panose="020B0604020202020204" pitchFamily="34" charset="0"/>
+                <a:cs typeface="Arial" panose="020B0604020202020204" pitchFamily="34" charset="0"/>
+              </a:rPr>
+              <a:t>Thêm role cho từng user:</a:t>
+            </a:r>
+          </a:p>
+          <a:p>
+            <a:pPr lvl="1"/>
+            <a:endParaRPr lang="en-US">
+              <a:latin typeface="Arial" panose="020B0604020202020204" pitchFamily="34" charset="0"/>
+              <a:cs typeface="Arial" panose="020B0604020202020204" pitchFamily="34" charset="0"/>
+            </a:endParaRPr>
+          </a:p>
+        </p:txBody>
+      </p:sp>
+      <p:pic>
+        <p:nvPicPr>
+          <p:cNvPr id="5" name="Picture 4">
+            <a:extLst>
+              <a:ext uri="{FF2B5EF4-FFF2-40B4-BE49-F238E27FC236}">
+                <a16:creationId xmlns:a16="http://schemas.microsoft.com/office/drawing/2014/main" id="{9E2E0769-498F-8615-F2C6-ADFA1A92BF12}"/>
+              </a:ext>
+            </a:extLst>
+          </p:cNvPr>
+          <p:cNvPicPr>
+            <a:picLocks noChangeAspect="1"/>
+          </p:cNvPicPr>
+          <p:nvPr/>
+        </p:nvPicPr>
+        <p:blipFill>
+          <a:blip r:embed="rId2"/>
+          <a:stretch>
+            <a:fillRect/>
+          </a:stretch>
+        </p:blipFill>
+        <p:spPr>
+          <a:xfrm>
+            <a:off x="677334" y="2585240"/>
+            <a:ext cx="9160030" cy="1687519"/>
+          </a:xfrm>
+          <a:prstGeom prst="rect">
+            <a:avLst/>
+          </a:prstGeom>
+        </p:spPr>
+      </p:pic>
+    </p:spTree>
+    <p:extLst>
+      <p:ext uri="{BB962C8B-B14F-4D97-AF65-F5344CB8AC3E}">
+        <p14:creationId xmlns:p14="http://schemas.microsoft.com/office/powerpoint/2010/main" val="3645893896"/>
+      </p:ext>
+    </p:extLst>
+  </p:cSld>
+  <p:clrMapOvr>
+    <a:masterClrMapping/>
+  </p:clrMapOvr>
+</p:sld>
+</file>
+
+<file path=ppt/slides/slide24.xml><?xml version="1.0" encoding="utf-8"?>
+<p:sld xmlns:a="http://schemas.openxmlformats.org/drawingml/2006/main" xmlns:r="http://schemas.openxmlformats.org/officeDocument/2006/relationships" xmlns:p="http://schemas.openxmlformats.org/presentationml/2006/main">
+  <p:cSld>
+    <p:spTree>
+      <p:nvGrpSpPr>
+        <p:cNvPr id="1" name=""/>
+        <p:cNvGrpSpPr/>
+        <p:nvPr/>
+      </p:nvGrpSpPr>
+      <p:grpSpPr>
+        <a:xfrm>
+          <a:off x="0" y="0"/>
+          <a:ext cx="0" cy="0"/>
+          <a:chOff x="0" y="0"/>
+          <a:chExt cx="0" cy="0"/>
+        </a:xfrm>
+      </p:grpSpPr>
+      <p:sp>
+        <p:nvSpPr>
+          <p:cNvPr id="2" name="Title 1"/>
+          <p:cNvSpPr>
+            <a:spLocks noGrp="1"/>
+          </p:cNvSpPr>
+          <p:nvPr>
+            <p:ph type="title"/>
+          </p:nvPr>
+        </p:nvSpPr>
+        <p:spPr/>
+        <p:txBody>
+          <a:bodyPr/>
+          <a:lstStyle/>
+          <a:p>
+            <a:r>
+              <a:rPr lang="en-US">
+                <a:latin typeface="Arial" panose="020B0604020202020204" pitchFamily="34" charset="0"/>
+                <a:cs typeface="Arial" panose="020B0604020202020204" pitchFamily="34" charset="0"/>
+              </a:rPr>
+              <a:t>Basic Configuration</a:t>
+            </a:r>
+          </a:p>
+        </p:txBody>
+      </p:sp>
+      <p:sp>
+        <p:nvSpPr>
+          <p:cNvPr id="3" name="Content Placeholder 2"/>
+          <p:cNvSpPr>
+            <a:spLocks noGrp="1"/>
+          </p:cNvSpPr>
+          <p:nvPr>
+            <p:ph idx="1"/>
+          </p:nvPr>
+        </p:nvSpPr>
+        <p:spPr/>
+        <p:txBody>
+          <a:bodyPr>
+            <a:normAutofit/>
+          </a:bodyPr>
+          <a:lstStyle/>
+          <a:p>
+            <a:r>
+              <a:rPr lang="en-US">
+                <a:latin typeface="Arial" panose="020B0604020202020204" pitchFamily="34" charset="0"/>
+                <a:cs typeface="Arial" panose="020B0604020202020204" pitchFamily="34" charset="0"/>
+              </a:rPr>
+              <a:t>Để config giới hạn truy cập theo role cho từng endpoint ta sẽ sử dụng requestMatchers</a:t>
+            </a:r>
+          </a:p>
+          <a:p>
+            <a:pPr lvl="1"/>
+            <a:endParaRPr lang="en-US">
+              <a:latin typeface="Arial" panose="020B0604020202020204" pitchFamily="34" charset="0"/>
+              <a:cs typeface="Arial" panose="020B0604020202020204" pitchFamily="34" charset="0"/>
+            </a:endParaRPr>
+          </a:p>
+        </p:txBody>
+      </p:sp>
+      <p:pic>
+        <p:nvPicPr>
+          <p:cNvPr id="9" name="Picture 8">
+            <a:extLst>
+              <a:ext uri="{FF2B5EF4-FFF2-40B4-BE49-F238E27FC236}">
+                <a16:creationId xmlns:a16="http://schemas.microsoft.com/office/drawing/2014/main" id="{E197A002-9B60-D5FA-E40A-EC610A6309F3}"/>
+              </a:ext>
+            </a:extLst>
+          </p:cNvPr>
+          <p:cNvPicPr>
+            <a:picLocks noChangeAspect="1"/>
+          </p:cNvPicPr>
+          <p:nvPr/>
+        </p:nvPicPr>
+        <p:blipFill>
+          <a:blip r:embed="rId2"/>
+          <a:stretch>
+            <a:fillRect/>
+          </a:stretch>
+        </p:blipFill>
+        <p:spPr>
+          <a:xfrm>
+            <a:off x="677334" y="2884456"/>
+            <a:ext cx="7857588" cy="2905447"/>
+          </a:xfrm>
+          <a:prstGeom prst="rect">
+            <a:avLst/>
+          </a:prstGeom>
+        </p:spPr>
+      </p:pic>
+    </p:spTree>
+    <p:extLst>
+      <p:ext uri="{BB962C8B-B14F-4D97-AF65-F5344CB8AC3E}">
+        <p14:creationId xmlns:p14="http://schemas.microsoft.com/office/powerpoint/2010/main" val="1895765698"/>
+      </p:ext>
+    </p:extLst>
+  </p:cSld>
+  <p:clrMapOvr>
+    <a:masterClrMapping/>
+  </p:clrMapOvr>
+</p:sld>
+</file>
+
+<file path=ppt/slides/slide25.xml><?xml version="1.0" encoding="utf-8"?>
+<p:sld xmlns:a="http://schemas.openxmlformats.org/drawingml/2006/main" xmlns:r="http://schemas.openxmlformats.org/officeDocument/2006/relationships" xmlns:p="http://schemas.openxmlformats.org/presentationml/2006/main">
+  <p:cSld>
+    <p:spTree>
+      <p:nvGrpSpPr>
+        <p:cNvPr id="1" name=""/>
+        <p:cNvGrpSpPr/>
+        <p:nvPr/>
+      </p:nvGrpSpPr>
+      <p:grpSpPr>
+        <a:xfrm>
+          <a:off x="0" y="0"/>
+          <a:ext cx="0" cy="0"/>
+          <a:chOff x="0" y="0"/>
+          <a:chExt cx="0" cy="0"/>
+        </a:xfrm>
+      </p:grpSpPr>
+      <p:sp>
+        <p:nvSpPr>
+          <p:cNvPr id="2" name="Title 1"/>
+          <p:cNvSpPr>
+            <a:spLocks noGrp="1"/>
+          </p:cNvSpPr>
+          <p:nvPr>
+            <p:ph type="title"/>
+          </p:nvPr>
+        </p:nvSpPr>
+        <p:spPr/>
+        <p:txBody>
+          <a:bodyPr/>
+          <a:lstStyle/>
+          <a:p>
+            <a:r>
+              <a:rPr lang="en-US">
+                <a:latin typeface="Arial" panose="020B0604020202020204" pitchFamily="34" charset="0"/>
+                <a:cs typeface="Arial" panose="020B0604020202020204" pitchFamily="34" charset="0"/>
+              </a:rPr>
+              <a:t>Basic Configuration</a:t>
+            </a:r>
+          </a:p>
+        </p:txBody>
+      </p:sp>
+      <p:sp>
+        <p:nvSpPr>
+          <p:cNvPr id="3" name="Content Placeholder 2"/>
+          <p:cNvSpPr>
+            <a:spLocks noGrp="1"/>
+          </p:cNvSpPr>
+          <p:nvPr>
+            <p:ph idx="1"/>
+          </p:nvPr>
+        </p:nvSpPr>
+        <p:spPr/>
+        <p:txBody>
+          <a:bodyPr>
+            <a:normAutofit/>
+          </a:bodyPr>
+          <a:lstStyle/>
+          <a:p>
+            <a:r>
+              <a:rPr lang="en-US">
+                <a:latin typeface="Arial" panose="020B0604020202020204" pitchFamily="34" charset="0"/>
+                <a:cs typeface="Arial" panose="020B0604020202020204" pitchFamily="34" charset="0"/>
+              </a:rPr>
+              <a:t>Để config giới hạn truy cập theo role cho từng endpoint ta sẽ sử dụng requestMatchers</a:t>
+            </a:r>
+          </a:p>
+          <a:p>
+            <a:pPr lvl="1"/>
+            <a:endParaRPr lang="en-US">
+              <a:latin typeface="Arial" panose="020B0604020202020204" pitchFamily="34" charset="0"/>
+              <a:cs typeface="Arial" panose="020B0604020202020204" pitchFamily="34" charset="0"/>
+            </a:endParaRPr>
+          </a:p>
+        </p:txBody>
+      </p:sp>
+      <p:pic>
+        <p:nvPicPr>
+          <p:cNvPr id="9" name="Picture 8">
+            <a:extLst>
+              <a:ext uri="{FF2B5EF4-FFF2-40B4-BE49-F238E27FC236}">
+                <a16:creationId xmlns:a16="http://schemas.microsoft.com/office/drawing/2014/main" id="{E197A002-9B60-D5FA-E40A-EC610A6309F3}"/>
+              </a:ext>
+            </a:extLst>
+          </p:cNvPr>
+          <p:cNvPicPr>
+            <a:picLocks noChangeAspect="1"/>
+          </p:cNvPicPr>
+          <p:nvPr/>
+        </p:nvPicPr>
+        <p:blipFill>
+          <a:blip r:embed="rId2"/>
+          <a:stretch>
+            <a:fillRect/>
+          </a:stretch>
+        </p:blipFill>
+        <p:spPr>
+          <a:xfrm>
+            <a:off x="677334" y="2884456"/>
+            <a:ext cx="7857588" cy="2905447"/>
+          </a:xfrm>
+          <a:prstGeom prst="rect">
+            <a:avLst/>
+          </a:prstGeom>
+        </p:spPr>
+      </p:pic>
+      <p:sp>
+        <p:nvSpPr>
+          <p:cNvPr id="4" name="Speech Bubble: Rectangle 3">
+            <a:extLst>
+              <a:ext uri="{FF2B5EF4-FFF2-40B4-BE49-F238E27FC236}">
+                <a16:creationId xmlns:a16="http://schemas.microsoft.com/office/drawing/2014/main" id="{325ACB7B-AE3B-BC72-E191-F5490FD7B2F5}"/>
+              </a:ext>
+            </a:extLst>
+          </p:cNvPr>
+          <p:cNvSpPr/>
+          <p:nvPr/>
+        </p:nvSpPr>
+        <p:spPr>
+          <a:xfrm>
+            <a:off x="3744686" y="3122676"/>
+            <a:ext cx="914400" cy="612648"/>
+          </a:xfrm>
+          <a:prstGeom prst="wedgeRectCallout">
+            <a:avLst/>
+          </a:prstGeom>
+        </p:spPr>
+        <p:style>
+          <a:lnRef idx="2">
+            <a:schemeClr val="accent3">
+              <a:shade val="15000"/>
+            </a:schemeClr>
+          </a:lnRef>
+          <a:fillRef idx="1">
+            <a:schemeClr val="accent3"/>
+          </a:fillRef>
+          <a:effectRef idx="0">
+            <a:schemeClr val="accent3"/>
+          </a:effectRef>
+          <a:fontRef idx="minor">
+            <a:schemeClr val="lt1"/>
+          </a:fontRef>
+        </p:style>
+        <p:txBody>
+          <a:bodyPr rtlCol="0" anchor="ctr"/>
+          <a:lstStyle/>
+          <a:p>
+            <a:pPr algn="ctr"/>
+            <a:r>
+              <a:rPr lang="en-US" sz="1200"/>
+              <a:t>HTTP method</a:t>
+            </a:r>
+          </a:p>
+        </p:txBody>
+      </p:sp>
+      <p:sp>
+        <p:nvSpPr>
+          <p:cNvPr id="5" name="Speech Bubble: Rectangle 4">
+            <a:extLst>
+              <a:ext uri="{FF2B5EF4-FFF2-40B4-BE49-F238E27FC236}">
+                <a16:creationId xmlns:a16="http://schemas.microsoft.com/office/drawing/2014/main" id="{1F455932-F3C1-FF1C-0FC9-BC10133A9F4B}"/>
+              </a:ext>
+            </a:extLst>
+          </p:cNvPr>
+          <p:cNvSpPr/>
+          <p:nvPr/>
+        </p:nvSpPr>
+        <p:spPr>
+          <a:xfrm>
+            <a:off x="5299788" y="3166219"/>
+            <a:ext cx="914400" cy="612648"/>
+          </a:xfrm>
+          <a:prstGeom prst="wedgeRectCallout">
+            <a:avLst/>
+          </a:prstGeom>
+        </p:spPr>
+        <p:style>
+          <a:lnRef idx="2">
+            <a:schemeClr val="accent3">
+              <a:shade val="15000"/>
+            </a:schemeClr>
+          </a:lnRef>
+          <a:fillRef idx="1">
+            <a:schemeClr val="accent3"/>
+          </a:fillRef>
+          <a:effectRef idx="0">
+            <a:schemeClr val="accent3"/>
+          </a:effectRef>
+          <a:fontRef idx="minor">
+            <a:schemeClr val="lt1"/>
+          </a:fontRef>
+        </p:style>
+        <p:txBody>
+          <a:bodyPr rtlCol="0" anchor="ctr"/>
+          <a:lstStyle/>
+          <a:p>
+            <a:pPr algn="ctr"/>
+            <a:r>
+              <a:rPr lang="en-US" sz="1200"/>
+              <a:t>API</a:t>
+            </a:r>
+          </a:p>
+        </p:txBody>
+      </p:sp>
+      <p:sp>
+        <p:nvSpPr>
+          <p:cNvPr id="6" name="Speech Bubble: Rectangle 5">
+            <a:extLst>
+              <a:ext uri="{FF2B5EF4-FFF2-40B4-BE49-F238E27FC236}">
+                <a16:creationId xmlns:a16="http://schemas.microsoft.com/office/drawing/2014/main" id="{DE952C6E-019F-456F-00B3-7C4C412E56D7}"/>
+              </a:ext>
+            </a:extLst>
+          </p:cNvPr>
+          <p:cNvSpPr/>
+          <p:nvPr/>
+        </p:nvSpPr>
+        <p:spPr>
+          <a:xfrm>
+            <a:off x="7209453" y="3122676"/>
+            <a:ext cx="914400" cy="612648"/>
+          </a:xfrm>
+          <a:prstGeom prst="wedgeRectCallout">
+            <a:avLst/>
+          </a:prstGeom>
+        </p:spPr>
+        <p:style>
+          <a:lnRef idx="2">
+            <a:schemeClr val="accent3">
+              <a:shade val="15000"/>
+            </a:schemeClr>
+          </a:lnRef>
+          <a:fillRef idx="1">
+            <a:schemeClr val="accent3"/>
+          </a:fillRef>
+          <a:effectRef idx="0">
+            <a:schemeClr val="accent3"/>
+          </a:effectRef>
+          <a:fontRef idx="minor">
+            <a:schemeClr val="lt1"/>
+          </a:fontRef>
+        </p:style>
+        <p:txBody>
+          <a:bodyPr rtlCol="0" anchor="ctr"/>
+          <a:lstStyle/>
+          <a:p>
+            <a:pPr algn="ctr"/>
+            <a:r>
+              <a:rPr lang="en-US" sz="1200"/>
+              <a:t>Role có thể access API</a:t>
+            </a:r>
+          </a:p>
+        </p:txBody>
+      </p:sp>
+      <p:sp>
+        <p:nvSpPr>
+          <p:cNvPr id="7" name="Speech Bubble: Rectangle 6">
+            <a:extLst>
+              <a:ext uri="{FF2B5EF4-FFF2-40B4-BE49-F238E27FC236}">
+                <a16:creationId xmlns:a16="http://schemas.microsoft.com/office/drawing/2014/main" id="{CD7EFC06-7E40-EA34-421D-8AE646BF09CB}"/>
+              </a:ext>
+            </a:extLst>
+          </p:cNvPr>
+          <p:cNvSpPr/>
+          <p:nvPr/>
+        </p:nvSpPr>
+        <p:spPr>
+          <a:xfrm>
+            <a:off x="1387151" y="4100975"/>
+            <a:ext cx="1369116" cy="612648"/>
+          </a:xfrm>
+          <a:prstGeom prst="wedgeRectCallout">
+            <a:avLst/>
+          </a:prstGeom>
+        </p:spPr>
+        <p:style>
+          <a:lnRef idx="2">
+            <a:schemeClr val="accent3">
+              <a:shade val="15000"/>
+            </a:schemeClr>
+          </a:lnRef>
+          <a:fillRef idx="1">
+            <a:schemeClr val="accent3"/>
+          </a:fillRef>
+          <a:effectRef idx="0">
+            <a:schemeClr val="accent3"/>
+          </a:effectRef>
+          <a:fontRef idx="minor">
+            <a:schemeClr val="lt1"/>
+          </a:fontRef>
+        </p:style>
+        <p:txBody>
+          <a:bodyPr rtlCol="0" anchor="ctr"/>
+          <a:lstStyle/>
+          <a:p>
+            <a:pPr algn="ctr"/>
+            <a:r>
+              <a:rPr lang="en-US" sz="1200"/>
+              <a:t>Kích hoạt xác thực HTTP Basic</a:t>
+            </a:r>
+          </a:p>
+        </p:txBody>
+      </p:sp>
+      <p:sp>
+        <p:nvSpPr>
+          <p:cNvPr id="8" name="Speech Bubble: Rectangle 7">
+            <a:extLst>
+              <a:ext uri="{FF2B5EF4-FFF2-40B4-BE49-F238E27FC236}">
+                <a16:creationId xmlns:a16="http://schemas.microsoft.com/office/drawing/2014/main" id="{52C46B89-DA09-CA06-B440-867D43DDFE09}"/>
+              </a:ext>
+            </a:extLst>
+          </p:cNvPr>
+          <p:cNvSpPr/>
+          <p:nvPr/>
+        </p:nvSpPr>
+        <p:spPr>
+          <a:xfrm>
+            <a:off x="4606128" y="4853644"/>
+            <a:ext cx="1369116" cy="612648"/>
+          </a:xfrm>
+          <a:prstGeom prst="wedgeRectCallout">
+            <a:avLst>
+              <a:gd name="adj1" fmla="val -68993"/>
+              <a:gd name="adj2" fmla="val 565"/>
+            </a:avLst>
+          </a:prstGeom>
+        </p:spPr>
+        <p:style>
+          <a:lnRef idx="2">
+            <a:schemeClr val="accent3">
+              <a:shade val="15000"/>
+            </a:schemeClr>
+          </a:lnRef>
+          <a:fillRef idx="1">
+            <a:schemeClr val="accent3"/>
+          </a:fillRef>
+          <a:effectRef idx="0">
+            <a:schemeClr val="accent3"/>
+          </a:effectRef>
+          <a:fontRef idx="minor">
+            <a:schemeClr val="lt1"/>
+          </a:fontRef>
+        </p:style>
+        <p:txBody>
+          <a:bodyPr rtlCol="0" anchor="ctr"/>
+          <a:lstStyle/>
+          <a:p>
+            <a:pPr algn="ctr"/>
+            <a:r>
+              <a:rPr lang="en-US" sz="1200"/>
+              <a:t>Disable csrf</a:t>
+            </a:r>
+          </a:p>
+        </p:txBody>
+      </p:sp>
+    </p:spTree>
+    <p:extLst>
+      <p:ext uri="{BB962C8B-B14F-4D97-AF65-F5344CB8AC3E}">
+        <p14:creationId xmlns:p14="http://schemas.microsoft.com/office/powerpoint/2010/main" val="634438063"/>
+      </p:ext>
+    </p:extLst>
+  </p:cSld>
+  <p:clrMapOvr>
+    <a:masterClrMapping/>
+  </p:clrMapOvr>
+</p:sld>
+</file>
+
+<file path=ppt/slides/slide26.xml><?xml version="1.0" encoding="utf-8"?>
+<p:sld xmlns:a="http://schemas.openxmlformats.org/drawingml/2006/main" xmlns:r="http://schemas.openxmlformats.org/officeDocument/2006/relationships" xmlns:p="http://schemas.openxmlformats.org/presentationml/2006/main">
+  <p:cSld>
+    <p:spTree>
+      <p:nvGrpSpPr>
+        <p:cNvPr id="1" name=""/>
+        <p:cNvGrpSpPr/>
+        <p:nvPr/>
+      </p:nvGrpSpPr>
+      <p:grpSpPr>
+        <a:xfrm>
+          <a:off x="0" y="0"/>
+          <a:ext cx="0" cy="0"/>
+          <a:chOff x="0" y="0"/>
+          <a:chExt cx="0" cy="0"/>
+        </a:xfrm>
+      </p:grpSpPr>
+      <p:sp>
+        <p:nvSpPr>
+          <p:cNvPr id="2" name="Title 1"/>
+          <p:cNvSpPr>
+            <a:spLocks noGrp="1"/>
+          </p:cNvSpPr>
+          <p:nvPr>
+            <p:ph type="title"/>
+          </p:nvPr>
+        </p:nvSpPr>
+        <p:spPr/>
+        <p:txBody>
+          <a:bodyPr/>
+          <a:lstStyle/>
+          <a:p>
+            <a:r>
+              <a:rPr lang="en-US">
+                <a:latin typeface="Arial" panose="020B0604020202020204" pitchFamily="34" charset="0"/>
+                <a:cs typeface="Arial" panose="020B0604020202020204" pitchFamily="34" charset="0"/>
+              </a:rPr>
+              <a:t>Basic Configuration</a:t>
+            </a:r>
+          </a:p>
+        </p:txBody>
+      </p:sp>
+      <p:sp>
+        <p:nvSpPr>
+          <p:cNvPr id="3" name="Content Placeholder 2"/>
+          <p:cNvSpPr>
+            <a:spLocks noGrp="1"/>
+          </p:cNvSpPr>
+          <p:nvPr>
+            <p:ph idx="1"/>
+          </p:nvPr>
+        </p:nvSpPr>
+        <p:spPr/>
+        <p:txBody>
+          <a:bodyPr>
+            <a:normAutofit/>
+          </a:bodyPr>
+          <a:lstStyle/>
+          <a:p>
+            <a:r>
+              <a:rPr lang="en-US">
+                <a:latin typeface="Arial" panose="020B0604020202020204" pitchFamily="34" charset="0"/>
+                <a:cs typeface="Arial" panose="020B0604020202020204" pitchFamily="34" charset="0"/>
+              </a:rPr>
+              <a:t>Nếu không config httpBasic thì chúng ta không thể authen được vì spring không xác định được cách thức authen.</a:t>
+            </a:r>
+          </a:p>
+          <a:p>
+            <a:endParaRPr lang="en-US">
+              <a:latin typeface="Arial" panose="020B0604020202020204" pitchFamily="34" charset="0"/>
+              <a:cs typeface="Arial" panose="020B0604020202020204" pitchFamily="34" charset="0"/>
+            </a:endParaRPr>
+          </a:p>
+          <a:p>
+            <a:r>
+              <a:rPr lang="en-US">
+                <a:latin typeface="Arial" panose="020B0604020202020204" pitchFamily="34" charset="0"/>
+                <a:cs typeface="Arial" panose="020B0604020202020204" pitchFamily="34" charset="0"/>
+              </a:rPr>
+              <a:t>Nếu CSRF không disable thì các phương thức POST/PUT/DELETE… sẽ không thể hoạt động được vì cơ chế kiểm tra token của CSRF để tránh hacker tấn công.</a:t>
+            </a:r>
+          </a:p>
+          <a:p>
+            <a:r>
+              <a:rPr lang="en-US">
+                <a:latin typeface="Arial" panose="020B0604020202020204" pitchFamily="34" charset="0"/>
+                <a:cs typeface="Arial" panose="020B0604020202020204" pitchFamily="34" charset="0"/>
+              </a:rPr>
+              <a:t>CSRF chỉ sử dụng cho các ứng dụng sử dụng HTML FORM, với REST API thì chúng ta không cần.</a:t>
+            </a:r>
+          </a:p>
+          <a:p>
+            <a:pPr lvl="1"/>
+            <a:endParaRPr lang="en-US">
+              <a:latin typeface="Arial" panose="020B0604020202020204" pitchFamily="34" charset="0"/>
+              <a:cs typeface="Arial" panose="020B0604020202020204" pitchFamily="34" charset="0"/>
+            </a:endParaRPr>
+          </a:p>
+        </p:txBody>
+      </p:sp>
+    </p:spTree>
+    <p:extLst>
+      <p:ext uri="{BB962C8B-B14F-4D97-AF65-F5344CB8AC3E}">
+        <p14:creationId xmlns:p14="http://schemas.microsoft.com/office/powerpoint/2010/main" val="1120531967"/>
+      </p:ext>
+    </p:extLst>
+  </p:cSld>
+  <p:clrMapOvr>
+    <a:masterClrMapping/>
+  </p:clrMapOvr>
+</p:sld>
+</file>
+
+<file path=ppt/slides/slide27.xml><?xml version="1.0" encoding="utf-8"?>
+<p:sld xmlns:a="http://schemas.openxmlformats.org/drawingml/2006/main" xmlns:r="http://schemas.openxmlformats.org/officeDocument/2006/relationships" xmlns:p="http://schemas.openxmlformats.org/presentationml/2006/main">
+  <p:cSld>
+    <p:spTree>
+      <p:nvGrpSpPr>
+        <p:cNvPr id="1" name=""/>
+        <p:cNvGrpSpPr/>
+        <p:nvPr/>
+      </p:nvGrpSpPr>
+      <p:grpSpPr>
+        <a:xfrm>
+          <a:off x="0" y="0"/>
+          <a:ext cx="0" cy="0"/>
+          <a:chOff x="0" y="0"/>
+          <a:chExt cx="0" cy="0"/>
+        </a:xfrm>
+      </p:grpSpPr>
+      <p:sp>
+        <p:nvSpPr>
+          <p:cNvPr id="2" name="Title 1"/>
+          <p:cNvSpPr>
+            <a:spLocks noGrp="1"/>
+          </p:cNvSpPr>
+          <p:nvPr>
+            <p:ph type="title"/>
+          </p:nvPr>
+        </p:nvSpPr>
+        <p:spPr/>
+        <p:txBody>
+          <a:bodyPr/>
+          <a:lstStyle/>
+          <a:p>
+            <a:r>
+              <a:rPr lang="en-US">
+                <a:latin typeface="Arial" panose="020B0604020202020204" pitchFamily="34" charset="0"/>
+                <a:cs typeface="Arial" panose="020B0604020202020204" pitchFamily="34" charset="0"/>
+              </a:rPr>
+              <a:t>Basic Configuration</a:t>
+            </a:r>
+          </a:p>
+        </p:txBody>
+      </p:sp>
+      <p:sp>
+        <p:nvSpPr>
+          <p:cNvPr id="3" name="Content Placeholder 2"/>
+          <p:cNvSpPr>
+            <a:spLocks noGrp="1"/>
+          </p:cNvSpPr>
+          <p:nvPr>
+            <p:ph idx="1"/>
+          </p:nvPr>
+        </p:nvSpPr>
+        <p:spPr/>
+        <p:txBody>
+          <a:bodyPr>
+            <a:normAutofit/>
+          </a:bodyPr>
+          <a:lstStyle/>
+          <a:p>
+            <a:r>
+              <a:rPr lang="en-US">
+                <a:latin typeface="Arial" panose="020B0604020202020204" pitchFamily="34" charset="0"/>
+                <a:cs typeface="Arial" panose="020B0604020202020204" pitchFamily="34" charset="0"/>
+              </a:rPr>
+              <a:t>Xong, chạy thử thôi ^^</a:t>
+            </a:r>
+          </a:p>
+          <a:p>
+            <a:pPr lvl="1"/>
+            <a:endParaRPr lang="en-US">
+              <a:latin typeface="Arial" panose="020B0604020202020204" pitchFamily="34" charset="0"/>
+              <a:cs typeface="Arial" panose="020B0604020202020204" pitchFamily="34" charset="0"/>
+            </a:endParaRPr>
+          </a:p>
+        </p:txBody>
+      </p:sp>
+    </p:spTree>
+    <p:extLst>
+      <p:ext uri="{BB962C8B-B14F-4D97-AF65-F5344CB8AC3E}">
+        <p14:creationId xmlns:p14="http://schemas.microsoft.com/office/powerpoint/2010/main" val="2594722664"/>
+      </p:ext>
+    </p:extLst>
+  </p:cSld>
+  <p:clrMapOvr>
+    <a:masterClrMapping/>
+  </p:clrMapOvr>
+</p:sld>
+</file>
+
+<file path=ppt/slides/slide28.xml><?xml version="1.0" encoding="utf-8"?>
+<p:sld xmlns:a="http://schemas.openxmlformats.org/drawingml/2006/main" xmlns:r="http://schemas.openxmlformats.org/officeDocument/2006/relationships" xmlns:p="http://schemas.openxmlformats.org/presentationml/2006/main">
+  <p:cSld>
+    <p:spTree>
+      <p:nvGrpSpPr>
+        <p:cNvPr id="1" name=""/>
+        <p:cNvGrpSpPr/>
+        <p:nvPr/>
+      </p:nvGrpSpPr>
+      <p:grpSpPr>
+        <a:xfrm>
+          <a:off x="0" y="0"/>
+          <a:ext cx="0" cy="0"/>
+          <a:chOff x="0" y="0"/>
+          <a:chExt cx="0" cy="0"/>
+        </a:xfrm>
+      </p:grpSpPr>
+      <p:sp>
+        <p:nvSpPr>
+          <p:cNvPr id="2" name="Title 1"/>
+          <p:cNvSpPr>
+            <a:spLocks noGrp="1"/>
+          </p:cNvSpPr>
+          <p:nvPr>
+            <p:ph type="title"/>
+          </p:nvPr>
+        </p:nvSpPr>
+        <p:spPr/>
+        <p:txBody>
+          <a:bodyPr/>
+          <a:lstStyle/>
+          <a:p>
+            <a:r>
+              <a:rPr lang="en-US">
+                <a:latin typeface="Arial" panose="020B0604020202020204" pitchFamily="34" charset="0"/>
+                <a:cs typeface="Arial" panose="020B0604020202020204" pitchFamily="34" charset="0"/>
+              </a:rPr>
+              <a:t>New project</a:t>
+            </a:r>
+          </a:p>
+        </p:txBody>
+      </p:sp>
+      <p:sp>
+        <p:nvSpPr>
+          <p:cNvPr id="3" name="Content Placeholder 2"/>
+          <p:cNvSpPr>
+            <a:spLocks noGrp="1"/>
+          </p:cNvSpPr>
+          <p:nvPr>
+            <p:ph idx="1"/>
+          </p:nvPr>
+        </p:nvSpPr>
+        <p:spPr/>
+        <p:txBody>
+          <a:bodyPr/>
+          <a:lstStyle/>
+          <a:p>
+            <a:r>
+              <a:rPr lang="en-US">
+                <a:latin typeface="Arial" panose="020B0604020202020204" pitchFamily="34" charset="0"/>
+                <a:cs typeface="Arial" panose="020B0604020202020204" pitchFamily="34" charset="0"/>
+              </a:rPr>
+              <a:t>Tạo mới project:</a:t>
+            </a:r>
+          </a:p>
+          <a:p>
+            <a:endParaRPr lang="en-US">
+              <a:latin typeface="Arial" panose="020B0604020202020204" pitchFamily="34" charset="0"/>
+              <a:cs typeface="Arial" panose="020B0604020202020204" pitchFamily="34" charset="0"/>
+            </a:endParaRPr>
+          </a:p>
+        </p:txBody>
+      </p:sp>
+      <p:pic>
+        <p:nvPicPr>
+          <p:cNvPr id="5" name="Picture 4">
+            <a:extLst>
+              <a:ext uri="{FF2B5EF4-FFF2-40B4-BE49-F238E27FC236}">
+                <a16:creationId xmlns:a16="http://schemas.microsoft.com/office/drawing/2014/main" id="{07D5C64E-1AC5-734E-A1E2-CF31EB1108A2}"/>
+              </a:ext>
+            </a:extLst>
+          </p:cNvPr>
+          <p:cNvPicPr>
+            <a:picLocks noChangeAspect="1"/>
+          </p:cNvPicPr>
+          <p:nvPr/>
+        </p:nvPicPr>
+        <p:blipFill>
+          <a:blip r:embed="rId2"/>
+          <a:stretch>
+            <a:fillRect/>
+          </a:stretch>
+        </p:blipFill>
+        <p:spPr>
+          <a:xfrm>
+            <a:off x="677334" y="2605231"/>
+            <a:ext cx="8327300" cy="3436131"/>
+          </a:xfrm>
+          <a:prstGeom prst="rect">
+            <a:avLst/>
+          </a:prstGeom>
+        </p:spPr>
+      </p:pic>
+    </p:spTree>
+    <p:extLst>
+      <p:ext uri="{BB962C8B-B14F-4D97-AF65-F5344CB8AC3E}">
+        <p14:creationId xmlns:p14="http://schemas.microsoft.com/office/powerpoint/2010/main" val="622539829"/>
       </p:ext>
     </p:extLst>
   </p:cSld>
@@ -8025,15 +9822,6 @@
               <a:srgbClr val="FFFFFF"/>
             </a:contourClr>
           </a:sp3d>
-          <a:extLst>
-            <a:ext uri="{909E8E84-426E-40DD-AFC4-6F175D3DCCD1}">
-              <a14:hiddenFill xmlns:a14="http://schemas.microsoft.com/office/drawing/2010/main">
-                <a:solidFill>
-                  <a:srgbClr val="FFFFFF"/>
-                </a:solidFill>
-              </a14:hiddenFill>
-            </a:ext>
-          </a:extLst>
         </p:spPr>
       </p:pic>
       <p:sp>
@@ -8278,7 +10066,7 @@
                 <a:latin typeface="Arial" panose="020B0604020202020204" pitchFamily="34" charset="0"/>
                 <a:cs typeface="Arial" panose="020B0604020202020204" pitchFamily="34" charset="0"/>
               </a:rPr>
-              <a:t>Setting Validation</a:t>
+              <a:t>Setting Security</a:t>
             </a:r>
           </a:p>
         </p:txBody>
@@ -8311,6 +10099,39 @@
                 <a:cs typeface="Arial" panose="020B0604020202020204" pitchFamily="34" charset="0"/>
               </a:rPr>
               <a:t>:</a:t>
+            </a:r>
+          </a:p>
+          <a:p>
+            <a:endParaRPr lang="en-US">
+              <a:latin typeface="Arial" panose="020B0604020202020204" pitchFamily="34" charset="0"/>
+              <a:cs typeface="Arial" panose="020B0604020202020204" pitchFamily="34" charset="0"/>
+            </a:endParaRPr>
+          </a:p>
+          <a:p>
+            <a:endParaRPr lang="en-US">
+              <a:latin typeface="Arial" panose="020B0604020202020204" pitchFamily="34" charset="0"/>
+              <a:cs typeface="Arial" panose="020B0604020202020204" pitchFamily="34" charset="0"/>
+            </a:endParaRPr>
+          </a:p>
+          <a:p>
+            <a:endParaRPr lang="en-US">
+              <a:latin typeface="Arial" panose="020B0604020202020204" pitchFamily="34" charset="0"/>
+              <a:cs typeface="Arial" panose="020B0604020202020204" pitchFamily="34" charset="0"/>
+            </a:endParaRPr>
+          </a:p>
+          <a:p>
+            <a:endParaRPr lang="en-US">
+              <a:latin typeface="Arial" panose="020B0604020202020204" pitchFamily="34" charset="0"/>
+              <a:cs typeface="Arial" panose="020B0604020202020204" pitchFamily="34" charset="0"/>
+            </a:endParaRPr>
+          </a:p>
+          <a:p>
+            <a:r>
+              <a:rPr lang="en-US">
+                <a:latin typeface="Arial" panose="020B0604020202020204" pitchFamily="34" charset="0"/>
+                <a:cs typeface="Arial" panose="020B0604020202020204" pitchFamily="34" charset="0"/>
+              </a:rPr>
+              <a:t>Done ^^</a:t>
             </a:r>
           </a:p>
         </p:txBody>
@@ -8362,7 +10183,7 @@
           <a:p>
             <a:r>
               <a:rPr lang="en-US" sz="1600"/>
-              <a:t>    &lt;artifactId&gt;spring-boot-starter-validation&lt;/artifactId&gt;</a:t>
+              <a:t>    &lt;artifactId&gt;spring-boot-starter-security&lt;/artifactId&gt;</a:t>
             </a:r>
           </a:p>
           <a:p>
@@ -8423,7 +10244,7 @@
                 <a:latin typeface="Arial" panose="020B0604020202020204" pitchFamily="34" charset="0"/>
                 <a:cs typeface="Arial" panose="020B0604020202020204" pitchFamily="34" charset="0"/>
               </a:rPr>
-              <a:t>Setting Validation</a:t>
+              <a:t>Setting Security</a:t>
             </a:r>
           </a:p>
         </p:txBody>
@@ -8448,8 +10269,59 @@
                 <a:latin typeface="Arial" panose="020B0604020202020204" pitchFamily="34" charset="0"/>
                 <a:cs typeface="Arial" panose="020B0604020202020204" pitchFamily="34" charset="0"/>
               </a:rPr>
-              <a:t>Gắn annotation validation cho dto/entity/form…:</a:t>
-            </a:r>
+              <a:t>Demo thử api</a:t>
+            </a:r>
+          </a:p>
+          <a:p>
+            <a:endParaRPr lang="en-US">
+              <a:latin typeface="Arial" panose="020B0604020202020204" pitchFamily="34" charset="0"/>
+              <a:cs typeface="Arial" panose="020B0604020202020204" pitchFamily="34" charset="0"/>
+            </a:endParaRPr>
+          </a:p>
+          <a:p>
+            <a:endParaRPr lang="en-US">
+              <a:latin typeface="Arial" panose="020B0604020202020204" pitchFamily="34" charset="0"/>
+              <a:cs typeface="Arial" panose="020B0604020202020204" pitchFamily="34" charset="0"/>
+            </a:endParaRPr>
+          </a:p>
+          <a:p>
+            <a:endParaRPr lang="en-US">
+              <a:latin typeface="Arial" panose="020B0604020202020204" pitchFamily="34" charset="0"/>
+              <a:cs typeface="Arial" panose="020B0604020202020204" pitchFamily="34" charset="0"/>
+            </a:endParaRPr>
+          </a:p>
+          <a:p>
+            <a:endParaRPr lang="en-US">
+              <a:latin typeface="Arial" panose="020B0604020202020204" pitchFamily="34" charset="0"/>
+              <a:cs typeface="Arial" panose="020B0604020202020204" pitchFamily="34" charset="0"/>
+            </a:endParaRPr>
+          </a:p>
+          <a:p>
+            <a:endParaRPr lang="en-US">
+              <a:latin typeface="Arial" panose="020B0604020202020204" pitchFamily="34" charset="0"/>
+              <a:cs typeface="Arial" panose="020B0604020202020204" pitchFamily="34" charset="0"/>
+            </a:endParaRPr>
+          </a:p>
+          <a:p>
+            <a:r>
+              <a:rPr lang="en-US">
+                <a:latin typeface="Arial" panose="020B0604020202020204" pitchFamily="34" charset="0"/>
+                <a:cs typeface="Arial" panose="020B0604020202020204" pitchFamily="34" charset="0"/>
+              </a:rPr>
+              <a:t>Chạy thử nhé: </a:t>
+            </a:r>
+            <a:r>
+              <a:rPr lang="en-US">
+                <a:latin typeface="Arial" panose="020B0604020202020204" pitchFamily="34" charset="0"/>
+                <a:cs typeface="Arial" panose="020B0604020202020204" pitchFamily="34" charset="0"/>
+                <a:hlinkClick r:id="rId2"/>
+              </a:rPr>
+              <a:t>http://localhost:8080/api/v1</a:t>
+            </a:r>
+            <a:endParaRPr lang="en-US">
+              <a:latin typeface="Arial" panose="020B0604020202020204" pitchFamily="34" charset="0"/>
+              <a:cs typeface="Arial" panose="020B0604020202020204" pitchFamily="34" charset="0"/>
+            </a:endParaRPr>
           </a:p>
         </p:txBody>
       </p:sp>
@@ -8458,7 +10330,7 @@
           <p:cNvPr id="6" name="Picture 5">
             <a:extLst>
               <a:ext uri="{FF2B5EF4-FFF2-40B4-BE49-F238E27FC236}">
-                <a16:creationId xmlns:a16="http://schemas.microsoft.com/office/drawing/2014/main" id="{4EA9A48F-982E-3D99-3754-8CE140E74823}"/>
+                <a16:creationId xmlns:a16="http://schemas.microsoft.com/office/drawing/2014/main" id="{BFEBCA4A-D355-322A-133C-EDED6BBB863D}"/>
               </a:ext>
             </a:extLst>
           </p:cNvPr>
@@ -8468,15 +10340,15 @@
           <p:nvPr/>
         </p:nvPicPr>
         <p:blipFill>
-          <a:blip r:embed="rId2"/>
+          <a:blip r:embed="rId3"/>
           <a:stretch>
             <a:fillRect/>
           </a:stretch>
         </p:blipFill>
         <p:spPr>
           <a:xfrm>
-            <a:off x="1113929" y="2570657"/>
-            <a:ext cx="5510331" cy="2400930"/>
+            <a:off x="1141595" y="2559155"/>
+            <a:ext cx="3912335" cy="1739690"/>
           </a:xfrm>
           <a:prstGeom prst="rect">
             <a:avLst/>
@@ -8486,7 +10358,7 @@
     </p:spTree>
     <p:extLst>
       <p:ext uri="{BB962C8B-B14F-4D97-AF65-F5344CB8AC3E}">
-        <p14:creationId xmlns:p14="http://schemas.microsoft.com/office/powerpoint/2010/main" val="1704951468"/>
+        <p14:creationId xmlns:p14="http://schemas.microsoft.com/office/powerpoint/2010/main" val="3324788001"/>
       </p:ext>
     </p:extLst>
   </p:cSld>
@@ -8533,7 +10405,7 @@
                 <a:latin typeface="Arial" panose="020B0604020202020204" pitchFamily="34" charset="0"/>
                 <a:cs typeface="Arial" panose="020B0604020202020204" pitchFamily="34" charset="0"/>
               </a:rPr>
-              <a:t>Setting Validation</a:t>
+              <a:t>Setting Security</a:t>
             </a:r>
           </a:p>
         </p:txBody>
@@ -8550,7 +10422,9 @@
         </p:nvSpPr>
         <p:spPr/>
         <p:txBody>
-          <a:bodyPr/>
+          <a:bodyPr>
+            <a:normAutofit/>
+          </a:bodyPr>
           <a:lstStyle/>
           <a:p>
             <a:r>
@@ -8558,8 +10432,57 @@
                 <a:latin typeface="Arial" panose="020B0604020202020204" pitchFamily="34" charset="0"/>
                 <a:cs typeface="Arial" panose="020B0604020202020204" pitchFamily="34" charset="0"/>
               </a:rPr>
-              <a:t>Trong controller, sử dụng annotation @Valid để kích hoạt validation:</a:t>
-            </a:r>
+              <a:t>Lúc này Spring Security sẽ redirect sang màn hình login</a:t>
+            </a:r>
+          </a:p>
+          <a:p>
+            <a:endParaRPr lang="en-US">
+              <a:latin typeface="Arial" panose="020B0604020202020204" pitchFamily="34" charset="0"/>
+              <a:cs typeface="Arial" panose="020B0604020202020204" pitchFamily="34" charset="0"/>
+            </a:endParaRPr>
+          </a:p>
+          <a:p>
+            <a:endParaRPr lang="en-US">
+              <a:latin typeface="Arial" panose="020B0604020202020204" pitchFamily="34" charset="0"/>
+              <a:cs typeface="Arial" panose="020B0604020202020204" pitchFamily="34" charset="0"/>
+            </a:endParaRPr>
+          </a:p>
+          <a:p>
+            <a:endParaRPr lang="en-US">
+              <a:latin typeface="Arial" panose="020B0604020202020204" pitchFamily="34" charset="0"/>
+              <a:cs typeface="Arial" panose="020B0604020202020204" pitchFamily="34" charset="0"/>
+            </a:endParaRPr>
+          </a:p>
+          <a:p>
+            <a:endParaRPr lang="en-US">
+              <a:latin typeface="Arial" panose="020B0604020202020204" pitchFamily="34" charset="0"/>
+              <a:cs typeface="Arial" panose="020B0604020202020204" pitchFamily="34" charset="0"/>
+            </a:endParaRPr>
+          </a:p>
+          <a:p>
+            <a:endParaRPr lang="en-US">
+              <a:latin typeface="Arial" panose="020B0604020202020204" pitchFamily="34" charset="0"/>
+              <a:cs typeface="Arial" panose="020B0604020202020204" pitchFamily="34" charset="0"/>
+            </a:endParaRPr>
+          </a:p>
+          <a:p>
+            <a:endParaRPr lang="en-US">
+              <a:latin typeface="Arial" panose="020B0604020202020204" pitchFamily="34" charset="0"/>
+              <a:cs typeface="Arial" panose="020B0604020202020204" pitchFamily="34" charset="0"/>
+            </a:endParaRPr>
+          </a:p>
+          <a:p>
+            <a:r>
+              <a:rPr lang="en-US">
+                <a:latin typeface="Arial" panose="020B0604020202020204" pitchFamily="34" charset="0"/>
+                <a:cs typeface="Arial" panose="020B0604020202020204" pitchFamily="34" charset="0"/>
+              </a:rPr>
+              <a:t>Mặc định khi sử dụng dependency spring-boot-starter-security thì tất cả các endpoint đều bắt buộc phải đăng nhập (authen)</a:t>
+            </a:r>
+            <a:endParaRPr lang="vi-VN">
+              <a:latin typeface="Arial" panose="020B0604020202020204" pitchFamily="34" charset="0"/>
+              <a:cs typeface="Arial" panose="020B0604020202020204" pitchFamily="34" charset="0"/>
+            </a:endParaRPr>
           </a:p>
         </p:txBody>
       </p:sp>
@@ -8568,7 +10491,7 @@
           <p:cNvPr id="5" name="Picture 4">
             <a:extLst>
               <a:ext uri="{FF2B5EF4-FFF2-40B4-BE49-F238E27FC236}">
-                <a16:creationId xmlns:a16="http://schemas.microsoft.com/office/drawing/2014/main" id="{C6973FBB-6491-3686-C2A1-31E138BA164B}"/>
+                <a16:creationId xmlns:a16="http://schemas.microsoft.com/office/drawing/2014/main" id="{72C092C6-67C2-4FA9-4284-2DC3684370D5}"/>
               </a:ext>
             </a:extLst>
           </p:cNvPr>
@@ -8585,8 +10508,8 @@
         </p:blipFill>
         <p:spPr>
           <a:xfrm>
-            <a:off x="1134641" y="2581177"/>
-            <a:ext cx="6762750" cy="1247775"/>
+            <a:off x="3744789" y="2591716"/>
+            <a:ext cx="2461758" cy="1674568"/>
           </a:xfrm>
           <a:prstGeom prst="rect">
             <a:avLst/>
@@ -8596,7 +10519,7 @@
     </p:spTree>
     <p:extLst>
       <p:ext uri="{BB962C8B-B14F-4D97-AF65-F5344CB8AC3E}">
-        <p14:creationId xmlns:p14="http://schemas.microsoft.com/office/powerpoint/2010/main" val="3324788001"/>
+        <p14:creationId xmlns:p14="http://schemas.microsoft.com/office/powerpoint/2010/main" val="523440547"/>
       </p:ext>
     </p:extLst>
   </p:cSld>

--- a/09.Spring Security.pptx
+++ b/09.Spring Security.pptx
@@ -863,7 +863,7 @@
           <a:p>
             <a:fld id="{E7E49A89-72C0-40C6-A55C-C6C12D525ACC}" type="datetimeFigureOut">
               <a:rPr lang="en-US" smtClean="0"/>
-              <a:t>10/1/2024</a:t>
+              <a:t>10/8/2024</a:t>
             </a:fld>
             <a:endParaRPr lang="en-US"/>
           </a:p>
@@ -1114,7 +1114,7 @@
           <a:p>
             <a:fld id="{E7E49A89-72C0-40C6-A55C-C6C12D525ACC}" type="datetimeFigureOut">
               <a:rPr lang="en-US" smtClean="0"/>
-              <a:t>10/1/2024</a:t>
+              <a:t>10/8/2024</a:t>
             </a:fld>
             <a:endParaRPr lang="en-US"/>
           </a:p>
@@ -1428,7 +1428,7 @@
           <a:p>
             <a:fld id="{E7E49A89-72C0-40C6-A55C-C6C12D525ACC}" type="datetimeFigureOut">
               <a:rPr lang="en-US" smtClean="0"/>
-              <a:t>10/1/2024</a:t>
+              <a:t>10/8/2024</a:t>
             </a:fld>
             <a:endParaRPr lang="en-US"/>
           </a:p>
@@ -1755,7 +1755,7 @@
           <a:p>
             <a:fld id="{E7E49A89-72C0-40C6-A55C-C6C12D525ACC}" type="datetimeFigureOut">
               <a:rPr lang="en-US" smtClean="0"/>
-              <a:t>10/1/2024</a:t>
+              <a:t>10/8/2024</a:t>
             </a:fld>
             <a:endParaRPr lang="en-US"/>
           </a:p>
@@ -2069,7 +2069,7 @@
           <a:p>
             <a:fld id="{E7E49A89-72C0-40C6-A55C-C6C12D525ACC}" type="datetimeFigureOut">
               <a:rPr lang="en-US" smtClean="0"/>
-              <a:t>10/1/2024</a:t>
+              <a:t>10/8/2024</a:t>
             </a:fld>
             <a:endParaRPr lang="en-US"/>
           </a:p>
@@ -2456,7 +2456,7 @@
           <a:p>
             <a:fld id="{E7E49A89-72C0-40C6-A55C-C6C12D525ACC}" type="datetimeFigureOut">
               <a:rPr lang="en-US" smtClean="0"/>
-              <a:t>10/1/2024</a:t>
+              <a:t>10/8/2024</a:t>
             </a:fld>
             <a:endParaRPr lang="en-US"/>
           </a:p>
@@ -2626,7 +2626,7 @@
           <a:p>
             <a:fld id="{E7E49A89-72C0-40C6-A55C-C6C12D525ACC}" type="datetimeFigureOut">
               <a:rPr lang="en-US" smtClean="0"/>
-              <a:t>10/1/2024</a:t>
+              <a:t>10/8/2024</a:t>
             </a:fld>
             <a:endParaRPr lang="en-US"/>
           </a:p>
@@ -2806,7 +2806,7 @@
           <a:p>
             <a:fld id="{E7E49A89-72C0-40C6-A55C-C6C12D525ACC}" type="datetimeFigureOut">
               <a:rPr lang="en-US" smtClean="0"/>
-              <a:t>10/1/2024</a:t>
+              <a:t>10/8/2024</a:t>
             </a:fld>
             <a:endParaRPr lang="en-US"/>
           </a:p>
@@ -2982,7 +2982,7 @@
           <a:p>
             <a:fld id="{E7E49A89-72C0-40C6-A55C-C6C12D525ACC}" type="datetimeFigureOut">
               <a:rPr lang="en-US" smtClean="0"/>
-              <a:t>10/1/2024</a:t>
+              <a:t>10/8/2024</a:t>
             </a:fld>
             <a:endParaRPr lang="en-US"/>
           </a:p>
@@ -3229,7 +3229,7 @@
           <a:p>
             <a:fld id="{E7E49A89-72C0-40C6-A55C-C6C12D525ACC}" type="datetimeFigureOut">
               <a:rPr lang="en-US" smtClean="0"/>
-              <a:t>10/1/2024</a:t>
+              <a:t>10/8/2024</a:t>
             </a:fld>
             <a:endParaRPr lang="en-US"/>
           </a:p>
@@ -3461,7 +3461,7 @@
           <a:p>
             <a:fld id="{E7E49A89-72C0-40C6-A55C-C6C12D525ACC}" type="datetimeFigureOut">
               <a:rPr lang="en-US" smtClean="0"/>
-              <a:t>10/1/2024</a:t>
+              <a:t>10/8/2024</a:t>
             </a:fld>
             <a:endParaRPr lang="en-US"/>
           </a:p>
@@ -3835,7 +3835,7 @@
           <a:p>
             <a:fld id="{E7E49A89-72C0-40C6-A55C-C6C12D525ACC}" type="datetimeFigureOut">
               <a:rPr lang="en-US" smtClean="0"/>
-              <a:t>10/1/2024</a:t>
+              <a:t>10/8/2024</a:t>
             </a:fld>
             <a:endParaRPr lang="en-US"/>
           </a:p>
@@ -3958,7 +3958,7 @@
           <a:p>
             <a:fld id="{E7E49A89-72C0-40C6-A55C-C6C12D525ACC}" type="datetimeFigureOut">
               <a:rPr lang="en-US" smtClean="0"/>
-              <a:t>10/1/2024</a:t>
+              <a:t>10/8/2024</a:t>
             </a:fld>
             <a:endParaRPr lang="en-US"/>
           </a:p>
@@ -4053,7 +4053,7 @@
           <a:p>
             <a:fld id="{E7E49A89-72C0-40C6-A55C-C6C12D525ACC}" type="datetimeFigureOut">
               <a:rPr lang="en-US" smtClean="0"/>
-              <a:t>10/1/2024</a:t>
+              <a:t>10/8/2024</a:t>
             </a:fld>
             <a:endParaRPr lang="en-US"/>
           </a:p>
@@ -4308,7 +4308,7 @@
           <a:p>
             <a:fld id="{E7E49A89-72C0-40C6-A55C-C6C12D525ACC}" type="datetimeFigureOut">
               <a:rPr lang="en-US" smtClean="0"/>
-              <a:t>10/1/2024</a:t>
+              <a:t>10/8/2024</a:t>
             </a:fld>
             <a:endParaRPr lang="en-US"/>
           </a:p>
@@ -4570,7 +4570,7 @@
           <a:p>
             <a:fld id="{E7E49A89-72C0-40C6-A55C-C6C12D525ACC}" type="datetimeFigureOut">
               <a:rPr lang="en-US" smtClean="0"/>
-              <a:t>10/1/2024</a:t>
+              <a:t>10/8/2024</a:t>
             </a:fld>
             <a:endParaRPr lang="en-US"/>
           </a:p>
@@ -5315,7 +5315,7 @@
           <a:p>
             <a:fld id="{E7E49A89-72C0-40C6-A55C-C6C12D525ACC}" type="datetimeFigureOut">
               <a:rPr lang="en-US" smtClean="0"/>
-              <a:t>10/1/2024</a:t>
+              <a:t>10/8/2024</a:t>
             </a:fld>
             <a:endParaRPr lang="en-US"/>
           </a:p>
@@ -8660,7 +8660,7 @@
                 <a:latin typeface="Arial" panose="020B0604020202020204" pitchFamily="34" charset="0"/>
                 <a:cs typeface="Arial" panose="020B0604020202020204" pitchFamily="34" charset="0"/>
               </a:rPr>
-              <a:t>Nếu CSRF không disable thì các phương thức POST/PUT/DELETE… sẽ không thể hoạt động được vì cơ chế kiểm tra token của CSRF để tránh hacker tấn công.</a:t>
+              <a:t>Nếu CSRF không disable thì các phương thức POST/PUT… sẽ không thể hoạt động được vì cơ chế kiểm tra token của CSRF để tránh hacker tấn công.</a:t>
             </a:r>
           </a:p>
           <a:p>

--- a/09.Spring Security.pptx
+++ b/09.Spring Security.pptx
@@ -11,28 +11,32 @@
     <p:sldId id="429" r:id="rId5"/>
     <p:sldId id="418" r:id="rId6"/>
     <p:sldId id="430" r:id="rId7"/>
-    <p:sldId id="419" r:id="rId8"/>
-    <p:sldId id="421" r:id="rId9"/>
-    <p:sldId id="422" r:id="rId10"/>
-    <p:sldId id="431" r:id="rId11"/>
-    <p:sldId id="423" r:id="rId12"/>
-    <p:sldId id="432" r:id="rId13"/>
-    <p:sldId id="433" r:id="rId14"/>
-    <p:sldId id="437" r:id="rId15"/>
-    <p:sldId id="424" r:id="rId16"/>
-    <p:sldId id="436" r:id="rId17"/>
-    <p:sldId id="435" r:id="rId18"/>
-    <p:sldId id="438" r:id="rId19"/>
-    <p:sldId id="439" r:id="rId20"/>
-    <p:sldId id="434" r:id="rId21"/>
-    <p:sldId id="440" r:id="rId22"/>
-    <p:sldId id="443" r:id="rId23"/>
-    <p:sldId id="442" r:id="rId24"/>
-    <p:sldId id="441" r:id="rId25"/>
-    <p:sldId id="444" r:id="rId26"/>
-    <p:sldId id="445" r:id="rId27"/>
-    <p:sldId id="446" r:id="rId28"/>
-    <p:sldId id="327" r:id="rId29"/>
+    <p:sldId id="327" r:id="rId8"/>
+    <p:sldId id="419" r:id="rId9"/>
+    <p:sldId id="447" r:id="rId10"/>
+    <p:sldId id="448" r:id="rId11"/>
+    <p:sldId id="421" r:id="rId12"/>
+    <p:sldId id="422" r:id="rId13"/>
+    <p:sldId id="431" r:id="rId14"/>
+    <p:sldId id="423" r:id="rId15"/>
+    <p:sldId id="432" r:id="rId16"/>
+    <p:sldId id="433" r:id="rId17"/>
+    <p:sldId id="437" r:id="rId18"/>
+    <p:sldId id="424" r:id="rId19"/>
+    <p:sldId id="436" r:id="rId20"/>
+    <p:sldId id="435" r:id="rId21"/>
+    <p:sldId id="438" r:id="rId22"/>
+    <p:sldId id="439" r:id="rId23"/>
+    <p:sldId id="434" r:id="rId24"/>
+    <p:sldId id="440" r:id="rId25"/>
+    <p:sldId id="443" r:id="rId26"/>
+    <p:sldId id="442" r:id="rId27"/>
+    <p:sldId id="441" r:id="rId28"/>
+    <p:sldId id="444" r:id="rId29"/>
+    <p:sldId id="445" r:id="rId30"/>
+    <p:sldId id="446" r:id="rId31"/>
+    <p:sldId id="449" r:id="rId32"/>
+    <p:sldId id="450" r:id="rId33"/>
   </p:sldIdLst>
   <p:sldSz cx="12192000" cy="6858000"/>
   <p:notesSz cx="6858000" cy="9144000"/>
@@ -863,7 +867,7 @@
           <a:p>
             <a:fld id="{E7E49A89-72C0-40C6-A55C-C6C12D525ACC}" type="datetimeFigureOut">
               <a:rPr lang="en-US" smtClean="0"/>
-              <a:t>10/8/2024</a:t>
+              <a:t>10/14/2024</a:t>
             </a:fld>
             <a:endParaRPr lang="en-US"/>
           </a:p>
@@ -1114,7 +1118,7 @@
           <a:p>
             <a:fld id="{E7E49A89-72C0-40C6-A55C-C6C12D525ACC}" type="datetimeFigureOut">
               <a:rPr lang="en-US" smtClean="0"/>
-              <a:t>10/8/2024</a:t>
+              <a:t>10/14/2024</a:t>
             </a:fld>
             <a:endParaRPr lang="en-US"/>
           </a:p>
@@ -1428,7 +1432,7 @@
           <a:p>
             <a:fld id="{E7E49A89-72C0-40C6-A55C-C6C12D525ACC}" type="datetimeFigureOut">
               <a:rPr lang="en-US" smtClean="0"/>
-              <a:t>10/8/2024</a:t>
+              <a:t>10/14/2024</a:t>
             </a:fld>
             <a:endParaRPr lang="en-US"/>
           </a:p>
@@ -1755,7 +1759,7 @@
           <a:p>
             <a:fld id="{E7E49A89-72C0-40C6-A55C-C6C12D525ACC}" type="datetimeFigureOut">
               <a:rPr lang="en-US" smtClean="0"/>
-              <a:t>10/8/2024</a:t>
+              <a:t>10/14/2024</a:t>
             </a:fld>
             <a:endParaRPr lang="en-US"/>
           </a:p>
@@ -2069,7 +2073,7 @@
           <a:p>
             <a:fld id="{E7E49A89-72C0-40C6-A55C-C6C12D525ACC}" type="datetimeFigureOut">
               <a:rPr lang="en-US" smtClean="0"/>
-              <a:t>10/8/2024</a:t>
+              <a:t>10/14/2024</a:t>
             </a:fld>
             <a:endParaRPr lang="en-US"/>
           </a:p>
@@ -2456,7 +2460,7 @@
           <a:p>
             <a:fld id="{E7E49A89-72C0-40C6-A55C-C6C12D525ACC}" type="datetimeFigureOut">
               <a:rPr lang="en-US" smtClean="0"/>
-              <a:t>10/8/2024</a:t>
+              <a:t>10/14/2024</a:t>
             </a:fld>
             <a:endParaRPr lang="en-US"/>
           </a:p>
@@ -2626,7 +2630,7 @@
           <a:p>
             <a:fld id="{E7E49A89-72C0-40C6-A55C-C6C12D525ACC}" type="datetimeFigureOut">
               <a:rPr lang="en-US" smtClean="0"/>
-              <a:t>10/8/2024</a:t>
+              <a:t>10/14/2024</a:t>
             </a:fld>
             <a:endParaRPr lang="en-US"/>
           </a:p>
@@ -2806,7 +2810,7 @@
           <a:p>
             <a:fld id="{E7E49A89-72C0-40C6-A55C-C6C12D525ACC}" type="datetimeFigureOut">
               <a:rPr lang="en-US" smtClean="0"/>
-              <a:t>10/8/2024</a:t>
+              <a:t>10/14/2024</a:t>
             </a:fld>
             <a:endParaRPr lang="en-US"/>
           </a:p>
@@ -2982,7 +2986,7 @@
           <a:p>
             <a:fld id="{E7E49A89-72C0-40C6-A55C-C6C12D525ACC}" type="datetimeFigureOut">
               <a:rPr lang="en-US" smtClean="0"/>
-              <a:t>10/8/2024</a:t>
+              <a:t>10/14/2024</a:t>
             </a:fld>
             <a:endParaRPr lang="en-US"/>
           </a:p>
@@ -3229,7 +3233,7 @@
           <a:p>
             <a:fld id="{E7E49A89-72C0-40C6-A55C-C6C12D525ACC}" type="datetimeFigureOut">
               <a:rPr lang="en-US" smtClean="0"/>
-              <a:t>10/8/2024</a:t>
+              <a:t>10/14/2024</a:t>
             </a:fld>
             <a:endParaRPr lang="en-US"/>
           </a:p>
@@ -3461,7 +3465,7 @@
           <a:p>
             <a:fld id="{E7E49A89-72C0-40C6-A55C-C6C12D525ACC}" type="datetimeFigureOut">
               <a:rPr lang="en-US" smtClean="0"/>
-              <a:t>10/8/2024</a:t>
+              <a:t>10/14/2024</a:t>
             </a:fld>
             <a:endParaRPr lang="en-US"/>
           </a:p>
@@ -3835,7 +3839,7 @@
           <a:p>
             <a:fld id="{E7E49A89-72C0-40C6-A55C-C6C12D525ACC}" type="datetimeFigureOut">
               <a:rPr lang="en-US" smtClean="0"/>
-              <a:t>10/8/2024</a:t>
+              <a:t>10/14/2024</a:t>
             </a:fld>
             <a:endParaRPr lang="en-US"/>
           </a:p>
@@ -3958,7 +3962,7 @@
           <a:p>
             <a:fld id="{E7E49A89-72C0-40C6-A55C-C6C12D525ACC}" type="datetimeFigureOut">
               <a:rPr lang="en-US" smtClean="0"/>
-              <a:t>10/8/2024</a:t>
+              <a:t>10/14/2024</a:t>
             </a:fld>
             <a:endParaRPr lang="en-US"/>
           </a:p>
@@ -4053,7 +4057,7 @@
           <a:p>
             <a:fld id="{E7E49A89-72C0-40C6-A55C-C6C12D525ACC}" type="datetimeFigureOut">
               <a:rPr lang="en-US" smtClean="0"/>
-              <a:t>10/8/2024</a:t>
+              <a:t>10/14/2024</a:t>
             </a:fld>
             <a:endParaRPr lang="en-US"/>
           </a:p>
@@ -4308,7 +4312,7 @@
           <a:p>
             <a:fld id="{E7E49A89-72C0-40C6-A55C-C6C12D525ACC}" type="datetimeFigureOut">
               <a:rPr lang="en-US" smtClean="0"/>
-              <a:t>10/8/2024</a:t>
+              <a:t>10/14/2024</a:t>
             </a:fld>
             <a:endParaRPr lang="en-US"/>
           </a:p>
@@ -4570,7 +4574,7 @@
           <a:p>
             <a:fld id="{E7E49A89-72C0-40C6-A55C-C6C12D525ACC}" type="datetimeFigureOut">
               <a:rPr lang="en-US" smtClean="0"/>
-              <a:t>10/8/2024</a:t>
+              <a:t>10/14/2024</a:t>
             </a:fld>
             <a:endParaRPr lang="en-US"/>
           </a:p>
@@ -5315,7 +5319,7 @@
           <a:p>
             <a:fld id="{E7E49A89-72C0-40C6-A55C-C6C12D525ACC}" type="datetimeFigureOut">
               <a:rPr lang="en-US" smtClean="0"/>
-              <a:t>10/8/2024</a:t>
+              <a:t>10/14/2024</a:t>
             </a:fld>
             <a:endParaRPr lang="en-US"/>
           </a:p>
@@ -5909,6 +5913,459 @@
   <p:cSld>
     <p:spTree>
       <p:nvGrpSpPr>
+        <p:cNvPr id="1" name="">
+          <a:extLst>
+            <a:ext uri="{FF2B5EF4-FFF2-40B4-BE49-F238E27FC236}">
+              <a16:creationId xmlns:a16="http://schemas.microsoft.com/office/drawing/2014/main" id="{E157BE55-6821-94B6-DE74-5DD7FEAE8451}"/>
+            </a:ext>
+          </a:extLst>
+        </p:cNvPr>
+        <p:cNvGrpSpPr/>
+        <p:nvPr/>
+      </p:nvGrpSpPr>
+      <p:grpSpPr>
+        <a:xfrm>
+          <a:off x="0" y="0"/>
+          <a:ext cx="0" cy="0"/>
+          <a:chOff x="0" y="0"/>
+          <a:chExt cx="0" cy="0"/>
+        </a:xfrm>
+      </p:grpSpPr>
+      <p:sp>
+        <p:nvSpPr>
+          <p:cNvPr id="2" name="Title 1">
+            <a:extLst>
+              <a:ext uri="{FF2B5EF4-FFF2-40B4-BE49-F238E27FC236}">
+                <a16:creationId xmlns:a16="http://schemas.microsoft.com/office/drawing/2014/main" id="{A5B52BFE-9143-B60E-A60C-E59E47D8F4E0}"/>
+              </a:ext>
+            </a:extLst>
+          </p:cNvPr>
+          <p:cNvSpPr>
+            <a:spLocks noGrp="1"/>
+          </p:cNvSpPr>
+          <p:nvPr>
+            <p:ph type="title"/>
+          </p:nvPr>
+        </p:nvSpPr>
+        <p:spPr/>
+        <p:txBody>
+          <a:bodyPr/>
+          <a:lstStyle/>
+          <a:p>
+            <a:r>
+              <a:rPr lang="en-US">
+                <a:latin typeface="Arial" panose="020B0604020202020204" pitchFamily="34" charset="0"/>
+                <a:cs typeface="Arial" panose="020B0604020202020204" pitchFamily="34" charset="0"/>
+              </a:rPr>
+              <a:t>Setting Security</a:t>
+            </a:r>
+          </a:p>
+        </p:txBody>
+      </p:sp>
+      <p:sp>
+        <p:nvSpPr>
+          <p:cNvPr id="3" name="Content Placeholder 2">
+            <a:extLst>
+              <a:ext uri="{FF2B5EF4-FFF2-40B4-BE49-F238E27FC236}">
+                <a16:creationId xmlns:a16="http://schemas.microsoft.com/office/drawing/2014/main" id="{65B9F896-DD0D-803C-E5A9-37B6D67D92E6}"/>
+              </a:ext>
+            </a:extLst>
+          </p:cNvPr>
+          <p:cNvSpPr>
+            <a:spLocks noGrp="1"/>
+          </p:cNvSpPr>
+          <p:nvPr>
+            <p:ph idx="1"/>
+          </p:nvPr>
+        </p:nvSpPr>
+        <p:spPr/>
+        <p:txBody>
+          <a:bodyPr/>
+          <a:lstStyle/>
+          <a:p>
+            <a:r>
+              <a:rPr lang="en-US">
+                <a:latin typeface="Arial" panose="020B0604020202020204" pitchFamily="34" charset="0"/>
+                <a:cs typeface="Arial" panose="020B0604020202020204" pitchFamily="34" charset="0"/>
+              </a:rPr>
+              <a:t>Mặc định Spring security sẽ config như vậy</a:t>
+            </a:r>
+          </a:p>
+          <a:p>
+            <a:r>
+              <a:rPr lang="en-US">
+                <a:latin typeface="Arial" panose="020B0604020202020204" pitchFamily="34" charset="0"/>
+                <a:cs typeface="Arial" panose="020B0604020202020204" pitchFamily="34" charset="0"/>
+              </a:rPr>
+              <a:t>Nếu sau này mình muốn custom thì sẽ tự define lại SecurityFilterChain cho riêng mình để sử dụng</a:t>
+            </a:r>
+          </a:p>
+          <a:p>
+            <a:endParaRPr lang="en-US">
+              <a:latin typeface="Arial" panose="020B0604020202020204" pitchFamily="34" charset="0"/>
+              <a:cs typeface="Arial" panose="020B0604020202020204" pitchFamily="34" charset="0"/>
+            </a:endParaRPr>
+          </a:p>
+          <a:p>
+            <a:endParaRPr lang="en-US">
+              <a:latin typeface="Arial" panose="020B0604020202020204" pitchFamily="34" charset="0"/>
+              <a:cs typeface="Arial" panose="020B0604020202020204" pitchFamily="34" charset="0"/>
+            </a:endParaRPr>
+          </a:p>
+          <a:p>
+            <a:endParaRPr lang="en-US">
+              <a:latin typeface="Arial" panose="020B0604020202020204" pitchFamily="34" charset="0"/>
+              <a:cs typeface="Arial" panose="020B0604020202020204" pitchFamily="34" charset="0"/>
+            </a:endParaRPr>
+          </a:p>
+          <a:p>
+            <a:endParaRPr lang="en-US">
+              <a:latin typeface="Arial" panose="020B0604020202020204" pitchFamily="34" charset="0"/>
+              <a:cs typeface="Arial" panose="020B0604020202020204" pitchFamily="34" charset="0"/>
+            </a:endParaRPr>
+          </a:p>
+        </p:txBody>
+      </p:sp>
+    </p:spTree>
+    <p:extLst>
+      <p:ext uri="{BB962C8B-B14F-4D97-AF65-F5344CB8AC3E}">
+        <p14:creationId xmlns:p14="http://schemas.microsoft.com/office/powerpoint/2010/main" val="3201873543"/>
+      </p:ext>
+    </p:extLst>
+  </p:cSld>
+  <p:clrMapOvr>
+    <a:masterClrMapping/>
+  </p:clrMapOvr>
+</p:sld>
+</file>
+
+<file path=ppt/slides/slide11.xml><?xml version="1.0" encoding="utf-8"?>
+<p:sld xmlns:a="http://schemas.openxmlformats.org/drawingml/2006/main" xmlns:r="http://schemas.openxmlformats.org/officeDocument/2006/relationships" xmlns:p="http://schemas.openxmlformats.org/presentationml/2006/main">
+  <p:cSld>
+    <p:spTree>
+      <p:nvGrpSpPr>
+        <p:cNvPr id="1" name=""/>
+        <p:cNvGrpSpPr/>
+        <p:nvPr/>
+      </p:nvGrpSpPr>
+      <p:grpSpPr>
+        <a:xfrm>
+          <a:off x="0" y="0"/>
+          <a:ext cx="0" cy="0"/>
+          <a:chOff x="0" y="0"/>
+          <a:chExt cx="0" cy="0"/>
+        </a:xfrm>
+      </p:grpSpPr>
+      <p:sp>
+        <p:nvSpPr>
+          <p:cNvPr id="2" name="Title 1"/>
+          <p:cNvSpPr>
+            <a:spLocks noGrp="1"/>
+          </p:cNvSpPr>
+          <p:nvPr>
+            <p:ph type="title"/>
+          </p:nvPr>
+        </p:nvSpPr>
+        <p:spPr/>
+        <p:txBody>
+          <a:bodyPr/>
+          <a:lstStyle/>
+          <a:p>
+            <a:r>
+              <a:rPr lang="en-US">
+                <a:latin typeface="Arial" panose="020B0604020202020204" pitchFamily="34" charset="0"/>
+                <a:cs typeface="Arial" panose="020B0604020202020204" pitchFamily="34" charset="0"/>
+              </a:rPr>
+              <a:t>Setting Security</a:t>
+            </a:r>
+          </a:p>
+        </p:txBody>
+      </p:sp>
+      <p:sp>
+        <p:nvSpPr>
+          <p:cNvPr id="3" name="Content Placeholder 2"/>
+          <p:cNvSpPr>
+            <a:spLocks noGrp="1"/>
+          </p:cNvSpPr>
+          <p:nvPr>
+            <p:ph idx="1"/>
+          </p:nvPr>
+        </p:nvSpPr>
+        <p:spPr/>
+        <p:txBody>
+          <a:bodyPr/>
+          <a:lstStyle/>
+          <a:p>
+            <a:r>
+              <a:rPr lang="en-US">
+                <a:latin typeface="Arial" panose="020B0604020202020204" pitchFamily="34" charset="0"/>
+                <a:cs typeface="Arial" panose="020B0604020202020204" pitchFamily="34" charset="0"/>
+              </a:rPr>
+              <a:t>Demo thử api</a:t>
+            </a:r>
+          </a:p>
+          <a:p>
+            <a:endParaRPr lang="en-US">
+              <a:latin typeface="Arial" panose="020B0604020202020204" pitchFamily="34" charset="0"/>
+              <a:cs typeface="Arial" panose="020B0604020202020204" pitchFamily="34" charset="0"/>
+            </a:endParaRPr>
+          </a:p>
+          <a:p>
+            <a:endParaRPr lang="en-US">
+              <a:latin typeface="Arial" panose="020B0604020202020204" pitchFamily="34" charset="0"/>
+              <a:cs typeface="Arial" panose="020B0604020202020204" pitchFamily="34" charset="0"/>
+            </a:endParaRPr>
+          </a:p>
+          <a:p>
+            <a:endParaRPr lang="en-US">
+              <a:latin typeface="Arial" panose="020B0604020202020204" pitchFamily="34" charset="0"/>
+              <a:cs typeface="Arial" panose="020B0604020202020204" pitchFamily="34" charset="0"/>
+            </a:endParaRPr>
+          </a:p>
+          <a:p>
+            <a:endParaRPr lang="en-US">
+              <a:latin typeface="Arial" panose="020B0604020202020204" pitchFamily="34" charset="0"/>
+              <a:cs typeface="Arial" panose="020B0604020202020204" pitchFamily="34" charset="0"/>
+            </a:endParaRPr>
+          </a:p>
+          <a:p>
+            <a:endParaRPr lang="en-US">
+              <a:latin typeface="Arial" panose="020B0604020202020204" pitchFamily="34" charset="0"/>
+              <a:cs typeface="Arial" panose="020B0604020202020204" pitchFamily="34" charset="0"/>
+            </a:endParaRPr>
+          </a:p>
+          <a:p>
+            <a:r>
+              <a:rPr lang="en-US">
+                <a:latin typeface="Arial" panose="020B0604020202020204" pitchFamily="34" charset="0"/>
+                <a:cs typeface="Arial" panose="020B0604020202020204" pitchFamily="34" charset="0"/>
+              </a:rPr>
+              <a:t>Chạy thử nhé: </a:t>
+            </a:r>
+            <a:r>
+              <a:rPr lang="en-US">
+                <a:latin typeface="Arial" panose="020B0604020202020204" pitchFamily="34" charset="0"/>
+                <a:cs typeface="Arial" panose="020B0604020202020204" pitchFamily="34" charset="0"/>
+                <a:hlinkClick r:id="rId2"/>
+              </a:rPr>
+              <a:t>http://localhost:8080/api/v1</a:t>
+            </a:r>
+            <a:endParaRPr lang="en-US">
+              <a:latin typeface="Arial" panose="020B0604020202020204" pitchFamily="34" charset="0"/>
+              <a:cs typeface="Arial" panose="020B0604020202020204" pitchFamily="34" charset="0"/>
+            </a:endParaRPr>
+          </a:p>
+        </p:txBody>
+      </p:sp>
+      <p:pic>
+        <p:nvPicPr>
+          <p:cNvPr id="6" name="Picture 5">
+            <a:extLst>
+              <a:ext uri="{FF2B5EF4-FFF2-40B4-BE49-F238E27FC236}">
+                <a16:creationId xmlns:a16="http://schemas.microsoft.com/office/drawing/2014/main" id="{BFEBCA4A-D355-322A-133C-EDED6BBB863D}"/>
+              </a:ext>
+            </a:extLst>
+          </p:cNvPr>
+          <p:cNvPicPr>
+            <a:picLocks noChangeAspect="1"/>
+          </p:cNvPicPr>
+          <p:nvPr/>
+        </p:nvPicPr>
+        <p:blipFill>
+          <a:blip r:embed="rId3"/>
+          <a:stretch>
+            <a:fillRect/>
+          </a:stretch>
+        </p:blipFill>
+        <p:spPr>
+          <a:xfrm>
+            <a:off x="1141595" y="2559155"/>
+            <a:ext cx="3912335" cy="1739690"/>
+          </a:xfrm>
+          <a:prstGeom prst="rect">
+            <a:avLst/>
+          </a:prstGeom>
+        </p:spPr>
+      </p:pic>
+    </p:spTree>
+    <p:extLst>
+      <p:ext uri="{BB962C8B-B14F-4D97-AF65-F5344CB8AC3E}">
+        <p14:creationId xmlns:p14="http://schemas.microsoft.com/office/powerpoint/2010/main" val="3324788001"/>
+      </p:ext>
+    </p:extLst>
+  </p:cSld>
+  <p:clrMapOvr>
+    <a:masterClrMapping/>
+  </p:clrMapOvr>
+</p:sld>
+</file>
+
+<file path=ppt/slides/slide12.xml><?xml version="1.0" encoding="utf-8"?>
+<p:sld xmlns:a="http://schemas.openxmlformats.org/drawingml/2006/main" xmlns:r="http://schemas.openxmlformats.org/officeDocument/2006/relationships" xmlns:p="http://schemas.openxmlformats.org/presentationml/2006/main">
+  <p:cSld>
+    <p:spTree>
+      <p:nvGrpSpPr>
+        <p:cNvPr id="1" name=""/>
+        <p:cNvGrpSpPr/>
+        <p:nvPr/>
+      </p:nvGrpSpPr>
+      <p:grpSpPr>
+        <a:xfrm>
+          <a:off x="0" y="0"/>
+          <a:ext cx="0" cy="0"/>
+          <a:chOff x="0" y="0"/>
+          <a:chExt cx="0" cy="0"/>
+        </a:xfrm>
+      </p:grpSpPr>
+      <p:sp>
+        <p:nvSpPr>
+          <p:cNvPr id="2" name="Title 1"/>
+          <p:cNvSpPr>
+            <a:spLocks noGrp="1"/>
+          </p:cNvSpPr>
+          <p:nvPr>
+            <p:ph type="title"/>
+          </p:nvPr>
+        </p:nvSpPr>
+        <p:spPr/>
+        <p:txBody>
+          <a:bodyPr/>
+          <a:lstStyle/>
+          <a:p>
+            <a:r>
+              <a:rPr lang="en-US">
+                <a:latin typeface="Arial" panose="020B0604020202020204" pitchFamily="34" charset="0"/>
+                <a:cs typeface="Arial" panose="020B0604020202020204" pitchFamily="34" charset="0"/>
+              </a:rPr>
+              <a:t>Setting Security</a:t>
+            </a:r>
+          </a:p>
+        </p:txBody>
+      </p:sp>
+      <p:sp>
+        <p:nvSpPr>
+          <p:cNvPr id="3" name="Content Placeholder 2"/>
+          <p:cNvSpPr>
+            <a:spLocks noGrp="1"/>
+          </p:cNvSpPr>
+          <p:nvPr>
+            <p:ph idx="1"/>
+          </p:nvPr>
+        </p:nvSpPr>
+        <p:spPr/>
+        <p:txBody>
+          <a:bodyPr>
+            <a:normAutofit/>
+          </a:bodyPr>
+          <a:lstStyle/>
+          <a:p>
+            <a:r>
+              <a:rPr lang="en-US">
+                <a:latin typeface="Arial" panose="020B0604020202020204" pitchFamily="34" charset="0"/>
+                <a:cs typeface="Arial" panose="020B0604020202020204" pitchFamily="34" charset="0"/>
+              </a:rPr>
+              <a:t>Lúc này Spring Security sẽ redirect sang màn hình login</a:t>
+            </a:r>
+          </a:p>
+          <a:p>
+            <a:endParaRPr lang="en-US">
+              <a:latin typeface="Arial" panose="020B0604020202020204" pitchFamily="34" charset="0"/>
+              <a:cs typeface="Arial" panose="020B0604020202020204" pitchFamily="34" charset="0"/>
+            </a:endParaRPr>
+          </a:p>
+          <a:p>
+            <a:endParaRPr lang="en-US">
+              <a:latin typeface="Arial" panose="020B0604020202020204" pitchFamily="34" charset="0"/>
+              <a:cs typeface="Arial" panose="020B0604020202020204" pitchFamily="34" charset="0"/>
+            </a:endParaRPr>
+          </a:p>
+          <a:p>
+            <a:endParaRPr lang="en-US">
+              <a:latin typeface="Arial" panose="020B0604020202020204" pitchFamily="34" charset="0"/>
+              <a:cs typeface="Arial" panose="020B0604020202020204" pitchFamily="34" charset="0"/>
+            </a:endParaRPr>
+          </a:p>
+          <a:p>
+            <a:endParaRPr lang="en-US">
+              <a:latin typeface="Arial" panose="020B0604020202020204" pitchFamily="34" charset="0"/>
+              <a:cs typeface="Arial" panose="020B0604020202020204" pitchFamily="34" charset="0"/>
+            </a:endParaRPr>
+          </a:p>
+          <a:p>
+            <a:endParaRPr lang="en-US">
+              <a:latin typeface="Arial" panose="020B0604020202020204" pitchFamily="34" charset="0"/>
+              <a:cs typeface="Arial" panose="020B0604020202020204" pitchFamily="34" charset="0"/>
+            </a:endParaRPr>
+          </a:p>
+          <a:p>
+            <a:endParaRPr lang="en-US">
+              <a:latin typeface="Arial" panose="020B0604020202020204" pitchFamily="34" charset="0"/>
+              <a:cs typeface="Arial" panose="020B0604020202020204" pitchFamily="34" charset="0"/>
+            </a:endParaRPr>
+          </a:p>
+          <a:p>
+            <a:r>
+              <a:rPr lang="en-US">
+                <a:latin typeface="Arial" panose="020B0604020202020204" pitchFamily="34" charset="0"/>
+                <a:cs typeface="Arial" panose="020B0604020202020204" pitchFamily="34" charset="0"/>
+              </a:rPr>
+              <a:t>Mặc định khi sử dụng dependency spring-boot-starter-security thì tất cả các endpoint đều bắt buộc phải đăng nhập (authen)</a:t>
+            </a:r>
+            <a:endParaRPr lang="vi-VN">
+              <a:latin typeface="Arial" panose="020B0604020202020204" pitchFamily="34" charset="0"/>
+              <a:cs typeface="Arial" panose="020B0604020202020204" pitchFamily="34" charset="0"/>
+            </a:endParaRPr>
+          </a:p>
+        </p:txBody>
+      </p:sp>
+      <p:pic>
+        <p:nvPicPr>
+          <p:cNvPr id="5" name="Picture 4">
+            <a:extLst>
+              <a:ext uri="{FF2B5EF4-FFF2-40B4-BE49-F238E27FC236}">
+                <a16:creationId xmlns:a16="http://schemas.microsoft.com/office/drawing/2014/main" id="{72C092C6-67C2-4FA9-4284-2DC3684370D5}"/>
+              </a:ext>
+            </a:extLst>
+          </p:cNvPr>
+          <p:cNvPicPr>
+            <a:picLocks noChangeAspect="1"/>
+          </p:cNvPicPr>
+          <p:nvPr/>
+        </p:nvPicPr>
+        <p:blipFill>
+          <a:blip r:embed="rId2"/>
+          <a:stretch>
+            <a:fillRect/>
+          </a:stretch>
+        </p:blipFill>
+        <p:spPr>
+          <a:xfrm>
+            <a:off x="3744789" y="2591716"/>
+            <a:ext cx="2461758" cy="1674568"/>
+          </a:xfrm>
+          <a:prstGeom prst="rect">
+            <a:avLst/>
+          </a:prstGeom>
+        </p:spPr>
+      </p:pic>
+    </p:spTree>
+    <p:extLst>
+      <p:ext uri="{BB962C8B-B14F-4D97-AF65-F5344CB8AC3E}">
+        <p14:creationId xmlns:p14="http://schemas.microsoft.com/office/powerpoint/2010/main" val="523440547"/>
+      </p:ext>
+    </p:extLst>
+  </p:cSld>
+  <p:clrMapOvr>
+    <a:masterClrMapping/>
+  </p:clrMapOvr>
+</p:sld>
+</file>
+
+<file path=ppt/slides/slide13.xml><?xml version="1.0" encoding="utf-8"?>
+<p:sld xmlns:a="http://schemas.openxmlformats.org/drawingml/2006/main" xmlns:r="http://schemas.openxmlformats.org/officeDocument/2006/relationships" xmlns:p="http://schemas.openxmlformats.org/presentationml/2006/main">
+  <p:cSld>
+    <p:spTree>
+      <p:nvGrpSpPr>
         <p:cNvPr id="1" name=""/>
         <p:cNvGrpSpPr/>
         <p:nvPr/>
@@ -6016,7 +6473,7 @@
 </p:sld>
 </file>
 
-<file path=ppt/slides/slide11.xml><?xml version="1.0" encoding="utf-8"?>
+<file path=ppt/slides/slide14.xml><?xml version="1.0" encoding="utf-8"?>
 <p:sld xmlns:a="http://schemas.openxmlformats.org/drawingml/2006/main" xmlns:r="http://schemas.openxmlformats.org/officeDocument/2006/relationships" xmlns:p="http://schemas.openxmlformats.org/presentationml/2006/main">
   <p:cSld>
     <p:spTree>
@@ -6118,7 +6575,7 @@
 </p:sld>
 </file>
 
-<file path=ppt/slides/slide12.xml><?xml version="1.0" encoding="utf-8"?>
+<file path=ppt/slides/slide15.xml><?xml version="1.0" encoding="utf-8"?>
 <p:sld xmlns:a="http://schemas.openxmlformats.org/drawingml/2006/main" xmlns:r="http://schemas.openxmlformats.org/officeDocument/2006/relationships" xmlns:p="http://schemas.openxmlformats.org/presentationml/2006/main">
   <p:cSld>
     <p:spTree>
@@ -6260,7 +6717,7 @@
 </p:sld>
 </file>
 
-<file path=ppt/slides/slide13.xml><?xml version="1.0" encoding="utf-8"?>
+<file path=ppt/slides/slide16.xml><?xml version="1.0" encoding="utf-8"?>
 <p:sld xmlns:a="http://schemas.openxmlformats.org/drawingml/2006/main" xmlns:r="http://schemas.openxmlformats.org/officeDocument/2006/relationships" xmlns:p="http://schemas.openxmlformats.org/presentationml/2006/main">
   <p:cSld>
     <p:spTree>
@@ -6423,7 +6880,7 @@
 </p:sld>
 </file>
 
-<file path=ppt/slides/slide14.xml><?xml version="1.0" encoding="utf-8"?>
+<file path=ppt/slides/slide17.xml><?xml version="1.0" encoding="utf-8"?>
 <p:sld xmlns:a="http://schemas.openxmlformats.org/drawingml/2006/main" xmlns:r="http://schemas.openxmlformats.org/officeDocument/2006/relationships" xmlns:p="http://schemas.openxmlformats.org/presentationml/2006/main">
   <p:cSld>
     <p:spTree>
@@ -6593,7 +7050,7 @@
 </p:sld>
 </file>
 
-<file path=ppt/slides/slide15.xml><?xml version="1.0" encoding="utf-8"?>
+<file path=ppt/slides/slide18.xml><?xml version="1.0" encoding="utf-8"?>
 <p:sld xmlns:a="http://schemas.openxmlformats.org/drawingml/2006/main" xmlns:r="http://schemas.openxmlformats.org/officeDocument/2006/relationships" xmlns:p="http://schemas.openxmlformats.org/presentationml/2006/main">
   <p:cSld>
     <p:spTree>
@@ -6742,7 +7199,7 @@
 </p:sld>
 </file>
 
-<file path=ppt/slides/slide16.xml><?xml version="1.0" encoding="utf-8"?>
+<file path=ppt/slides/slide19.xml><?xml version="1.0" encoding="utf-8"?>
 <p:sld xmlns:a="http://schemas.openxmlformats.org/drawingml/2006/main" xmlns:r="http://schemas.openxmlformats.org/officeDocument/2006/relationships" xmlns:p="http://schemas.openxmlformats.org/presentationml/2006/main">
   <p:cSld>
     <p:spTree>
@@ -6902,345 +7359,6 @@
     <p:extLst>
       <p:ext uri="{BB962C8B-B14F-4D97-AF65-F5344CB8AC3E}">
         <p14:creationId xmlns:p14="http://schemas.microsoft.com/office/powerpoint/2010/main" val="2943361093"/>
-      </p:ext>
-    </p:extLst>
-  </p:cSld>
-  <p:clrMapOvr>
-    <a:masterClrMapping/>
-  </p:clrMapOvr>
-</p:sld>
-</file>
-
-<file path=ppt/slides/slide17.xml><?xml version="1.0" encoding="utf-8"?>
-<p:sld xmlns:a="http://schemas.openxmlformats.org/drawingml/2006/main" xmlns:r="http://schemas.openxmlformats.org/officeDocument/2006/relationships" xmlns:p="http://schemas.openxmlformats.org/presentationml/2006/main">
-  <p:cSld>
-    <p:spTree>
-      <p:nvGrpSpPr>
-        <p:cNvPr id="1" name=""/>
-        <p:cNvGrpSpPr/>
-        <p:nvPr/>
-      </p:nvGrpSpPr>
-      <p:grpSpPr>
-        <a:xfrm>
-          <a:off x="0" y="0"/>
-          <a:ext cx="0" cy="0"/>
-          <a:chOff x="0" y="0"/>
-          <a:chExt cx="0" cy="0"/>
-        </a:xfrm>
-      </p:grpSpPr>
-      <p:sp>
-        <p:nvSpPr>
-          <p:cNvPr id="2" name="Title 1"/>
-          <p:cNvSpPr>
-            <a:spLocks noGrp="1"/>
-          </p:cNvSpPr>
-          <p:nvPr>
-            <p:ph type="title"/>
-          </p:nvPr>
-        </p:nvSpPr>
-        <p:spPr/>
-        <p:txBody>
-          <a:bodyPr/>
-          <a:lstStyle/>
-          <a:p>
-            <a:r>
-              <a:rPr lang="en-US">
-                <a:latin typeface="Arial" panose="020B0604020202020204" pitchFamily="34" charset="0"/>
-                <a:cs typeface="Arial" panose="020B0604020202020204" pitchFamily="34" charset="0"/>
-              </a:rPr>
-              <a:t>Basic Configuration</a:t>
-            </a:r>
-          </a:p>
-        </p:txBody>
-      </p:sp>
-      <p:sp>
-        <p:nvSpPr>
-          <p:cNvPr id="3" name="Content Placeholder 2"/>
-          <p:cNvSpPr>
-            <a:spLocks noGrp="1"/>
-          </p:cNvSpPr>
-          <p:nvPr>
-            <p:ph idx="1"/>
-          </p:nvPr>
-        </p:nvSpPr>
-        <p:spPr/>
-        <p:txBody>
-          <a:bodyPr>
-            <a:normAutofit/>
-          </a:bodyPr>
-          <a:lstStyle/>
-          <a:p>
-            <a:r>
-              <a:rPr lang="en-US">
-                <a:latin typeface="Arial" panose="020B0604020202020204" pitchFamily="34" charset="0"/>
-                <a:cs typeface="Arial" panose="020B0604020202020204" pitchFamily="34" charset="0"/>
-              </a:rPr>
-              <a:t>Thử login bằng user đầu tiên nhé: haolv1:test123</a:t>
-            </a:r>
-          </a:p>
-          <a:p>
-            <a:endParaRPr lang="en-US">
-              <a:latin typeface="Arial" panose="020B0604020202020204" pitchFamily="34" charset="0"/>
-              <a:cs typeface="Arial" panose="020B0604020202020204" pitchFamily="34" charset="0"/>
-            </a:endParaRPr>
-          </a:p>
-        </p:txBody>
-      </p:sp>
-      <p:pic>
-        <p:nvPicPr>
-          <p:cNvPr id="5" name="Picture 4">
-            <a:extLst>
-              <a:ext uri="{FF2B5EF4-FFF2-40B4-BE49-F238E27FC236}">
-                <a16:creationId xmlns:a16="http://schemas.microsoft.com/office/drawing/2014/main" id="{E674D717-38E2-927B-4E56-38FCCEECCAF5}"/>
-              </a:ext>
-            </a:extLst>
-          </p:cNvPr>
-          <p:cNvPicPr>
-            <a:picLocks noChangeAspect="1"/>
-          </p:cNvPicPr>
-          <p:nvPr/>
-        </p:nvPicPr>
-        <p:blipFill>
-          <a:blip r:embed="rId2"/>
-          <a:stretch>
-            <a:fillRect/>
-          </a:stretch>
-        </p:blipFill>
-        <p:spPr>
-          <a:xfrm>
-            <a:off x="677334" y="2667424"/>
-            <a:ext cx="9160030" cy="1896378"/>
-          </a:xfrm>
-          <a:prstGeom prst="rect">
-            <a:avLst/>
-          </a:prstGeom>
-        </p:spPr>
-      </p:pic>
-    </p:spTree>
-    <p:extLst>
-      <p:ext uri="{BB962C8B-B14F-4D97-AF65-F5344CB8AC3E}">
-        <p14:creationId xmlns:p14="http://schemas.microsoft.com/office/powerpoint/2010/main" val="1210555967"/>
-      </p:ext>
-    </p:extLst>
-  </p:cSld>
-  <p:clrMapOvr>
-    <a:masterClrMapping/>
-  </p:clrMapOvr>
-</p:sld>
-</file>
-
-<file path=ppt/slides/slide18.xml><?xml version="1.0" encoding="utf-8"?>
-<p:sld xmlns:a="http://schemas.openxmlformats.org/drawingml/2006/main" xmlns:r="http://schemas.openxmlformats.org/officeDocument/2006/relationships" xmlns:p="http://schemas.openxmlformats.org/presentationml/2006/main">
-  <p:cSld>
-    <p:spTree>
-      <p:nvGrpSpPr>
-        <p:cNvPr id="1" name=""/>
-        <p:cNvGrpSpPr/>
-        <p:nvPr/>
-      </p:nvGrpSpPr>
-      <p:grpSpPr>
-        <a:xfrm>
-          <a:off x="0" y="0"/>
-          <a:ext cx="0" cy="0"/>
-          <a:chOff x="0" y="0"/>
-          <a:chExt cx="0" cy="0"/>
-        </a:xfrm>
-      </p:grpSpPr>
-      <p:sp>
-        <p:nvSpPr>
-          <p:cNvPr id="2" name="Title 1"/>
-          <p:cNvSpPr>
-            <a:spLocks noGrp="1"/>
-          </p:cNvSpPr>
-          <p:nvPr>
-            <p:ph type="title"/>
-          </p:nvPr>
-        </p:nvSpPr>
-        <p:spPr/>
-        <p:txBody>
-          <a:bodyPr/>
-          <a:lstStyle/>
-          <a:p>
-            <a:r>
-              <a:rPr lang="en-US">
-                <a:latin typeface="Arial" panose="020B0604020202020204" pitchFamily="34" charset="0"/>
-                <a:cs typeface="Arial" panose="020B0604020202020204" pitchFamily="34" charset="0"/>
-              </a:rPr>
-              <a:t>Basic Configuration</a:t>
-            </a:r>
-          </a:p>
-        </p:txBody>
-      </p:sp>
-      <p:sp>
-        <p:nvSpPr>
-          <p:cNvPr id="3" name="Content Placeholder 2"/>
-          <p:cNvSpPr>
-            <a:spLocks noGrp="1"/>
-          </p:cNvSpPr>
-          <p:nvPr>
-            <p:ph idx="1"/>
-          </p:nvPr>
-        </p:nvSpPr>
-        <p:spPr/>
-        <p:txBody>
-          <a:bodyPr>
-            <a:normAutofit/>
-          </a:bodyPr>
-          <a:lstStyle/>
-          <a:p>
-            <a:r>
-              <a:rPr lang="en-US">
-                <a:latin typeface="Arial" panose="020B0604020202020204" pitchFamily="34" charset="0"/>
-                <a:cs typeface="Arial" panose="020B0604020202020204" pitchFamily="34" charset="0"/>
-              </a:rPr>
-              <a:t>Thử login bằng user đầu tiên nhé: haolv2:test123 và haolv3:test123 </a:t>
-            </a:r>
-          </a:p>
-          <a:p>
-            <a:endParaRPr lang="en-US">
-              <a:latin typeface="Arial" panose="020B0604020202020204" pitchFamily="34" charset="0"/>
-              <a:cs typeface="Arial" panose="020B0604020202020204" pitchFamily="34" charset="0"/>
-            </a:endParaRPr>
-          </a:p>
-        </p:txBody>
-      </p:sp>
-    </p:spTree>
-    <p:extLst>
-      <p:ext uri="{BB962C8B-B14F-4D97-AF65-F5344CB8AC3E}">
-        <p14:creationId xmlns:p14="http://schemas.microsoft.com/office/powerpoint/2010/main" val="2154305418"/>
-      </p:ext>
-    </p:extLst>
-  </p:cSld>
-  <p:clrMapOvr>
-    <a:masterClrMapping/>
-  </p:clrMapOvr>
-</p:sld>
-</file>
-
-<file path=ppt/slides/slide19.xml><?xml version="1.0" encoding="utf-8"?>
-<p:sld xmlns:a="http://schemas.openxmlformats.org/drawingml/2006/main" xmlns:r="http://schemas.openxmlformats.org/officeDocument/2006/relationships" xmlns:p="http://schemas.openxmlformats.org/presentationml/2006/main">
-  <p:cSld>
-    <p:spTree>
-      <p:nvGrpSpPr>
-        <p:cNvPr id="1" name=""/>
-        <p:cNvGrpSpPr/>
-        <p:nvPr/>
-      </p:nvGrpSpPr>
-      <p:grpSpPr>
-        <a:xfrm>
-          <a:off x="0" y="0"/>
-          <a:ext cx="0" cy="0"/>
-          <a:chOff x="0" y="0"/>
-          <a:chExt cx="0" cy="0"/>
-        </a:xfrm>
-      </p:grpSpPr>
-      <p:sp>
-        <p:nvSpPr>
-          <p:cNvPr id="2" name="Title 1"/>
-          <p:cNvSpPr>
-            <a:spLocks noGrp="1"/>
-          </p:cNvSpPr>
-          <p:nvPr>
-            <p:ph type="title"/>
-          </p:nvPr>
-        </p:nvSpPr>
-        <p:spPr/>
-        <p:txBody>
-          <a:bodyPr/>
-          <a:lstStyle/>
-          <a:p>
-            <a:r>
-              <a:rPr lang="en-US">
-                <a:latin typeface="Arial" panose="020B0604020202020204" pitchFamily="34" charset="0"/>
-                <a:cs typeface="Arial" panose="020B0604020202020204" pitchFamily="34" charset="0"/>
-              </a:rPr>
-              <a:t>Basic Configuration</a:t>
-            </a:r>
-          </a:p>
-        </p:txBody>
-      </p:sp>
-      <p:sp>
-        <p:nvSpPr>
-          <p:cNvPr id="3" name="Content Placeholder 2"/>
-          <p:cNvSpPr>
-            <a:spLocks noGrp="1"/>
-          </p:cNvSpPr>
-          <p:nvPr>
-            <p:ph idx="1"/>
-          </p:nvPr>
-        </p:nvSpPr>
-        <p:spPr/>
-        <p:txBody>
-          <a:bodyPr>
-            <a:normAutofit/>
-          </a:bodyPr>
-          <a:lstStyle/>
-          <a:p>
-            <a:r>
-              <a:rPr lang="en-US">
-                <a:latin typeface="Arial" panose="020B0604020202020204" pitchFamily="34" charset="0"/>
-                <a:cs typeface="Arial" panose="020B0604020202020204" pitchFamily="34" charset="0"/>
-              </a:rPr>
-              <a:t>Ví dụ password là: {bcrypt}$2a$12$GFrM4OAG2pAJJupeCTP5 …</a:t>
-            </a:r>
-          </a:p>
-          <a:p>
-            <a:endParaRPr lang="en-US">
-              <a:latin typeface="Arial" panose="020B0604020202020204" pitchFamily="34" charset="0"/>
-              <a:cs typeface="Arial" panose="020B0604020202020204" pitchFamily="34" charset="0"/>
-            </a:endParaRPr>
-          </a:p>
-          <a:p>
-            <a:r>
-              <a:rPr lang="en-US">
-                <a:latin typeface="Arial" panose="020B0604020202020204" pitchFamily="34" charset="0"/>
-                <a:cs typeface="Arial" panose="020B0604020202020204" pitchFamily="34" charset="0"/>
-              </a:rPr>
-              <a:t>Cách check password:</a:t>
-            </a:r>
-          </a:p>
-          <a:p>
-            <a:pPr lvl="1"/>
-            <a:r>
-              <a:rPr lang="en-US">
-                <a:latin typeface="Arial" panose="020B0604020202020204" pitchFamily="34" charset="0"/>
-                <a:cs typeface="Arial" panose="020B0604020202020204" pitchFamily="34" charset="0"/>
-              </a:rPr>
-              <a:t>Lấy id {bcrypt} và kiểm tra xem sử dụng encoder nào</a:t>
-            </a:r>
-          </a:p>
-          <a:p>
-            <a:pPr lvl="1"/>
-            <a:r>
-              <a:rPr lang="en-US">
-                <a:latin typeface="Arial" panose="020B0604020202020204" pitchFamily="34" charset="0"/>
-                <a:cs typeface="Arial" panose="020B0604020202020204" pitchFamily="34" charset="0"/>
-              </a:rPr>
-              <a:t>Thực hiện encode password mà user nhập vào</a:t>
-            </a:r>
-          </a:p>
-          <a:p>
-            <a:pPr lvl="1"/>
-            <a:r>
-              <a:rPr lang="en-US">
-                <a:latin typeface="Arial" panose="020B0604020202020204" pitchFamily="34" charset="0"/>
-                <a:cs typeface="Arial" panose="020B0604020202020204" pitchFamily="34" charset="0"/>
-              </a:rPr>
-              <a:t>Check mapping password sau khi encode với password trong bộ nhớ</a:t>
-            </a:r>
-          </a:p>
-          <a:p>
-            <a:endParaRPr lang="en-US">
-              <a:latin typeface="Arial" panose="020B0604020202020204" pitchFamily="34" charset="0"/>
-              <a:cs typeface="Arial" panose="020B0604020202020204" pitchFamily="34" charset="0"/>
-            </a:endParaRPr>
-          </a:p>
-        </p:txBody>
-      </p:sp>
-    </p:spTree>
-    <p:extLst>
-      <p:ext uri="{BB962C8B-B14F-4D97-AF65-F5344CB8AC3E}">
-        <p14:creationId xmlns:p14="http://schemas.microsoft.com/office/powerpoint/2010/main" val="1000020703"/>
       </p:ext>
     </p:extLst>
   </p:cSld>
@@ -7650,45 +7768,51 @@
                 <a:latin typeface="Arial" panose="020B0604020202020204" pitchFamily="34" charset="0"/>
                 <a:cs typeface="Arial" panose="020B0604020202020204" pitchFamily="34" charset="0"/>
               </a:rPr>
-              <a:t>Giờ ta sẽ xử lý bài toán bên dưới về quản lý nhân viên:</a:t>
-            </a:r>
-          </a:p>
-          <a:p>
-            <a:pPr lvl="1"/>
-            <a:r>
-              <a:rPr lang="en-US">
-                <a:latin typeface="Arial" panose="020B0604020202020204" pitchFamily="34" charset="0"/>
-                <a:cs typeface="Arial" panose="020B0604020202020204" pitchFamily="34" charset="0"/>
-              </a:rPr>
-              <a:t>User cho phép xem thông tin tất cả employee</a:t>
-            </a:r>
-          </a:p>
-          <a:p>
-            <a:pPr lvl="1"/>
-            <a:r>
-              <a:rPr lang="en-US">
-                <a:latin typeface="Arial" panose="020B0604020202020204" pitchFamily="34" charset="0"/>
-                <a:cs typeface="Arial" panose="020B0604020202020204" pitchFamily="34" charset="0"/>
-              </a:rPr>
-              <a:t>Manager cho phép thêm/sửa thông tin employee</a:t>
-            </a:r>
-          </a:p>
-          <a:p>
-            <a:pPr lvl="1"/>
-            <a:r>
-              <a:rPr lang="en-US">
-                <a:latin typeface="Arial" panose="020B0604020202020204" pitchFamily="34" charset="0"/>
-                <a:cs typeface="Arial" panose="020B0604020202020204" pitchFamily="34" charset="0"/>
-              </a:rPr>
-              <a:t>Admin cho phép xóa thông tin employee</a:t>
-            </a:r>
-          </a:p>
-        </p:txBody>
-      </p:sp>
+              <a:t>Thử login bằng user đầu tiên nhé: haolv1:test123</a:t>
+            </a:r>
+          </a:p>
+          <a:p>
+            <a:endParaRPr lang="en-US">
+              <a:latin typeface="Arial" panose="020B0604020202020204" pitchFamily="34" charset="0"/>
+              <a:cs typeface="Arial" panose="020B0604020202020204" pitchFamily="34" charset="0"/>
+            </a:endParaRPr>
+          </a:p>
+        </p:txBody>
+      </p:sp>
+      <p:pic>
+        <p:nvPicPr>
+          <p:cNvPr id="5" name="Picture 4">
+            <a:extLst>
+              <a:ext uri="{FF2B5EF4-FFF2-40B4-BE49-F238E27FC236}">
+                <a16:creationId xmlns:a16="http://schemas.microsoft.com/office/drawing/2014/main" id="{E674D717-38E2-927B-4E56-38FCCEECCAF5}"/>
+              </a:ext>
+            </a:extLst>
+          </p:cNvPr>
+          <p:cNvPicPr>
+            <a:picLocks noChangeAspect="1"/>
+          </p:cNvPicPr>
+          <p:nvPr/>
+        </p:nvPicPr>
+        <p:blipFill>
+          <a:blip r:embed="rId2"/>
+          <a:stretch>
+            <a:fillRect/>
+          </a:stretch>
+        </p:blipFill>
+        <p:spPr>
+          <a:xfrm>
+            <a:off x="677334" y="2667424"/>
+            <a:ext cx="9160030" cy="1896378"/>
+          </a:xfrm>
+          <a:prstGeom prst="rect">
+            <a:avLst/>
+          </a:prstGeom>
+        </p:spPr>
+      </p:pic>
     </p:spTree>
     <p:extLst>
       <p:ext uri="{BB962C8B-B14F-4D97-AF65-F5344CB8AC3E}">
-        <p14:creationId xmlns:p14="http://schemas.microsoft.com/office/powerpoint/2010/main" val="1079521691"/>
+        <p14:creationId xmlns:p14="http://schemas.microsoft.com/office/powerpoint/2010/main" val="1210555967"/>
       </p:ext>
     </p:extLst>
   </p:cSld>
@@ -7762,6 +7886,339 @@
                 <a:latin typeface="Arial" panose="020B0604020202020204" pitchFamily="34" charset="0"/>
                 <a:cs typeface="Arial" panose="020B0604020202020204" pitchFamily="34" charset="0"/>
               </a:rPr>
+              <a:t>Thử login bằng user đầu tiên nhé: haolv2:test123 và haolv3:test123 </a:t>
+            </a:r>
+          </a:p>
+          <a:p>
+            <a:endParaRPr lang="en-US">
+              <a:latin typeface="Arial" panose="020B0604020202020204" pitchFamily="34" charset="0"/>
+              <a:cs typeface="Arial" panose="020B0604020202020204" pitchFamily="34" charset="0"/>
+            </a:endParaRPr>
+          </a:p>
+        </p:txBody>
+      </p:sp>
+    </p:spTree>
+    <p:extLst>
+      <p:ext uri="{BB962C8B-B14F-4D97-AF65-F5344CB8AC3E}">
+        <p14:creationId xmlns:p14="http://schemas.microsoft.com/office/powerpoint/2010/main" val="2154305418"/>
+      </p:ext>
+    </p:extLst>
+  </p:cSld>
+  <p:clrMapOvr>
+    <a:masterClrMapping/>
+  </p:clrMapOvr>
+</p:sld>
+</file>
+
+<file path=ppt/slides/slide22.xml><?xml version="1.0" encoding="utf-8"?>
+<p:sld xmlns:a="http://schemas.openxmlformats.org/drawingml/2006/main" xmlns:r="http://schemas.openxmlformats.org/officeDocument/2006/relationships" xmlns:p="http://schemas.openxmlformats.org/presentationml/2006/main">
+  <p:cSld>
+    <p:spTree>
+      <p:nvGrpSpPr>
+        <p:cNvPr id="1" name=""/>
+        <p:cNvGrpSpPr/>
+        <p:nvPr/>
+      </p:nvGrpSpPr>
+      <p:grpSpPr>
+        <a:xfrm>
+          <a:off x="0" y="0"/>
+          <a:ext cx="0" cy="0"/>
+          <a:chOff x="0" y="0"/>
+          <a:chExt cx="0" cy="0"/>
+        </a:xfrm>
+      </p:grpSpPr>
+      <p:sp>
+        <p:nvSpPr>
+          <p:cNvPr id="2" name="Title 1"/>
+          <p:cNvSpPr>
+            <a:spLocks noGrp="1"/>
+          </p:cNvSpPr>
+          <p:nvPr>
+            <p:ph type="title"/>
+          </p:nvPr>
+        </p:nvSpPr>
+        <p:spPr/>
+        <p:txBody>
+          <a:bodyPr/>
+          <a:lstStyle/>
+          <a:p>
+            <a:r>
+              <a:rPr lang="en-US">
+                <a:latin typeface="Arial" panose="020B0604020202020204" pitchFamily="34" charset="0"/>
+                <a:cs typeface="Arial" panose="020B0604020202020204" pitchFamily="34" charset="0"/>
+              </a:rPr>
+              <a:t>Basic Configuration</a:t>
+            </a:r>
+          </a:p>
+        </p:txBody>
+      </p:sp>
+      <p:sp>
+        <p:nvSpPr>
+          <p:cNvPr id="3" name="Content Placeholder 2"/>
+          <p:cNvSpPr>
+            <a:spLocks noGrp="1"/>
+          </p:cNvSpPr>
+          <p:nvPr>
+            <p:ph idx="1"/>
+          </p:nvPr>
+        </p:nvSpPr>
+        <p:spPr/>
+        <p:txBody>
+          <a:bodyPr>
+            <a:normAutofit/>
+          </a:bodyPr>
+          <a:lstStyle/>
+          <a:p>
+            <a:r>
+              <a:rPr lang="en-US">
+                <a:latin typeface="Arial" panose="020B0604020202020204" pitchFamily="34" charset="0"/>
+                <a:cs typeface="Arial" panose="020B0604020202020204" pitchFamily="34" charset="0"/>
+              </a:rPr>
+              <a:t>Ví dụ password là: {bcrypt}$2a$12$GFrM4OAG2pAJJupeCTP5 …</a:t>
+            </a:r>
+          </a:p>
+          <a:p>
+            <a:endParaRPr lang="en-US">
+              <a:latin typeface="Arial" panose="020B0604020202020204" pitchFamily="34" charset="0"/>
+              <a:cs typeface="Arial" panose="020B0604020202020204" pitchFamily="34" charset="0"/>
+            </a:endParaRPr>
+          </a:p>
+          <a:p>
+            <a:r>
+              <a:rPr lang="en-US">
+                <a:latin typeface="Arial" panose="020B0604020202020204" pitchFamily="34" charset="0"/>
+                <a:cs typeface="Arial" panose="020B0604020202020204" pitchFamily="34" charset="0"/>
+              </a:rPr>
+              <a:t>Cách check password:</a:t>
+            </a:r>
+          </a:p>
+          <a:p>
+            <a:pPr lvl="1"/>
+            <a:r>
+              <a:rPr lang="en-US">
+                <a:latin typeface="Arial" panose="020B0604020202020204" pitchFamily="34" charset="0"/>
+                <a:cs typeface="Arial" panose="020B0604020202020204" pitchFamily="34" charset="0"/>
+              </a:rPr>
+              <a:t>Lấy id {bcrypt} và kiểm tra xem sử dụng encoder nào</a:t>
+            </a:r>
+          </a:p>
+          <a:p>
+            <a:pPr lvl="1"/>
+            <a:r>
+              <a:rPr lang="en-US">
+                <a:latin typeface="Arial" panose="020B0604020202020204" pitchFamily="34" charset="0"/>
+                <a:cs typeface="Arial" panose="020B0604020202020204" pitchFamily="34" charset="0"/>
+              </a:rPr>
+              <a:t>Thực hiện encode password mà user nhập vào</a:t>
+            </a:r>
+          </a:p>
+          <a:p>
+            <a:pPr lvl="1"/>
+            <a:r>
+              <a:rPr lang="en-US">
+                <a:latin typeface="Arial" panose="020B0604020202020204" pitchFamily="34" charset="0"/>
+                <a:cs typeface="Arial" panose="020B0604020202020204" pitchFamily="34" charset="0"/>
+              </a:rPr>
+              <a:t>Check mapping password sau khi encode với password trong bộ nhớ</a:t>
+            </a:r>
+          </a:p>
+          <a:p>
+            <a:endParaRPr lang="en-US">
+              <a:latin typeface="Arial" panose="020B0604020202020204" pitchFamily="34" charset="0"/>
+              <a:cs typeface="Arial" panose="020B0604020202020204" pitchFamily="34" charset="0"/>
+            </a:endParaRPr>
+          </a:p>
+        </p:txBody>
+      </p:sp>
+    </p:spTree>
+    <p:extLst>
+      <p:ext uri="{BB962C8B-B14F-4D97-AF65-F5344CB8AC3E}">
+        <p14:creationId xmlns:p14="http://schemas.microsoft.com/office/powerpoint/2010/main" val="1000020703"/>
+      </p:ext>
+    </p:extLst>
+  </p:cSld>
+  <p:clrMapOvr>
+    <a:masterClrMapping/>
+  </p:clrMapOvr>
+</p:sld>
+</file>
+
+<file path=ppt/slides/slide23.xml><?xml version="1.0" encoding="utf-8"?>
+<p:sld xmlns:a="http://schemas.openxmlformats.org/drawingml/2006/main" xmlns:r="http://schemas.openxmlformats.org/officeDocument/2006/relationships" xmlns:p="http://schemas.openxmlformats.org/presentationml/2006/main">
+  <p:cSld>
+    <p:spTree>
+      <p:nvGrpSpPr>
+        <p:cNvPr id="1" name=""/>
+        <p:cNvGrpSpPr/>
+        <p:nvPr/>
+      </p:nvGrpSpPr>
+      <p:grpSpPr>
+        <a:xfrm>
+          <a:off x="0" y="0"/>
+          <a:ext cx="0" cy="0"/>
+          <a:chOff x="0" y="0"/>
+          <a:chExt cx="0" cy="0"/>
+        </a:xfrm>
+      </p:grpSpPr>
+      <p:sp>
+        <p:nvSpPr>
+          <p:cNvPr id="2" name="Title 1"/>
+          <p:cNvSpPr>
+            <a:spLocks noGrp="1"/>
+          </p:cNvSpPr>
+          <p:nvPr>
+            <p:ph type="title"/>
+          </p:nvPr>
+        </p:nvSpPr>
+        <p:spPr/>
+        <p:txBody>
+          <a:bodyPr/>
+          <a:lstStyle/>
+          <a:p>
+            <a:r>
+              <a:rPr lang="en-US">
+                <a:latin typeface="Arial" panose="020B0604020202020204" pitchFamily="34" charset="0"/>
+                <a:cs typeface="Arial" panose="020B0604020202020204" pitchFamily="34" charset="0"/>
+              </a:rPr>
+              <a:t>Basic Configuration</a:t>
+            </a:r>
+          </a:p>
+        </p:txBody>
+      </p:sp>
+      <p:sp>
+        <p:nvSpPr>
+          <p:cNvPr id="3" name="Content Placeholder 2"/>
+          <p:cNvSpPr>
+            <a:spLocks noGrp="1"/>
+          </p:cNvSpPr>
+          <p:nvPr>
+            <p:ph idx="1"/>
+          </p:nvPr>
+        </p:nvSpPr>
+        <p:spPr/>
+        <p:txBody>
+          <a:bodyPr>
+            <a:normAutofit/>
+          </a:bodyPr>
+          <a:lstStyle/>
+          <a:p>
+            <a:r>
+              <a:rPr lang="en-US">
+                <a:latin typeface="Arial" panose="020B0604020202020204" pitchFamily="34" charset="0"/>
+                <a:cs typeface="Arial" panose="020B0604020202020204" pitchFamily="34" charset="0"/>
+              </a:rPr>
+              <a:t>Giờ ta sẽ xử lý bài toán bên dưới về quản lý nhân viên:</a:t>
+            </a:r>
+          </a:p>
+          <a:p>
+            <a:pPr lvl="1"/>
+            <a:r>
+              <a:rPr lang="en-US">
+                <a:latin typeface="Arial" panose="020B0604020202020204" pitchFamily="34" charset="0"/>
+                <a:cs typeface="Arial" panose="020B0604020202020204" pitchFamily="34" charset="0"/>
+              </a:rPr>
+              <a:t>User cho phép xem thông tin tất cả employee</a:t>
+            </a:r>
+          </a:p>
+          <a:p>
+            <a:pPr lvl="1"/>
+            <a:r>
+              <a:rPr lang="en-US">
+                <a:latin typeface="Arial" panose="020B0604020202020204" pitchFamily="34" charset="0"/>
+                <a:cs typeface="Arial" panose="020B0604020202020204" pitchFamily="34" charset="0"/>
+              </a:rPr>
+              <a:t>Manager cho phép thêm/sửa thông tin employee</a:t>
+            </a:r>
+          </a:p>
+          <a:p>
+            <a:pPr lvl="1"/>
+            <a:r>
+              <a:rPr lang="en-US">
+                <a:latin typeface="Arial" panose="020B0604020202020204" pitchFamily="34" charset="0"/>
+                <a:cs typeface="Arial" panose="020B0604020202020204" pitchFamily="34" charset="0"/>
+              </a:rPr>
+              <a:t>Admin cho phép xóa thông tin employee</a:t>
+            </a:r>
+          </a:p>
+        </p:txBody>
+      </p:sp>
+    </p:spTree>
+    <p:extLst>
+      <p:ext uri="{BB962C8B-B14F-4D97-AF65-F5344CB8AC3E}">
+        <p14:creationId xmlns:p14="http://schemas.microsoft.com/office/powerpoint/2010/main" val="1079521691"/>
+      </p:ext>
+    </p:extLst>
+  </p:cSld>
+  <p:clrMapOvr>
+    <a:masterClrMapping/>
+  </p:clrMapOvr>
+</p:sld>
+</file>
+
+<file path=ppt/slides/slide24.xml><?xml version="1.0" encoding="utf-8"?>
+<p:sld xmlns:a="http://schemas.openxmlformats.org/drawingml/2006/main" xmlns:r="http://schemas.openxmlformats.org/officeDocument/2006/relationships" xmlns:p="http://schemas.openxmlformats.org/presentationml/2006/main">
+  <p:cSld>
+    <p:spTree>
+      <p:nvGrpSpPr>
+        <p:cNvPr id="1" name=""/>
+        <p:cNvGrpSpPr/>
+        <p:nvPr/>
+      </p:nvGrpSpPr>
+      <p:grpSpPr>
+        <a:xfrm>
+          <a:off x="0" y="0"/>
+          <a:ext cx="0" cy="0"/>
+          <a:chOff x="0" y="0"/>
+          <a:chExt cx="0" cy="0"/>
+        </a:xfrm>
+      </p:grpSpPr>
+      <p:sp>
+        <p:nvSpPr>
+          <p:cNvPr id="2" name="Title 1"/>
+          <p:cNvSpPr>
+            <a:spLocks noGrp="1"/>
+          </p:cNvSpPr>
+          <p:nvPr>
+            <p:ph type="title"/>
+          </p:nvPr>
+        </p:nvSpPr>
+        <p:spPr/>
+        <p:txBody>
+          <a:bodyPr/>
+          <a:lstStyle/>
+          <a:p>
+            <a:r>
+              <a:rPr lang="en-US">
+                <a:latin typeface="Arial" panose="020B0604020202020204" pitchFamily="34" charset="0"/>
+                <a:cs typeface="Arial" panose="020B0604020202020204" pitchFamily="34" charset="0"/>
+              </a:rPr>
+              <a:t>Basic Configuration</a:t>
+            </a:r>
+          </a:p>
+        </p:txBody>
+      </p:sp>
+      <p:sp>
+        <p:nvSpPr>
+          <p:cNvPr id="3" name="Content Placeholder 2"/>
+          <p:cNvSpPr>
+            <a:spLocks noGrp="1"/>
+          </p:cNvSpPr>
+          <p:nvPr>
+            <p:ph idx="1"/>
+          </p:nvPr>
+        </p:nvSpPr>
+        <p:spPr/>
+        <p:txBody>
+          <a:bodyPr>
+            <a:normAutofit/>
+          </a:bodyPr>
+          <a:lstStyle/>
+          <a:p>
+            <a:r>
+              <a:rPr lang="en-US">
+                <a:latin typeface="Arial" panose="020B0604020202020204" pitchFamily="34" charset="0"/>
+                <a:cs typeface="Arial" panose="020B0604020202020204" pitchFamily="34" charset="0"/>
+              </a:rPr>
               <a:t>Phân tích bài toán:</a:t>
             </a:r>
           </a:p>
@@ -7857,7 +8314,7 @@
 </p:sld>
 </file>
 
-<file path=ppt/slides/slide22.xml><?xml version="1.0" encoding="utf-8"?>
+<file path=ppt/slides/slide25.xml><?xml version="1.0" encoding="utf-8"?>
 <p:sld xmlns:a="http://schemas.openxmlformats.org/drawingml/2006/main" xmlns:r="http://schemas.openxmlformats.org/officeDocument/2006/relationships" xmlns:p="http://schemas.openxmlformats.org/presentationml/2006/main">
   <p:cSld>
     <p:spTree>
@@ -7976,7 +8433,7 @@
 </p:sld>
 </file>
 
-<file path=ppt/slides/slide23.xml><?xml version="1.0" encoding="utf-8"?>
+<file path=ppt/slides/slide26.xml><?xml version="1.0" encoding="utf-8"?>
 <p:sld xmlns:a="http://schemas.openxmlformats.org/drawingml/2006/main" xmlns:r="http://schemas.openxmlformats.org/officeDocument/2006/relationships" xmlns:p="http://schemas.openxmlformats.org/presentationml/2006/main">
   <p:cSld>
     <p:spTree>
@@ -8095,7 +8552,7 @@
 </p:sld>
 </file>
 
-<file path=ppt/slides/slide24.xml><?xml version="1.0" encoding="utf-8"?>
+<file path=ppt/slides/slide27.xml><?xml version="1.0" encoding="utf-8"?>
 <p:sld xmlns:a="http://schemas.openxmlformats.org/drawingml/2006/main" xmlns:r="http://schemas.openxmlformats.org/officeDocument/2006/relationships" xmlns:p="http://schemas.openxmlformats.org/presentationml/2006/main">
   <p:cSld>
     <p:spTree>
@@ -8214,7 +8671,7 @@
 </p:sld>
 </file>
 
-<file path=ppt/slides/slide25.xml><?xml version="1.0" encoding="utf-8"?>
+<file path=ppt/slides/slide28.xml><?xml version="1.0" encoding="utf-8"?>
 <p:sld xmlns:a="http://schemas.openxmlformats.org/drawingml/2006/main" xmlns:r="http://schemas.openxmlformats.org/officeDocument/2006/relationships" xmlns:p="http://schemas.openxmlformats.org/presentationml/2006/main">
   <p:cSld>
     <p:spTree>
@@ -8581,7 +9038,7 @@
 </p:sld>
 </file>
 
-<file path=ppt/slides/slide26.xml><?xml version="1.0" encoding="utf-8"?>
+<file path=ppt/slides/slide29.xml><?xml version="1.0" encoding="utf-8"?>
 <p:sld xmlns:a="http://schemas.openxmlformats.org/drawingml/2006/main" xmlns:r="http://schemas.openxmlformats.org/officeDocument/2006/relationships" xmlns:p="http://schemas.openxmlformats.org/presentationml/2006/main">
   <p:cSld>
     <p:spTree>
@@ -8685,211 +9142,6 @@
     <p:extLst>
       <p:ext uri="{BB962C8B-B14F-4D97-AF65-F5344CB8AC3E}">
         <p14:creationId xmlns:p14="http://schemas.microsoft.com/office/powerpoint/2010/main" val="1120531967"/>
-      </p:ext>
-    </p:extLst>
-  </p:cSld>
-  <p:clrMapOvr>
-    <a:masterClrMapping/>
-  </p:clrMapOvr>
-</p:sld>
-</file>
-
-<file path=ppt/slides/slide27.xml><?xml version="1.0" encoding="utf-8"?>
-<p:sld xmlns:a="http://schemas.openxmlformats.org/drawingml/2006/main" xmlns:r="http://schemas.openxmlformats.org/officeDocument/2006/relationships" xmlns:p="http://schemas.openxmlformats.org/presentationml/2006/main">
-  <p:cSld>
-    <p:spTree>
-      <p:nvGrpSpPr>
-        <p:cNvPr id="1" name=""/>
-        <p:cNvGrpSpPr/>
-        <p:nvPr/>
-      </p:nvGrpSpPr>
-      <p:grpSpPr>
-        <a:xfrm>
-          <a:off x="0" y="0"/>
-          <a:ext cx="0" cy="0"/>
-          <a:chOff x="0" y="0"/>
-          <a:chExt cx="0" cy="0"/>
-        </a:xfrm>
-      </p:grpSpPr>
-      <p:sp>
-        <p:nvSpPr>
-          <p:cNvPr id="2" name="Title 1"/>
-          <p:cNvSpPr>
-            <a:spLocks noGrp="1"/>
-          </p:cNvSpPr>
-          <p:nvPr>
-            <p:ph type="title"/>
-          </p:nvPr>
-        </p:nvSpPr>
-        <p:spPr/>
-        <p:txBody>
-          <a:bodyPr/>
-          <a:lstStyle/>
-          <a:p>
-            <a:r>
-              <a:rPr lang="en-US">
-                <a:latin typeface="Arial" panose="020B0604020202020204" pitchFamily="34" charset="0"/>
-                <a:cs typeface="Arial" panose="020B0604020202020204" pitchFamily="34" charset="0"/>
-              </a:rPr>
-              <a:t>Basic Configuration</a:t>
-            </a:r>
-          </a:p>
-        </p:txBody>
-      </p:sp>
-      <p:sp>
-        <p:nvSpPr>
-          <p:cNvPr id="3" name="Content Placeholder 2"/>
-          <p:cNvSpPr>
-            <a:spLocks noGrp="1"/>
-          </p:cNvSpPr>
-          <p:nvPr>
-            <p:ph idx="1"/>
-          </p:nvPr>
-        </p:nvSpPr>
-        <p:spPr/>
-        <p:txBody>
-          <a:bodyPr>
-            <a:normAutofit/>
-          </a:bodyPr>
-          <a:lstStyle/>
-          <a:p>
-            <a:r>
-              <a:rPr lang="en-US">
-                <a:latin typeface="Arial" panose="020B0604020202020204" pitchFamily="34" charset="0"/>
-                <a:cs typeface="Arial" panose="020B0604020202020204" pitchFamily="34" charset="0"/>
-              </a:rPr>
-              <a:t>Xong, chạy thử thôi ^^</a:t>
-            </a:r>
-          </a:p>
-          <a:p>
-            <a:pPr lvl="1"/>
-            <a:endParaRPr lang="en-US">
-              <a:latin typeface="Arial" panose="020B0604020202020204" pitchFamily="34" charset="0"/>
-              <a:cs typeface="Arial" panose="020B0604020202020204" pitchFamily="34" charset="0"/>
-            </a:endParaRPr>
-          </a:p>
-        </p:txBody>
-      </p:sp>
-    </p:spTree>
-    <p:extLst>
-      <p:ext uri="{BB962C8B-B14F-4D97-AF65-F5344CB8AC3E}">
-        <p14:creationId xmlns:p14="http://schemas.microsoft.com/office/powerpoint/2010/main" val="2594722664"/>
-      </p:ext>
-    </p:extLst>
-  </p:cSld>
-  <p:clrMapOvr>
-    <a:masterClrMapping/>
-  </p:clrMapOvr>
-</p:sld>
-</file>
-
-<file path=ppt/slides/slide28.xml><?xml version="1.0" encoding="utf-8"?>
-<p:sld xmlns:a="http://schemas.openxmlformats.org/drawingml/2006/main" xmlns:r="http://schemas.openxmlformats.org/officeDocument/2006/relationships" xmlns:p="http://schemas.openxmlformats.org/presentationml/2006/main">
-  <p:cSld>
-    <p:spTree>
-      <p:nvGrpSpPr>
-        <p:cNvPr id="1" name=""/>
-        <p:cNvGrpSpPr/>
-        <p:nvPr/>
-      </p:nvGrpSpPr>
-      <p:grpSpPr>
-        <a:xfrm>
-          <a:off x="0" y="0"/>
-          <a:ext cx="0" cy="0"/>
-          <a:chOff x="0" y="0"/>
-          <a:chExt cx="0" cy="0"/>
-        </a:xfrm>
-      </p:grpSpPr>
-      <p:sp>
-        <p:nvSpPr>
-          <p:cNvPr id="2" name="Title 1"/>
-          <p:cNvSpPr>
-            <a:spLocks noGrp="1"/>
-          </p:cNvSpPr>
-          <p:nvPr>
-            <p:ph type="title"/>
-          </p:nvPr>
-        </p:nvSpPr>
-        <p:spPr/>
-        <p:txBody>
-          <a:bodyPr/>
-          <a:lstStyle/>
-          <a:p>
-            <a:r>
-              <a:rPr lang="en-US">
-                <a:latin typeface="Arial" panose="020B0604020202020204" pitchFamily="34" charset="0"/>
-                <a:cs typeface="Arial" panose="020B0604020202020204" pitchFamily="34" charset="0"/>
-              </a:rPr>
-              <a:t>New project</a:t>
-            </a:r>
-          </a:p>
-        </p:txBody>
-      </p:sp>
-      <p:sp>
-        <p:nvSpPr>
-          <p:cNvPr id="3" name="Content Placeholder 2"/>
-          <p:cNvSpPr>
-            <a:spLocks noGrp="1"/>
-          </p:cNvSpPr>
-          <p:nvPr>
-            <p:ph idx="1"/>
-          </p:nvPr>
-        </p:nvSpPr>
-        <p:spPr/>
-        <p:txBody>
-          <a:bodyPr/>
-          <a:lstStyle/>
-          <a:p>
-            <a:r>
-              <a:rPr lang="en-US">
-                <a:latin typeface="Arial" panose="020B0604020202020204" pitchFamily="34" charset="0"/>
-                <a:cs typeface="Arial" panose="020B0604020202020204" pitchFamily="34" charset="0"/>
-              </a:rPr>
-              <a:t>Tạo mới project:</a:t>
-            </a:r>
-          </a:p>
-          <a:p>
-            <a:endParaRPr lang="en-US">
-              <a:latin typeface="Arial" panose="020B0604020202020204" pitchFamily="34" charset="0"/>
-              <a:cs typeface="Arial" panose="020B0604020202020204" pitchFamily="34" charset="0"/>
-            </a:endParaRPr>
-          </a:p>
-        </p:txBody>
-      </p:sp>
-      <p:pic>
-        <p:nvPicPr>
-          <p:cNvPr id="5" name="Picture 4">
-            <a:extLst>
-              <a:ext uri="{FF2B5EF4-FFF2-40B4-BE49-F238E27FC236}">
-                <a16:creationId xmlns:a16="http://schemas.microsoft.com/office/drawing/2014/main" id="{07D5C64E-1AC5-734E-A1E2-CF31EB1108A2}"/>
-              </a:ext>
-            </a:extLst>
-          </p:cNvPr>
-          <p:cNvPicPr>
-            <a:picLocks noChangeAspect="1"/>
-          </p:cNvPicPr>
-          <p:nvPr/>
-        </p:nvPicPr>
-        <p:blipFill>
-          <a:blip r:embed="rId2"/>
-          <a:stretch>
-            <a:fillRect/>
-          </a:stretch>
-        </p:blipFill>
-        <p:spPr>
-          <a:xfrm>
-            <a:off x="677334" y="2605231"/>
-            <a:ext cx="8327300" cy="3436131"/>
-          </a:xfrm>
-          <a:prstGeom prst="rect">
-            <a:avLst/>
-          </a:prstGeom>
-        </p:spPr>
-      </p:pic>
-    </p:spTree>
-    <p:extLst>
-      <p:ext uri="{BB962C8B-B14F-4D97-AF65-F5344CB8AC3E}">
-        <p14:creationId xmlns:p14="http://schemas.microsoft.com/office/powerpoint/2010/main" val="622539829"/>
       </p:ext>
     </p:extLst>
   </p:cSld>
@@ -9546,6 +9798,379 @@
 </p:sld>
 </file>
 
+<file path=ppt/slides/slide30.xml><?xml version="1.0" encoding="utf-8"?>
+<p:sld xmlns:a="http://schemas.openxmlformats.org/drawingml/2006/main" xmlns:r="http://schemas.openxmlformats.org/officeDocument/2006/relationships" xmlns:p="http://schemas.openxmlformats.org/presentationml/2006/main">
+  <p:cSld>
+    <p:spTree>
+      <p:nvGrpSpPr>
+        <p:cNvPr id="1" name=""/>
+        <p:cNvGrpSpPr/>
+        <p:nvPr/>
+      </p:nvGrpSpPr>
+      <p:grpSpPr>
+        <a:xfrm>
+          <a:off x="0" y="0"/>
+          <a:ext cx="0" cy="0"/>
+          <a:chOff x="0" y="0"/>
+          <a:chExt cx="0" cy="0"/>
+        </a:xfrm>
+      </p:grpSpPr>
+      <p:sp>
+        <p:nvSpPr>
+          <p:cNvPr id="2" name="Title 1"/>
+          <p:cNvSpPr>
+            <a:spLocks noGrp="1"/>
+          </p:cNvSpPr>
+          <p:nvPr>
+            <p:ph type="title"/>
+          </p:nvPr>
+        </p:nvSpPr>
+        <p:spPr/>
+        <p:txBody>
+          <a:bodyPr/>
+          <a:lstStyle/>
+          <a:p>
+            <a:r>
+              <a:rPr lang="en-US">
+                <a:latin typeface="Arial" panose="020B0604020202020204" pitchFamily="34" charset="0"/>
+                <a:cs typeface="Arial" panose="020B0604020202020204" pitchFamily="34" charset="0"/>
+              </a:rPr>
+              <a:t>Basic Configuration</a:t>
+            </a:r>
+          </a:p>
+        </p:txBody>
+      </p:sp>
+      <p:sp>
+        <p:nvSpPr>
+          <p:cNvPr id="3" name="Content Placeholder 2"/>
+          <p:cNvSpPr>
+            <a:spLocks noGrp="1"/>
+          </p:cNvSpPr>
+          <p:nvPr>
+            <p:ph idx="1"/>
+          </p:nvPr>
+        </p:nvSpPr>
+        <p:spPr/>
+        <p:txBody>
+          <a:bodyPr>
+            <a:normAutofit/>
+          </a:bodyPr>
+          <a:lstStyle/>
+          <a:p>
+            <a:r>
+              <a:rPr lang="en-US">
+                <a:latin typeface="Arial" panose="020B0604020202020204" pitchFamily="34" charset="0"/>
+                <a:cs typeface="Arial" panose="020B0604020202020204" pitchFamily="34" charset="0"/>
+              </a:rPr>
+              <a:t>Xong, chạy thử thôi ^^</a:t>
+            </a:r>
+          </a:p>
+          <a:p>
+            <a:pPr lvl="1"/>
+            <a:endParaRPr lang="en-US">
+              <a:latin typeface="Arial" panose="020B0604020202020204" pitchFamily="34" charset="0"/>
+              <a:cs typeface="Arial" panose="020B0604020202020204" pitchFamily="34" charset="0"/>
+            </a:endParaRPr>
+          </a:p>
+        </p:txBody>
+      </p:sp>
+    </p:spTree>
+    <p:extLst>
+      <p:ext uri="{BB962C8B-B14F-4D97-AF65-F5344CB8AC3E}">
+        <p14:creationId xmlns:p14="http://schemas.microsoft.com/office/powerpoint/2010/main" val="2594722664"/>
+      </p:ext>
+    </p:extLst>
+  </p:cSld>
+  <p:clrMapOvr>
+    <a:masterClrMapping/>
+  </p:clrMapOvr>
+</p:sld>
+</file>
+
+<file path=ppt/slides/slide31.xml><?xml version="1.0" encoding="utf-8"?>
+<p:sld xmlns:a="http://schemas.openxmlformats.org/drawingml/2006/main" xmlns:r="http://schemas.openxmlformats.org/officeDocument/2006/relationships" xmlns:p="http://schemas.openxmlformats.org/presentationml/2006/main">
+  <p:cSld>
+    <p:spTree>
+      <p:nvGrpSpPr>
+        <p:cNvPr id="1" name="">
+          <a:extLst>
+            <a:ext uri="{FF2B5EF4-FFF2-40B4-BE49-F238E27FC236}">
+              <a16:creationId xmlns:a16="http://schemas.microsoft.com/office/drawing/2014/main" id="{830550EF-6AD4-DC5F-2043-52EC70694D02}"/>
+            </a:ext>
+          </a:extLst>
+        </p:cNvPr>
+        <p:cNvGrpSpPr/>
+        <p:nvPr/>
+      </p:nvGrpSpPr>
+      <p:grpSpPr>
+        <a:xfrm>
+          <a:off x="0" y="0"/>
+          <a:ext cx="0" cy="0"/>
+          <a:chOff x="0" y="0"/>
+          <a:chExt cx="0" cy="0"/>
+        </a:xfrm>
+      </p:grpSpPr>
+      <p:sp>
+        <p:nvSpPr>
+          <p:cNvPr id="2" name="Title 1">
+            <a:extLst>
+              <a:ext uri="{FF2B5EF4-FFF2-40B4-BE49-F238E27FC236}">
+                <a16:creationId xmlns:a16="http://schemas.microsoft.com/office/drawing/2014/main" id="{505A6B85-937F-ECA3-7A76-C504501FFEB4}"/>
+              </a:ext>
+            </a:extLst>
+          </p:cNvPr>
+          <p:cNvSpPr>
+            <a:spLocks noGrp="1"/>
+          </p:cNvSpPr>
+          <p:nvPr>
+            <p:ph type="title"/>
+          </p:nvPr>
+        </p:nvSpPr>
+        <p:spPr/>
+        <p:txBody>
+          <a:bodyPr/>
+          <a:lstStyle/>
+          <a:p>
+            <a:r>
+              <a:rPr lang="en-US">
+                <a:latin typeface="Arial" panose="020B0604020202020204" pitchFamily="34" charset="0"/>
+                <a:cs typeface="Arial" panose="020B0604020202020204" pitchFamily="34" charset="0"/>
+              </a:rPr>
+              <a:t>Basic Configuration</a:t>
+            </a:r>
+          </a:p>
+        </p:txBody>
+      </p:sp>
+      <p:sp>
+        <p:nvSpPr>
+          <p:cNvPr id="3" name="Content Placeholder 2">
+            <a:extLst>
+              <a:ext uri="{FF2B5EF4-FFF2-40B4-BE49-F238E27FC236}">
+                <a16:creationId xmlns:a16="http://schemas.microsoft.com/office/drawing/2014/main" id="{0D3D2C3C-1254-B68B-B7BF-FE133E41B0A5}"/>
+              </a:ext>
+            </a:extLst>
+          </p:cNvPr>
+          <p:cNvSpPr>
+            <a:spLocks noGrp="1"/>
+          </p:cNvSpPr>
+          <p:nvPr>
+            <p:ph idx="1"/>
+          </p:nvPr>
+        </p:nvSpPr>
+        <p:spPr/>
+        <p:txBody>
+          <a:bodyPr>
+            <a:normAutofit/>
+          </a:bodyPr>
+          <a:lstStyle/>
+          <a:p>
+            <a:r>
+              <a:rPr lang="en-US">
+                <a:latin typeface="Arial" panose="020B0604020202020204" pitchFamily="34" charset="0"/>
+                <a:cs typeface="Arial" panose="020B0604020202020204" pitchFamily="34" charset="0"/>
+              </a:rPr>
+              <a:t>Ngoài ra ta có thể check role ở từng method, như sau:</a:t>
+            </a:r>
+          </a:p>
+          <a:p>
+            <a:pPr lvl="1"/>
+            <a:endParaRPr lang="en-US">
+              <a:latin typeface="Arial" panose="020B0604020202020204" pitchFamily="34" charset="0"/>
+              <a:cs typeface="Arial" panose="020B0604020202020204" pitchFamily="34" charset="0"/>
+            </a:endParaRPr>
+          </a:p>
+        </p:txBody>
+      </p:sp>
+      <p:pic>
+        <p:nvPicPr>
+          <p:cNvPr id="5" name="Picture 4">
+            <a:extLst>
+              <a:ext uri="{FF2B5EF4-FFF2-40B4-BE49-F238E27FC236}">
+                <a16:creationId xmlns:a16="http://schemas.microsoft.com/office/drawing/2014/main" id="{9D9F8CF3-6C7F-177C-9CA8-AF75DBD30EF2}"/>
+              </a:ext>
+            </a:extLst>
+          </p:cNvPr>
+          <p:cNvPicPr>
+            <a:picLocks noChangeAspect="1"/>
+          </p:cNvPicPr>
+          <p:nvPr/>
+        </p:nvPicPr>
+        <p:blipFill>
+          <a:blip r:embed="rId2"/>
+          <a:stretch>
+            <a:fillRect/>
+          </a:stretch>
+        </p:blipFill>
+        <p:spPr>
+          <a:xfrm>
+            <a:off x="2948684" y="2607186"/>
+            <a:ext cx="4053968" cy="3795889"/>
+          </a:xfrm>
+          <a:prstGeom prst="rect">
+            <a:avLst/>
+          </a:prstGeom>
+        </p:spPr>
+      </p:pic>
+    </p:spTree>
+    <p:extLst>
+      <p:ext uri="{BB962C8B-B14F-4D97-AF65-F5344CB8AC3E}">
+        <p14:creationId xmlns:p14="http://schemas.microsoft.com/office/powerpoint/2010/main" val="1220151861"/>
+      </p:ext>
+    </p:extLst>
+  </p:cSld>
+  <p:clrMapOvr>
+    <a:masterClrMapping/>
+  </p:clrMapOvr>
+</p:sld>
+</file>
+
+<file path=ppt/slides/slide32.xml><?xml version="1.0" encoding="utf-8"?>
+<p:sld xmlns:a="http://schemas.openxmlformats.org/drawingml/2006/main" xmlns:r="http://schemas.openxmlformats.org/officeDocument/2006/relationships" xmlns:p="http://schemas.openxmlformats.org/presentationml/2006/main">
+  <p:cSld>
+    <p:spTree>
+      <p:nvGrpSpPr>
+        <p:cNvPr id="1" name="">
+          <a:extLst>
+            <a:ext uri="{FF2B5EF4-FFF2-40B4-BE49-F238E27FC236}">
+              <a16:creationId xmlns:a16="http://schemas.microsoft.com/office/drawing/2014/main" id="{46026B0D-D79A-8E61-83F0-95424FF36053}"/>
+            </a:ext>
+          </a:extLst>
+        </p:cNvPr>
+        <p:cNvGrpSpPr/>
+        <p:nvPr/>
+      </p:nvGrpSpPr>
+      <p:grpSpPr>
+        <a:xfrm>
+          <a:off x="0" y="0"/>
+          <a:ext cx="0" cy="0"/>
+          <a:chOff x="0" y="0"/>
+          <a:chExt cx="0" cy="0"/>
+        </a:xfrm>
+      </p:grpSpPr>
+      <p:sp>
+        <p:nvSpPr>
+          <p:cNvPr id="2" name="Title 1">
+            <a:extLst>
+              <a:ext uri="{FF2B5EF4-FFF2-40B4-BE49-F238E27FC236}">
+                <a16:creationId xmlns:a16="http://schemas.microsoft.com/office/drawing/2014/main" id="{B687CF5D-3B13-EC37-5139-252F7D58B7BA}"/>
+              </a:ext>
+            </a:extLst>
+          </p:cNvPr>
+          <p:cNvSpPr>
+            <a:spLocks noGrp="1"/>
+          </p:cNvSpPr>
+          <p:nvPr>
+            <p:ph type="title"/>
+          </p:nvPr>
+        </p:nvSpPr>
+        <p:spPr/>
+        <p:txBody>
+          <a:bodyPr/>
+          <a:lstStyle/>
+          <a:p>
+            <a:r>
+              <a:rPr lang="en-US">
+                <a:latin typeface="Arial" panose="020B0604020202020204" pitchFamily="34" charset="0"/>
+                <a:cs typeface="Arial" panose="020B0604020202020204" pitchFamily="34" charset="0"/>
+              </a:rPr>
+              <a:t>Basic Configuration</a:t>
+            </a:r>
+          </a:p>
+        </p:txBody>
+      </p:sp>
+      <p:sp>
+        <p:nvSpPr>
+          <p:cNvPr id="3" name="Content Placeholder 2">
+            <a:extLst>
+              <a:ext uri="{FF2B5EF4-FFF2-40B4-BE49-F238E27FC236}">
+                <a16:creationId xmlns:a16="http://schemas.microsoft.com/office/drawing/2014/main" id="{5205E380-E830-1323-7388-D342E544DB27}"/>
+              </a:ext>
+            </a:extLst>
+          </p:cNvPr>
+          <p:cNvSpPr>
+            <a:spLocks noGrp="1"/>
+          </p:cNvSpPr>
+          <p:nvPr>
+            <p:ph idx="1"/>
+          </p:nvPr>
+        </p:nvSpPr>
+        <p:spPr/>
+        <p:txBody>
+          <a:bodyPr>
+            <a:normAutofit/>
+          </a:bodyPr>
+          <a:lstStyle/>
+          <a:p>
+            <a:r>
+              <a:rPr lang="en-US">
+                <a:latin typeface="Arial" panose="020B0604020202020204" pitchFamily="34" charset="0"/>
+                <a:cs typeface="Arial" panose="020B0604020202020204" pitchFamily="34" charset="0"/>
+              </a:rPr>
+              <a:t>Chú ý để check ở từng method thì ta cần sử dụng </a:t>
+            </a:r>
+            <a:r>
+              <a:rPr lang="en-US">
+                <a:solidFill>
+                  <a:srgbClr val="FFC000"/>
+                </a:solidFill>
+                <a:latin typeface="Arial" panose="020B0604020202020204" pitchFamily="34" charset="0"/>
+                <a:cs typeface="Arial" panose="020B0604020202020204" pitchFamily="34" charset="0"/>
+              </a:rPr>
+              <a:t>@EnableMethodSecurity</a:t>
+            </a:r>
+          </a:p>
+          <a:p>
+            <a:pPr lvl="1"/>
+            <a:endParaRPr lang="en-US">
+              <a:latin typeface="Arial" panose="020B0604020202020204" pitchFamily="34" charset="0"/>
+              <a:cs typeface="Arial" panose="020B0604020202020204" pitchFamily="34" charset="0"/>
+            </a:endParaRPr>
+          </a:p>
+        </p:txBody>
+      </p:sp>
+      <p:pic>
+        <p:nvPicPr>
+          <p:cNvPr id="6" name="Picture 5">
+            <a:extLst>
+              <a:ext uri="{FF2B5EF4-FFF2-40B4-BE49-F238E27FC236}">
+                <a16:creationId xmlns:a16="http://schemas.microsoft.com/office/drawing/2014/main" id="{95FB8C92-73E3-8021-3AEE-BEEA82306874}"/>
+              </a:ext>
+            </a:extLst>
+          </p:cNvPr>
+          <p:cNvPicPr>
+            <a:picLocks noChangeAspect="1"/>
+          </p:cNvPicPr>
+          <p:nvPr/>
+        </p:nvPicPr>
+        <p:blipFill>
+          <a:blip r:embed="rId2"/>
+          <a:stretch>
+            <a:fillRect/>
+          </a:stretch>
+        </p:blipFill>
+        <p:spPr>
+          <a:xfrm>
+            <a:off x="1534635" y="2547648"/>
+            <a:ext cx="6882066" cy="3106653"/>
+          </a:xfrm>
+          <a:prstGeom prst="rect">
+            <a:avLst/>
+          </a:prstGeom>
+        </p:spPr>
+      </p:pic>
+    </p:spTree>
+    <p:extLst>
+      <p:ext uri="{BB962C8B-B14F-4D97-AF65-F5344CB8AC3E}">
+        <p14:creationId xmlns:p14="http://schemas.microsoft.com/office/powerpoint/2010/main" val="3012002719"/>
+      </p:ext>
+    </p:extLst>
+  </p:cSld>
+  <p:clrMapOvr>
+    <a:masterClrMapping/>
+  </p:clrMapOvr>
+</p:sld>
+</file>
+
 <file path=ppt/slides/slide4.xml><?xml version="1.0" encoding="utf-8"?>
 <p:sld xmlns:a="http://schemas.openxmlformats.org/drawingml/2006/main" xmlns:r="http://schemas.openxmlformats.org/officeDocument/2006/relationships" xmlns:p="http://schemas.openxmlformats.org/presentationml/2006/main">
   <p:cSld>
@@ -10066,7 +10691,7 @@
                 <a:latin typeface="Arial" panose="020B0604020202020204" pitchFamily="34" charset="0"/>
                 <a:cs typeface="Arial" panose="020B0604020202020204" pitchFamily="34" charset="0"/>
               </a:rPr>
-              <a:t>Setting Security</a:t>
+              <a:t>New project</a:t>
             </a:r>
           </a:p>
         </p:txBody>
@@ -10086,19 +10711,12 @@
           <a:bodyPr/>
           <a:lstStyle/>
           <a:p>
-            <a:r>
-              <a:rPr lang="vi-VN">
-                <a:latin typeface="Arial" panose="020B0604020202020204" pitchFamily="34" charset="0"/>
-                <a:cs typeface="Arial" panose="020B0604020202020204" pitchFamily="34" charset="0"/>
-              </a:rPr>
-              <a:t>Thêm Dependency</a:t>
-            </a:r>
             <a:r>
               <a:rPr lang="en-US">
                 <a:latin typeface="Arial" panose="020B0604020202020204" pitchFamily="34" charset="0"/>
                 <a:cs typeface="Arial" panose="020B0604020202020204" pitchFamily="34" charset="0"/>
               </a:rPr>
-              <a:t>:</a:t>
+              <a:t>Tạo mới project:</a:t>
             </a:r>
           </a:p>
           <a:p>
@@ -10107,97 +10725,42 @@
               <a:cs typeface="Arial" panose="020B0604020202020204" pitchFamily="34" charset="0"/>
             </a:endParaRPr>
           </a:p>
-          <a:p>
-            <a:endParaRPr lang="en-US">
-              <a:latin typeface="Arial" panose="020B0604020202020204" pitchFamily="34" charset="0"/>
-              <a:cs typeface="Arial" panose="020B0604020202020204" pitchFamily="34" charset="0"/>
-            </a:endParaRPr>
-          </a:p>
-          <a:p>
-            <a:endParaRPr lang="en-US">
-              <a:latin typeface="Arial" panose="020B0604020202020204" pitchFamily="34" charset="0"/>
-              <a:cs typeface="Arial" panose="020B0604020202020204" pitchFamily="34" charset="0"/>
-            </a:endParaRPr>
-          </a:p>
-          <a:p>
-            <a:endParaRPr lang="en-US">
-              <a:latin typeface="Arial" panose="020B0604020202020204" pitchFamily="34" charset="0"/>
-              <a:cs typeface="Arial" panose="020B0604020202020204" pitchFamily="34" charset="0"/>
-            </a:endParaRPr>
-          </a:p>
-          <a:p>
-            <a:r>
-              <a:rPr lang="en-US">
-                <a:latin typeface="Arial" panose="020B0604020202020204" pitchFamily="34" charset="0"/>
-                <a:cs typeface="Arial" panose="020B0604020202020204" pitchFamily="34" charset="0"/>
-              </a:rPr>
-              <a:t>Done ^^</a:t>
-            </a:r>
-          </a:p>
-        </p:txBody>
-      </p:sp>
-      <p:sp>
-        <p:nvSpPr>
-          <p:cNvPr id="6" name="TextBox 5">
+        </p:txBody>
+      </p:sp>
+      <p:pic>
+        <p:nvPicPr>
+          <p:cNvPr id="5" name="Picture 4">
             <a:extLst>
               <a:ext uri="{FF2B5EF4-FFF2-40B4-BE49-F238E27FC236}">
-                <a16:creationId xmlns:a16="http://schemas.microsoft.com/office/drawing/2014/main" id="{8A7DF059-EF40-B898-D3E5-21DBF693E0D1}"/>
+                <a16:creationId xmlns:a16="http://schemas.microsoft.com/office/drawing/2014/main" id="{07D5C64E-1AC5-734E-A1E2-CF31EB1108A2}"/>
               </a:ext>
             </a:extLst>
           </p:cNvPr>
-          <p:cNvSpPr txBox="1"/>
+          <p:cNvPicPr>
+            <a:picLocks noChangeAspect="1"/>
+          </p:cNvPicPr>
           <p:nvPr/>
-        </p:nvSpPr>
+        </p:nvPicPr>
+        <p:blipFill>
+          <a:blip r:embed="rId2"/>
+          <a:stretch>
+            <a:fillRect/>
+          </a:stretch>
+        </p:blipFill>
         <p:spPr>
           <a:xfrm>
-            <a:off x="1057469" y="2637451"/>
-            <a:ext cx="7134808" cy="1077218"/>
+            <a:off x="677334" y="2605231"/>
+            <a:ext cx="8327300" cy="3436131"/>
           </a:xfrm>
           <a:prstGeom prst="rect">
             <a:avLst/>
           </a:prstGeom>
-          <a:noFill/>
-          <a:ln w="12700">
-            <a:solidFill>
-              <a:schemeClr val="tx1"/>
-            </a:solidFill>
-          </a:ln>
         </p:spPr>
-        <p:txBody>
-          <a:bodyPr wrap="square" rtlCol="0">
-            <a:spAutoFit/>
-          </a:bodyPr>
-          <a:lstStyle/>
-          <a:p>
-            <a:r>
-              <a:rPr lang="en-US" sz="1600"/>
-              <a:t>&lt;dependency&gt;</a:t>
-            </a:r>
-          </a:p>
-          <a:p>
-            <a:r>
-              <a:rPr lang="en-US" sz="1600"/>
-              <a:t>    &lt;groupId&gt;org.springframework.boot&lt;/groupId&gt;</a:t>
-            </a:r>
-          </a:p>
-          <a:p>
-            <a:r>
-              <a:rPr lang="en-US" sz="1600"/>
-              <a:t>    &lt;artifactId&gt;spring-boot-starter-security&lt;/artifactId&gt;</a:t>
-            </a:r>
-          </a:p>
-          <a:p>
-            <a:r>
-              <a:rPr lang="en-US" sz="1600"/>
-              <a:t>&lt;/dependency&gt;</a:t>
-            </a:r>
-          </a:p>
-        </p:txBody>
-      </p:sp>
+      </p:pic>
     </p:spTree>
     <p:extLst>
       <p:ext uri="{BB962C8B-B14F-4D97-AF65-F5344CB8AC3E}">
-        <p14:creationId xmlns:p14="http://schemas.microsoft.com/office/powerpoint/2010/main" val="2697957225"/>
+        <p14:creationId xmlns:p14="http://schemas.microsoft.com/office/powerpoint/2010/main" val="622539829"/>
       </p:ext>
     </p:extLst>
   </p:cSld>
@@ -10265,11 +10828,18 @@
           <a:lstStyle/>
           <a:p>
             <a:r>
+              <a:rPr lang="vi-VN">
+                <a:latin typeface="Arial" panose="020B0604020202020204" pitchFamily="34" charset="0"/>
+                <a:cs typeface="Arial" panose="020B0604020202020204" pitchFamily="34" charset="0"/>
+              </a:rPr>
+              <a:t>Thêm Dependency</a:t>
+            </a:r>
+            <a:r>
               <a:rPr lang="en-US">
                 <a:latin typeface="Arial" panose="020B0604020202020204" pitchFamily="34" charset="0"/>
                 <a:cs typeface="Arial" panose="020B0604020202020204" pitchFamily="34" charset="0"/>
               </a:rPr>
-              <a:t>Demo thử api</a:t>
+              <a:t>:</a:t>
             </a:r>
           </a:p>
           <a:p>
@@ -10297,68 +10867,78 @@
             </a:endParaRPr>
           </a:p>
           <a:p>
-            <a:endParaRPr lang="en-US">
-              <a:latin typeface="Arial" panose="020B0604020202020204" pitchFamily="34" charset="0"/>
-              <a:cs typeface="Arial" panose="020B0604020202020204" pitchFamily="34" charset="0"/>
-            </a:endParaRPr>
-          </a:p>
-          <a:p>
             <a:r>
               <a:rPr lang="en-US">
                 <a:latin typeface="Arial" panose="020B0604020202020204" pitchFamily="34" charset="0"/>
                 <a:cs typeface="Arial" panose="020B0604020202020204" pitchFamily="34" charset="0"/>
               </a:rPr>
-              <a:t>Chạy thử nhé: </a:t>
-            </a:r>
-            <a:r>
-              <a:rPr lang="en-US">
-                <a:latin typeface="Arial" panose="020B0604020202020204" pitchFamily="34" charset="0"/>
-                <a:cs typeface="Arial" panose="020B0604020202020204" pitchFamily="34" charset="0"/>
-                <a:hlinkClick r:id="rId2"/>
-              </a:rPr>
-              <a:t>http://localhost:8080/api/v1</a:t>
-            </a:r>
-            <a:endParaRPr lang="en-US">
-              <a:latin typeface="Arial" panose="020B0604020202020204" pitchFamily="34" charset="0"/>
-              <a:cs typeface="Arial" panose="020B0604020202020204" pitchFamily="34" charset="0"/>
-            </a:endParaRPr>
-          </a:p>
-        </p:txBody>
-      </p:sp>
-      <p:pic>
-        <p:nvPicPr>
-          <p:cNvPr id="6" name="Picture 5">
+              <a:t>Done ^^</a:t>
+            </a:r>
+          </a:p>
+        </p:txBody>
+      </p:sp>
+      <p:sp>
+        <p:nvSpPr>
+          <p:cNvPr id="6" name="TextBox 5">
             <a:extLst>
               <a:ext uri="{FF2B5EF4-FFF2-40B4-BE49-F238E27FC236}">
-                <a16:creationId xmlns:a16="http://schemas.microsoft.com/office/drawing/2014/main" id="{BFEBCA4A-D355-322A-133C-EDED6BBB863D}"/>
+                <a16:creationId xmlns:a16="http://schemas.microsoft.com/office/drawing/2014/main" id="{8A7DF059-EF40-B898-D3E5-21DBF693E0D1}"/>
               </a:ext>
             </a:extLst>
           </p:cNvPr>
-          <p:cNvPicPr>
-            <a:picLocks noChangeAspect="1"/>
-          </p:cNvPicPr>
+          <p:cNvSpPr txBox="1"/>
           <p:nvPr/>
-        </p:nvPicPr>
-        <p:blipFill>
-          <a:blip r:embed="rId3"/>
-          <a:stretch>
-            <a:fillRect/>
-          </a:stretch>
-        </p:blipFill>
+        </p:nvSpPr>
         <p:spPr>
           <a:xfrm>
-            <a:off x="1141595" y="2559155"/>
-            <a:ext cx="3912335" cy="1739690"/>
+            <a:off x="1057469" y="2637451"/>
+            <a:ext cx="7134808" cy="1077218"/>
           </a:xfrm>
           <a:prstGeom prst="rect">
             <a:avLst/>
           </a:prstGeom>
+          <a:noFill/>
+          <a:ln w="12700">
+            <a:solidFill>
+              <a:schemeClr val="tx1"/>
+            </a:solidFill>
+          </a:ln>
         </p:spPr>
-      </p:pic>
+        <p:txBody>
+          <a:bodyPr wrap="square" rtlCol="0">
+            <a:spAutoFit/>
+          </a:bodyPr>
+          <a:lstStyle/>
+          <a:p>
+            <a:r>
+              <a:rPr lang="en-US" sz="1600"/>
+              <a:t>&lt;dependency&gt;</a:t>
+            </a:r>
+          </a:p>
+          <a:p>
+            <a:r>
+              <a:rPr lang="en-US" sz="1600"/>
+              <a:t>    &lt;groupId&gt;org.springframework.boot&lt;/groupId&gt;</a:t>
+            </a:r>
+          </a:p>
+          <a:p>
+            <a:r>
+              <a:rPr lang="en-US" sz="1600"/>
+              <a:t>    &lt;artifactId&gt;spring-boot-starter-security&lt;/artifactId&gt;</a:t>
+            </a:r>
+          </a:p>
+          <a:p>
+            <a:r>
+              <a:rPr lang="en-US" sz="1600"/>
+              <a:t>&lt;/dependency&gt;</a:t>
+            </a:r>
+          </a:p>
+        </p:txBody>
+      </p:sp>
     </p:spTree>
     <p:extLst>
       <p:ext uri="{BB962C8B-B14F-4D97-AF65-F5344CB8AC3E}">
-        <p14:creationId xmlns:p14="http://schemas.microsoft.com/office/powerpoint/2010/main" val="3324788001"/>
+        <p14:creationId xmlns:p14="http://schemas.microsoft.com/office/powerpoint/2010/main" val="2697957225"/>
       </p:ext>
     </p:extLst>
   </p:cSld>
@@ -10373,7 +10953,13 @@
   <p:cSld>
     <p:spTree>
       <p:nvGrpSpPr>
-        <p:cNvPr id="1" name=""/>
+        <p:cNvPr id="1" name="">
+          <a:extLst>
+            <a:ext uri="{FF2B5EF4-FFF2-40B4-BE49-F238E27FC236}">
+              <a16:creationId xmlns:a16="http://schemas.microsoft.com/office/drawing/2014/main" id="{057A12F1-414D-CB5A-9F74-B133617B82A4}"/>
+            </a:ext>
+          </a:extLst>
+        </p:cNvPr>
         <p:cNvGrpSpPr/>
         <p:nvPr/>
       </p:nvGrpSpPr>
@@ -10387,7 +10973,13 @@
       </p:grpSpPr>
       <p:sp>
         <p:nvSpPr>
-          <p:cNvPr id="2" name="Title 1"/>
+          <p:cNvPr id="2" name="Title 1">
+            <a:extLst>
+              <a:ext uri="{FF2B5EF4-FFF2-40B4-BE49-F238E27FC236}">
+                <a16:creationId xmlns:a16="http://schemas.microsoft.com/office/drawing/2014/main" id="{920E3900-ECDF-6D40-3DBD-76F68EF75E9C}"/>
+              </a:ext>
+            </a:extLst>
+          </p:cNvPr>
           <p:cNvSpPr>
             <a:spLocks noGrp="1"/>
           </p:cNvSpPr>
@@ -10412,7 +11004,13 @@
       </p:sp>
       <p:sp>
         <p:nvSpPr>
-          <p:cNvPr id="3" name="Content Placeholder 2"/>
+          <p:cNvPr id="3" name="Content Placeholder 2">
+            <a:extLst>
+              <a:ext uri="{FF2B5EF4-FFF2-40B4-BE49-F238E27FC236}">
+                <a16:creationId xmlns:a16="http://schemas.microsoft.com/office/drawing/2014/main" id="{50C4F0ED-464D-C657-5A29-D43EDA0811E0}"/>
+              </a:ext>
+            </a:extLst>
+          </p:cNvPr>
           <p:cNvSpPr>
             <a:spLocks noGrp="1"/>
           </p:cNvSpPr>
@@ -10422,9 +11020,7 @@
         </p:nvSpPr>
         <p:spPr/>
         <p:txBody>
-          <a:bodyPr>
-            <a:normAutofit/>
-          </a:bodyPr>
+          <a:bodyPr/>
           <a:lstStyle/>
           <a:p>
             <a:r>
@@ -10432,7 +11028,17 @@
                 <a:latin typeface="Arial" panose="020B0604020202020204" pitchFamily="34" charset="0"/>
                 <a:cs typeface="Arial" panose="020B0604020202020204" pitchFamily="34" charset="0"/>
               </a:rPr>
-              <a:t>Lúc này Spring Security sẽ redirect sang màn hình login</a:t>
+              <a:t>Khi ta thêm dependency thì tương ứng với việc thêm file config cho security ở đây:</a:t>
+            </a:r>
+          </a:p>
+          <a:p>
+            <a:pPr lvl="1"/>
+            <a:r>
+              <a:rPr lang="en-US">
+                <a:latin typeface="Arial" panose="020B0604020202020204" pitchFamily="34" charset="0"/>
+                <a:cs typeface="Arial" panose="020B0604020202020204" pitchFamily="34" charset="0"/>
+              </a:rPr>
+              <a:t>org.springframework.boot.autoconfigure.security.servlet.SpringBootWebSecurityConfiguration</a:t>
             </a:r>
           </a:p>
           <a:p>
@@ -10455,31 +11061,6 @@
           </a:p>
           <a:p>
             <a:endParaRPr lang="en-US">
-              <a:latin typeface="Arial" panose="020B0604020202020204" pitchFamily="34" charset="0"/>
-              <a:cs typeface="Arial" panose="020B0604020202020204" pitchFamily="34" charset="0"/>
-            </a:endParaRPr>
-          </a:p>
-          <a:p>
-            <a:endParaRPr lang="en-US">
-              <a:latin typeface="Arial" panose="020B0604020202020204" pitchFamily="34" charset="0"/>
-              <a:cs typeface="Arial" panose="020B0604020202020204" pitchFamily="34" charset="0"/>
-            </a:endParaRPr>
-          </a:p>
-          <a:p>
-            <a:endParaRPr lang="en-US">
-              <a:latin typeface="Arial" panose="020B0604020202020204" pitchFamily="34" charset="0"/>
-              <a:cs typeface="Arial" panose="020B0604020202020204" pitchFamily="34" charset="0"/>
-            </a:endParaRPr>
-          </a:p>
-          <a:p>
-            <a:r>
-              <a:rPr lang="en-US">
-                <a:latin typeface="Arial" panose="020B0604020202020204" pitchFamily="34" charset="0"/>
-                <a:cs typeface="Arial" panose="020B0604020202020204" pitchFamily="34" charset="0"/>
-              </a:rPr>
-              <a:t>Mặc định khi sử dụng dependency spring-boot-starter-security thì tất cả các endpoint đều bắt buộc phải đăng nhập (authen)</a:t>
-            </a:r>
-            <a:endParaRPr lang="vi-VN">
               <a:latin typeface="Arial" panose="020B0604020202020204" pitchFamily="34" charset="0"/>
               <a:cs typeface="Arial" panose="020B0604020202020204" pitchFamily="34" charset="0"/>
             </a:endParaRPr>
@@ -10491,7 +11072,7 @@
           <p:cNvPr id="5" name="Picture 4">
             <a:extLst>
               <a:ext uri="{FF2B5EF4-FFF2-40B4-BE49-F238E27FC236}">
-                <a16:creationId xmlns:a16="http://schemas.microsoft.com/office/drawing/2014/main" id="{72C092C6-67C2-4FA9-4284-2DC3684370D5}"/>
+                <a16:creationId xmlns:a16="http://schemas.microsoft.com/office/drawing/2014/main" id="{D63DD03A-D10F-BBB2-87A4-69BCB8FE41BC}"/>
               </a:ext>
             </a:extLst>
           </p:cNvPr>
@@ -10508,8 +11089,8 @@
         </p:blipFill>
         <p:spPr>
           <a:xfrm>
-            <a:off x="3744789" y="2591716"/>
-            <a:ext cx="2461758" cy="1674568"/>
+            <a:off x="2682830" y="3429000"/>
+            <a:ext cx="4585675" cy="2794950"/>
           </a:xfrm>
           <a:prstGeom prst="rect">
             <a:avLst/>
@@ -10519,7 +11100,7 @@
     </p:spTree>
     <p:extLst>
       <p:ext uri="{BB962C8B-B14F-4D97-AF65-F5344CB8AC3E}">
-        <p14:creationId xmlns:p14="http://schemas.microsoft.com/office/powerpoint/2010/main" val="523440547"/>
+        <p14:creationId xmlns:p14="http://schemas.microsoft.com/office/powerpoint/2010/main" val="112716244"/>
       </p:ext>
     </p:extLst>
   </p:cSld>

--- a/09.Spring Security.pptx
+++ b/09.Spring Security.pptx
@@ -37,6 +37,8 @@
     <p:sldId id="446" r:id="rId31"/>
     <p:sldId id="449" r:id="rId32"/>
     <p:sldId id="450" r:id="rId33"/>
+    <p:sldId id="451" r:id="rId34"/>
+    <p:sldId id="452" r:id="rId35"/>
   </p:sldIdLst>
   <p:sldSz cx="12192000" cy="6858000"/>
   <p:notesSz cx="6858000" cy="9144000"/>
@@ -867,7 +869,7 @@
           <a:p>
             <a:fld id="{E7E49A89-72C0-40C6-A55C-C6C12D525ACC}" type="datetimeFigureOut">
               <a:rPr lang="en-US" smtClean="0"/>
-              <a:t>10/14/2024</a:t>
+              <a:t>10/15/2024</a:t>
             </a:fld>
             <a:endParaRPr lang="en-US"/>
           </a:p>
@@ -1118,7 +1120,7 @@
           <a:p>
             <a:fld id="{E7E49A89-72C0-40C6-A55C-C6C12D525ACC}" type="datetimeFigureOut">
               <a:rPr lang="en-US" smtClean="0"/>
-              <a:t>10/14/2024</a:t>
+              <a:t>10/15/2024</a:t>
             </a:fld>
             <a:endParaRPr lang="en-US"/>
           </a:p>
@@ -1432,7 +1434,7 @@
           <a:p>
             <a:fld id="{E7E49A89-72C0-40C6-A55C-C6C12D525ACC}" type="datetimeFigureOut">
               <a:rPr lang="en-US" smtClean="0"/>
-              <a:t>10/14/2024</a:t>
+              <a:t>10/15/2024</a:t>
             </a:fld>
             <a:endParaRPr lang="en-US"/>
           </a:p>
@@ -1759,7 +1761,7 @@
           <a:p>
             <a:fld id="{E7E49A89-72C0-40C6-A55C-C6C12D525ACC}" type="datetimeFigureOut">
               <a:rPr lang="en-US" smtClean="0"/>
-              <a:t>10/14/2024</a:t>
+              <a:t>10/15/2024</a:t>
             </a:fld>
             <a:endParaRPr lang="en-US"/>
           </a:p>
@@ -2073,7 +2075,7 @@
           <a:p>
             <a:fld id="{E7E49A89-72C0-40C6-A55C-C6C12D525ACC}" type="datetimeFigureOut">
               <a:rPr lang="en-US" smtClean="0"/>
-              <a:t>10/14/2024</a:t>
+              <a:t>10/15/2024</a:t>
             </a:fld>
             <a:endParaRPr lang="en-US"/>
           </a:p>
@@ -2460,7 +2462,7 @@
           <a:p>
             <a:fld id="{E7E49A89-72C0-40C6-A55C-C6C12D525ACC}" type="datetimeFigureOut">
               <a:rPr lang="en-US" smtClean="0"/>
-              <a:t>10/14/2024</a:t>
+              <a:t>10/15/2024</a:t>
             </a:fld>
             <a:endParaRPr lang="en-US"/>
           </a:p>
@@ -2630,7 +2632,7 @@
           <a:p>
             <a:fld id="{E7E49A89-72C0-40C6-A55C-C6C12D525ACC}" type="datetimeFigureOut">
               <a:rPr lang="en-US" smtClean="0"/>
-              <a:t>10/14/2024</a:t>
+              <a:t>10/15/2024</a:t>
             </a:fld>
             <a:endParaRPr lang="en-US"/>
           </a:p>
@@ -2810,7 +2812,7 @@
           <a:p>
             <a:fld id="{E7E49A89-72C0-40C6-A55C-C6C12D525ACC}" type="datetimeFigureOut">
               <a:rPr lang="en-US" smtClean="0"/>
-              <a:t>10/14/2024</a:t>
+              <a:t>10/15/2024</a:t>
             </a:fld>
             <a:endParaRPr lang="en-US"/>
           </a:p>
@@ -2986,7 +2988,7 @@
           <a:p>
             <a:fld id="{E7E49A89-72C0-40C6-A55C-C6C12D525ACC}" type="datetimeFigureOut">
               <a:rPr lang="en-US" smtClean="0"/>
-              <a:t>10/14/2024</a:t>
+              <a:t>10/15/2024</a:t>
             </a:fld>
             <a:endParaRPr lang="en-US"/>
           </a:p>
@@ -3233,7 +3235,7 @@
           <a:p>
             <a:fld id="{E7E49A89-72C0-40C6-A55C-C6C12D525ACC}" type="datetimeFigureOut">
               <a:rPr lang="en-US" smtClean="0"/>
-              <a:t>10/14/2024</a:t>
+              <a:t>10/15/2024</a:t>
             </a:fld>
             <a:endParaRPr lang="en-US"/>
           </a:p>
@@ -3465,7 +3467,7 @@
           <a:p>
             <a:fld id="{E7E49A89-72C0-40C6-A55C-C6C12D525ACC}" type="datetimeFigureOut">
               <a:rPr lang="en-US" smtClean="0"/>
-              <a:t>10/14/2024</a:t>
+              <a:t>10/15/2024</a:t>
             </a:fld>
             <a:endParaRPr lang="en-US"/>
           </a:p>
@@ -3839,7 +3841,7 @@
           <a:p>
             <a:fld id="{E7E49A89-72C0-40C6-A55C-C6C12D525ACC}" type="datetimeFigureOut">
               <a:rPr lang="en-US" smtClean="0"/>
-              <a:t>10/14/2024</a:t>
+              <a:t>10/15/2024</a:t>
             </a:fld>
             <a:endParaRPr lang="en-US"/>
           </a:p>
@@ -3962,7 +3964,7 @@
           <a:p>
             <a:fld id="{E7E49A89-72C0-40C6-A55C-C6C12D525ACC}" type="datetimeFigureOut">
               <a:rPr lang="en-US" smtClean="0"/>
-              <a:t>10/14/2024</a:t>
+              <a:t>10/15/2024</a:t>
             </a:fld>
             <a:endParaRPr lang="en-US"/>
           </a:p>
@@ -4057,7 +4059,7 @@
           <a:p>
             <a:fld id="{E7E49A89-72C0-40C6-A55C-C6C12D525ACC}" type="datetimeFigureOut">
               <a:rPr lang="en-US" smtClean="0"/>
-              <a:t>10/14/2024</a:t>
+              <a:t>10/15/2024</a:t>
             </a:fld>
             <a:endParaRPr lang="en-US"/>
           </a:p>
@@ -4312,7 +4314,7 @@
           <a:p>
             <a:fld id="{E7E49A89-72C0-40C6-A55C-C6C12D525ACC}" type="datetimeFigureOut">
               <a:rPr lang="en-US" smtClean="0"/>
-              <a:t>10/14/2024</a:t>
+              <a:t>10/15/2024</a:t>
             </a:fld>
             <a:endParaRPr lang="en-US"/>
           </a:p>
@@ -4574,7 +4576,7 @@
           <a:p>
             <a:fld id="{E7E49A89-72C0-40C6-A55C-C6C12D525ACC}" type="datetimeFigureOut">
               <a:rPr lang="en-US" smtClean="0"/>
-              <a:t>10/14/2024</a:t>
+              <a:t>10/15/2024</a:t>
             </a:fld>
             <a:endParaRPr lang="en-US"/>
           </a:p>
@@ -5319,7 +5321,7 @@
           <a:p>
             <a:fld id="{E7E49A89-72C0-40C6-A55C-C6C12D525ACC}" type="datetimeFigureOut">
               <a:rPr lang="en-US" smtClean="0"/>
-              <a:t>10/14/2024</a:t>
+              <a:t>10/15/2024</a:t>
             </a:fld>
             <a:endParaRPr lang="en-US"/>
           </a:p>
@@ -10171,6 +10173,263 @@
 </p:sld>
 </file>
 
+<file path=ppt/slides/slide33.xml><?xml version="1.0" encoding="utf-8"?>
+<p:sld xmlns:a="http://schemas.openxmlformats.org/drawingml/2006/main" xmlns:r="http://schemas.openxmlformats.org/officeDocument/2006/relationships" xmlns:p="http://schemas.openxmlformats.org/presentationml/2006/main">
+  <p:cSld>
+    <p:spTree>
+      <p:nvGrpSpPr>
+        <p:cNvPr id="1" name="">
+          <a:extLst>
+            <a:ext uri="{FF2B5EF4-FFF2-40B4-BE49-F238E27FC236}">
+              <a16:creationId xmlns:a16="http://schemas.microsoft.com/office/drawing/2014/main" id="{99CA16C2-36BF-6FE9-2C4C-CC31CE581029}"/>
+            </a:ext>
+          </a:extLst>
+        </p:cNvPr>
+        <p:cNvGrpSpPr/>
+        <p:nvPr/>
+      </p:nvGrpSpPr>
+      <p:grpSpPr>
+        <a:xfrm>
+          <a:off x="0" y="0"/>
+          <a:ext cx="0" cy="0"/>
+          <a:chOff x="0" y="0"/>
+          <a:chExt cx="0" cy="0"/>
+        </a:xfrm>
+      </p:grpSpPr>
+      <p:sp>
+        <p:nvSpPr>
+          <p:cNvPr id="2" name="Title 1">
+            <a:extLst>
+              <a:ext uri="{FF2B5EF4-FFF2-40B4-BE49-F238E27FC236}">
+                <a16:creationId xmlns:a16="http://schemas.microsoft.com/office/drawing/2014/main" id="{DFB1850E-B557-6827-47E1-0449F0DE232C}"/>
+              </a:ext>
+            </a:extLst>
+          </p:cNvPr>
+          <p:cNvSpPr>
+            <a:spLocks noGrp="1"/>
+          </p:cNvSpPr>
+          <p:nvPr>
+            <p:ph type="title"/>
+          </p:nvPr>
+        </p:nvSpPr>
+        <p:spPr/>
+        <p:txBody>
+          <a:bodyPr/>
+          <a:lstStyle/>
+          <a:p>
+            <a:r>
+              <a:rPr lang="en-US">
+                <a:latin typeface="Arial" panose="020B0604020202020204" pitchFamily="34" charset="0"/>
+                <a:cs typeface="Arial" panose="020B0604020202020204" pitchFamily="34" charset="0"/>
+              </a:rPr>
+              <a:t>Summary</a:t>
+            </a:r>
+          </a:p>
+        </p:txBody>
+      </p:sp>
+      <p:sp>
+        <p:nvSpPr>
+          <p:cNvPr id="3" name="Content Placeholder 2">
+            <a:extLst>
+              <a:ext uri="{FF2B5EF4-FFF2-40B4-BE49-F238E27FC236}">
+                <a16:creationId xmlns:a16="http://schemas.microsoft.com/office/drawing/2014/main" id="{E36F1782-1E90-E6F2-574C-1F85DFFACB6C}"/>
+              </a:ext>
+            </a:extLst>
+          </p:cNvPr>
+          <p:cNvSpPr>
+            <a:spLocks noGrp="1"/>
+          </p:cNvSpPr>
+          <p:nvPr>
+            <p:ph idx="1"/>
+          </p:nvPr>
+        </p:nvSpPr>
+        <p:spPr/>
+        <p:txBody>
+          <a:bodyPr>
+            <a:normAutofit/>
+          </a:bodyPr>
+          <a:lstStyle/>
+          <a:p>
+            <a:r>
+              <a:rPr lang="en-US">
+                <a:latin typeface="Arial" panose="020B0604020202020204" pitchFamily="34" charset="0"/>
+                <a:cs typeface="Arial" panose="020B0604020202020204" pitchFamily="34" charset="0"/>
+              </a:rPr>
+              <a:t>Summary flow:</a:t>
+            </a:r>
+            <a:endParaRPr lang="en-US">
+              <a:solidFill>
+                <a:srgbClr val="FFC000"/>
+              </a:solidFill>
+              <a:latin typeface="Arial" panose="020B0604020202020204" pitchFamily="34" charset="0"/>
+              <a:cs typeface="Arial" panose="020B0604020202020204" pitchFamily="34" charset="0"/>
+            </a:endParaRPr>
+          </a:p>
+          <a:p>
+            <a:pPr lvl="1"/>
+            <a:endParaRPr lang="en-US">
+              <a:latin typeface="Arial" panose="020B0604020202020204" pitchFamily="34" charset="0"/>
+              <a:cs typeface="Arial" panose="020B0604020202020204" pitchFamily="34" charset="0"/>
+            </a:endParaRPr>
+          </a:p>
+        </p:txBody>
+      </p:sp>
+      <p:pic>
+        <p:nvPicPr>
+          <p:cNvPr id="5" name="Picture 4">
+            <a:extLst>
+              <a:ext uri="{FF2B5EF4-FFF2-40B4-BE49-F238E27FC236}">
+                <a16:creationId xmlns:a16="http://schemas.microsoft.com/office/drawing/2014/main" id="{C3E54EB5-DDB7-D5C5-A401-EC686D2CFF50}"/>
+              </a:ext>
+            </a:extLst>
+          </p:cNvPr>
+          <p:cNvPicPr>
+            <a:picLocks noChangeAspect="1"/>
+          </p:cNvPicPr>
+          <p:nvPr/>
+        </p:nvPicPr>
+        <p:blipFill>
+          <a:blip r:embed="rId2"/>
+          <a:stretch>
+            <a:fillRect/>
+          </a:stretch>
+        </p:blipFill>
+        <p:spPr>
+          <a:xfrm>
+            <a:off x="2841362" y="1758922"/>
+            <a:ext cx="6509275" cy="4684105"/>
+          </a:xfrm>
+          <a:prstGeom prst="rect">
+            <a:avLst/>
+          </a:prstGeom>
+        </p:spPr>
+      </p:pic>
+    </p:spTree>
+    <p:extLst>
+      <p:ext uri="{BB962C8B-B14F-4D97-AF65-F5344CB8AC3E}">
+        <p14:creationId xmlns:p14="http://schemas.microsoft.com/office/powerpoint/2010/main" val="3294771517"/>
+      </p:ext>
+    </p:extLst>
+  </p:cSld>
+  <p:clrMapOvr>
+    <a:masterClrMapping/>
+  </p:clrMapOvr>
+</p:sld>
+</file>
+
+<file path=ppt/slides/slide34.xml><?xml version="1.0" encoding="utf-8"?>
+<p:sld xmlns:a="http://schemas.openxmlformats.org/drawingml/2006/main" xmlns:r="http://schemas.openxmlformats.org/officeDocument/2006/relationships" xmlns:p="http://schemas.openxmlformats.org/presentationml/2006/main">
+  <p:cSld>
+    <p:spTree>
+      <p:nvGrpSpPr>
+        <p:cNvPr id="1" name="">
+          <a:extLst>
+            <a:ext uri="{FF2B5EF4-FFF2-40B4-BE49-F238E27FC236}">
+              <a16:creationId xmlns:a16="http://schemas.microsoft.com/office/drawing/2014/main" id="{4F1FFB47-C7AC-07A1-8484-8D32D4E0F236}"/>
+            </a:ext>
+          </a:extLst>
+        </p:cNvPr>
+        <p:cNvGrpSpPr/>
+        <p:nvPr/>
+      </p:nvGrpSpPr>
+      <p:grpSpPr>
+        <a:xfrm>
+          <a:off x="0" y="0"/>
+          <a:ext cx="0" cy="0"/>
+          <a:chOff x="0" y="0"/>
+          <a:chExt cx="0" cy="0"/>
+        </a:xfrm>
+      </p:grpSpPr>
+      <p:sp>
+        <p:nvSpPr>
+          <p:cNvPr id="2" name="Title 1">
+            <a:extLst>
+              <a:ext uri="{FF2B5EF4-FFF2-40B4-BE49-F238E27FC236}">
+                <a16:creationId xmlns:a16="http://schemas.microsoft.com/office/drawing/2014/main" id="{9C030349-5E92-E754-445A-E251C6D60C66}"/>
+              </a:ext>
+            </a:extLst>
+          </p:cNvPr>
+          <p:cNvSpPr>
+            <a:spLocks noGrp="1"/>
+          </p:cNvSpPr>
+          <p:nvPr>
+            <p:ph type="title"/>
+          </p:nvPr>
+        </p:nvSpPr>
+        <p:spPr/>
+        <p:txBody>
+          <a:bodyPr/>
+          <a:lstStyle/>
+          <a:p>
+            <a:r>
+              <a:rPr lang="en-US">
+                <a:latin typeface="Arial" panose="020B0604020202020204" pitchFamily="34" charset="0"/>
+                <a:cs typeface="Arial" panose="020B0604020202020204" pitchFamily="34" charset="0"/>
+              </a:rPr>
+              <a:t>Summary</a:t>
+            </a:r>
+          </a:p>
+        </p:txBody>
+      </p:sp>
+      <p:sp>
+        <p:nvSpPr>
+          <p:cNvPr id="3" name="Content Placeholder 2">
+            <a:extLst>
+              <a:ext uri="{FF2B5EF4-FFF2-40B4-BE49-F238E27FC236}">
+                <a16:creationId xmlns:a16="http://schemas.microsoft.com/office/drawing/2014/main" id="{FFE9B807-2A3A-7E4C-9464-39C1C42269B1}"/>
+              </a:ext>
+            </a:extLst>
+          </p:cNvPr>
+          <p:cNvSpPr>
+            <a:spLocks noGrp="1"/>
+          </p:cNvSpPr>
+          <p:nvPr>
+            <p:ph idx="1"/>
+          </p:nvPr>
+        </p:nvSpPr>
+        <p:spPr/>
+        <p:txBody>
+          <a:bodyPr>
+            <a:normAutofit/>
+          </a:bodyPr>
+          <a:lstStyle/>
+          <a:p>
+            <a:r>
+              <a:rPr lang="en-US">
+                <a:latin typeface="Arial" panose="020B0604020202020204" pitchFamily="34" charset="0"/>
+                <a:cs typeface="Arial" panose="020B0604020202020204" pitchFamily="34" charset="0"/>
+              </a:rPr>
+              <a:t>Bài tập:</a:t>
+            </a:r>
+          </a:p>
+          <a:p>
+            <a:pPr lvl="1"/>
+            <a:r>
+              <a:rPr lang="en-US">
+                <a:solidFill>
+                  <a:schemeClr val="tx1"/>
+                </a:solidFill>
+                <a:latin typeface="Arial" panose="020B0604020202020204" pitchFamily="34" charset="0"/>
+                <a:cs typeface="Arial" panose="020B0604020202020204" pitchFamily="34" charset="0"/>
+              </a:rPr>
+              <a:t>Tương ứng với từng flow hãy tìm ra các class implement</a:t>
+            </a:r>
+          </a:p>
+        </p:txBody>
+      </p:sp>
+    </p:spTree>
+    <p:extLst>
+      <p:ext uri="{BB962C8B-B14F-4D97-AF65-F5344CB8AC3E}">
+        <p14:creationId xmlns:p14="http://schemas.microsoft.com/office/powerpoint/2010/main" val="3218183162"/>
+      </p:ext>
+    </p:extLst>
+  </p:cSld>
+  <p:clrMapOvr>
+    <a:masterClrMapping/>
+  </p:clrMapOvr>
+</p:sld>
+</file>
+
 <file path=ppt/slides/slide4.xml><?xml version="1.0" encoding="utf-8"?>
 <p:sld xmlns:a="http://schemas.openxmlformats.org/drawingml/2006/main" xmlns:r="http://schemas.openxmlformats.org/officeDocument/2006/relationships" xmlns:p="http://schemas.openxmlformats.org/presentationml/2006/main">
   <p:cSld>

--- a/09.Spring Security.pptx
+++ b/09.Spring Security.pptx
@@ -34,11 +34,14 @@
     <p:sldId id="441" r:id="rId28"/>
     <p:sldId id="444" r:id="rId29"/>
     <p:sldId id="445" r:id="rId30"/>
-    <p:sldId id="446" r:id="rId31"/>
-    <p:sldId id="449" r:id="rId32"/>
-    <p:sldId id="450" r:id="rId33"/>
-    <p:sldId id="451" r:id="rId34"/>
-    <p:sldId id="452" r:id="rId35"/>
+    <p:sldId id="453" r:id="rId31"/>
+    <p:sldId id="446" r:id="rId32"/>
+    <p:sldId id="454" r:id="rId33"/>
+    <p:sldId id="455" r:id="rId34"/>
+    <p:sldId id="449" r:id="rId35"/>
+    <p:sldId id="450" r:id="rId36"/>
+    <p:sldId id="451" r:id="rId37"/>
+    <p:sldId id="452" r:id="rId38"/>
   </p:sldIdLst>
   <p:sldSz cx="12192000" cy="6858000"/>
   <p:notesSz cx="6858000" cy="9144000"/>
@@ -9805,6 +9808,137 @@
   <p:cSld>
     <p:spTree>
       <p:nvGrpSpPr>
+        <p:cNvPr id="1" name="">
+          <a:extLst>
+            <a:ext uri="{FF2B5EF4-FFF2-40B4-BE49-F238E27FC236}">
+              <a16:creationId xmlns:a16="http://schemas.microsoft.com/office/drawing/2014/main" id="{88958CEB-34BD-F749-4820-F340F45038A0}"/>
+            </a:ext>
+          </a:extLst>
+        </p:cNvPr>
+        <p:cNvGrpSpPr/>
+        <p:nvPr/>
+      </p:nvGrpSpPr>
+      <p:grpSpPr>
+        <a:xfrm>
+          <a:off x="0" y="0"/>
+          <a:ext cx="0" cy="0"/>
+          <a:chOff x="0" y="0"/>
+          <a:chExt cx="0" cy="0"/>
+        </a:xfrm>
+      </p:grpSpPr>
+      <p:sp>
+        <p:nvSpPr>
+          <p:cNvPr id="2" name="Title 1">
+            <a:extLst>
+              <a:ext uri="{FF2B5EF4-FFF2-40B4-BE49-F238E27FC236}">
+                <a16:creationId xmlns:a16="http://schemas.microsoft.com/office/drawing/2014/main" id="{33C75161-7210-FA28-3984-A728D0D5D478}"/>
+              </a:ext>
+            </a:extLst>
+          </p:cNvPr>
+          <p:cNvSpPr>
+            <a:spLocks noGrp="1"/>
+          </p:cNvSpPr>
+          <p:nvPr>
+            <p:ph type="title"/>
+          </p:nvPr>
+        </p:nvSpPr>
+        <p:spPr/>
+        <p:txBody>
+          <a:bodyPr/>
+          <a:lstStyle/>
+          <a:p>
+            <a:r>
+              <a:rPr lang="en-US">
+                <a:latin typeface="Arial" panose="020B0604020202020204" pitchFamily="34" charset="0"/>
+                <a:cs typeface="Arial" panose="020B0604020202020204" pitchFamily="34" charset="0"/>
+              </a:rPr>
+              <a:t>Basic Configuration</a:t>
+            </a:r>
+          </a:p>
+        </p:txBody>
+      </p:sp>
+      <p:sp>
+        <p:nvSpPr>
+          <p:cNvPr id="3" name="Content Placeholder 2">
+            <a:extLst>
+              <a:ext uri="{FF2B5EF4-FFF2-40B4-BE49-F238E27FC236}">
+                <a16:creationId xmlns:a16="http://schemas.microsoft.com/office/drawing/2014/main" id="{F5F80F18-2898-D267-9E9A-9E429AFFDB9F}"/>
+              </a:ext>
+            </a:extLst>
+          </p:cNvPr>
+          <p:cNvSpPr>
+            <a:spLocks noGrp="1"/>
+          </p:cNvSpPr>
+          <p:nvPr>
+            <p:ph idx="1"/>
+          </p:nvPr>
+        </p:nvSpPr>
+        <p:spPr/>
+        <p:txBody>
+          <a:bodyPr>
+            <a:normAutofit/>
+          </a:bodyPr>
+          <a:lstStyle/>
+          <a:p>
+            <a:r>
+              <a:rPr lang="en-US">
+                <a:latin typeface="Arial" panose="020B0604020202020204" pitchFamily="34" charset="0"/>
+                <a:cs typeface="Arial" panose="020B0604020202020204" pitchFamily="34" charset="0"/>
+              </a:rPr>
+              <a:t>Nếu không config httpBasic thì chúng ta không thể authen được vì spring không xác định được cách thức authen.</a:t>
+            </a:r>
+          </a:p>
+          <a:p>
+            <a:endParaRPr lang="en-US">
+              <a:latin typeface="Arial" panose="020B0604020202020204" pitchFamily="34" charset="0"/>
+              <a:cs typeface="Arial" panose="020B0604020202020204" pitchFamily="34" charset="0"/>
+            </a:endParaRPr>
+          </a:p>
+          <a:p>
+            <a:r>
+              <a:rPr lang="en-US">
+                <a:latin typeface="Arial" panose="020B0604020202020204" pitchFamily="34" charset="0"/>
+                <a:cs typeface="Arial" panose="020B0604020202020204" pitchFamily="34" charset="0"/>
+              </a:rPr>
+              <a:t>Nếu CSRF không disable thì các phương thức POST/PUT… sẽ không thể hoạt động được vì cơ chế kiểm tra token của CSRF để tránh hacker tấn công.</a:t>
+            </a:r>
+          </a:p>
+          <a:p>
+            <a:r>
+              <a:rPr lang="en-US">
+                <a:latin typeface="Arial" panose="020B0604020202020204" pitchFamily="34" charset="0"/>
+                <a:cs typeface="Arial" panose="020B0604020202020204" pitchFamily="34" charset="0"/>
+              </a:rPr>
+              <a:t>CSRF chỉ sử dụng cho các ứng dụng sử dụng HTML FORM, với REST API thì chúng ta không cần.</a:t>
+            </a:r>
+          </a:p>
+          <a:p>
+            <a:pPr lvl="1"/>
+            <a:endParaRPr lang="en-US">
+              <a:latin typeface="Arial" panose="020B0604020202020204" pitchFamily="34" charset="0"/>
+              <a:cs typeface="Arial" panose="020B0604020202020204" pitchFamily="34" charset="0"/>
+            </a:endParaRPr>
+          </a:p>
+        </p:txBody>
+      </p:sp>
+    </p:spTree>
+    <p:extLst>
+      <p:ext uri="{BB962C8B-B14F-4D97-AF65-F5344CB8AC3E}">
+        <p14:creationId xmlns:p14="http://schemas.microsoft.com/office/powerpoint/2010/main" val="465593316"/>
+      </p:ext>
+    </p:extLst>
+  </p:cSld>
+  <p:clrMapOvr>
+    <a:masterClrMapping/>
+  </p:clrMapOvr>
+</p:sld>
+</file>
+
+<file path=ppt/slides/slide31.xml><?xml version="1.0" encoding="utf-8"?>
+<p:sld xmlns:a="http://schemas.openxmlformats.org/drawingml/2006/main" xmlns:r="http://schemas.openxmlformats.org/officeDocument/2006/relationships" xmlns:p="http://schemas.openxmlformats.org/presentationml/2006/main">
+  <p:cSld>
+    <p:spTree>
+      <p:nvGrpSpPr>
         <p:cNvPr id="1" name=""/>
         <p:cNvGrpSpPr/>
         <p:nvPr/>
@@ -9889,7 +10023,379 @@
 </p:sld>
 </file>
 
-<file path=ppt/slides/slide31.xml><?xml version="1.0" encoding="utf-8"?>
+<file path=ppt/slides/slide32.xml><?xml version="1.0" encoding="utf-8"?>
+<p:sld xmlns:a="http://schemas.openxmlformats.org/drawingml/2006/main" xmlns:r="http://schemas.openxmlformats.org/officeDocument/2006/relationships" xmlns:p="http://schemas.openxmlformats.org/presentationml/2006/main">
+  <p:cSld>
+    <p:spTree>
+      <p:nvGrpSpPr>
+        <p:cNvPr id="1" name="">
+          <a:extLst>
+            <a:ext uri="{FF2B5EF4-FFF2-40B4-BE49-F238E27FC236}">
+              <a16:creationId xmlns:a16="http://schemas.microsoft.com/office/drawing/2014/main" id="{50FD7EBC-A796-8876-72B3-34D4D4390409}"/>
+            </a:ext>
+          </a:extLst>
+        </p:cNvPr>
+        <p:cNvGrpSpPr/>
+        <p:nvPr/>
+      </p:nvGrpSpPr>
+      <p:grpSpPr>
+        <a:xfrm>
+          <a:off x="0" y="0"/>
+          <a:ext cx="0" cy="0"/>
+          <a:chOff x="0" y="0"/>
+          <a:chExt cx="0" cy="0"/>
+        </a:xfrm>
+      </p:grpSpPr>
+      <p:sp>
+        <p:nvSpPr>
+          <p:cNvPr id="2" name="Title 1">
+            <a:extLst>
+              <a:ext uri="{FF2B5EF4-FFF2-40B4-BE49-F238E27FC236}">
+                <a16:creationId xmlns:a16="http://schemas.microsoft.com/office/drawing/2014/main" id="{D2D60B69-A626-C418-EA49-2DBD66FDB402}"/>
+              </a:ext>
+            </a:extLst>
+          </p:cNvPr>
+          <p:cNvSpPr>
+            <a:spLocks noGrp="1"/>
+          </p:cNvSpPr>
+          <p:nvPr>
+            <p:ph type="title"/>
+          </p:nvPr>
+        </p:nvSpPr>
+        <p:spPr/>
+        <p:txBody>
+          <a:bodyPr/>
+          <a:lstStyle/>
+          <a:p>
+            <a:r>
+              <a:rPr lang="en-US">
+                <a:latin typeface="Arial" panose="020B0604020202020204" pitchFamily="34" charset="0"/>
+                <a:cs typeface="Arial" panose="020B0604020202020204" pitchFamily="34" charset="0"/>
+              </a:rPr>
+              <a:t>Basic Configuration</a:t>
+            </a:r>
+          </a:p>
+        </p:txBody>
+      </p:sp>
+      <p:sp>
+        <p:nvSpPr>
+          <p:cNvPr id="3" name="Content Placeholder 2">
+            <a:extLst>
+              <a:ext uri="{FF2B5EF4-FFF2-40B4-BE49-F238E27FC236}">
+                <a16:creationId xmlns:a16="http://schemas.microsoft.com/office/drawing/2014/main" id="{1027496E-0D85-681E-EB12-E58FE4408105}"/>
+              </a:ext>
+            </a:extLst>
+          </p:cNvPr>
+          <p:cNvSpPr>
+            <a:spLocks noGrp="1"/>
+          </p:cNvSpPr>
+          <p:nvPr>
+            <p:ph idx="1"/>
+          </p:nvPr>
+        </p:nvSpPr>
+        <p:spPr/>
+        <p:txBody>
+          <a:bodyPr>
+            <a:normAutofit/>
+          </a:bodyPr>
+          <a:lstStyle/>
+          <a:p>
+            <a:r>
+              <a:rPr lang="en-US">
+                <a:latin typeface="Arial" panose="020B0604020202020204" pitchFamily="34" charset="0"/>
+                <a:cs typeface="Arial" panose="020B0604020202020204" pitchFamily="34" charset="0"/>
+              </a:rPr>
+              <a:t>Mọi người chú ý hiện tại Spring đang sử dụng cookies để lưu thông tin phiên (session) làm việc</a:t>
+            </a:r>
+          </a:p>
+          <a:p>
+            <a:endParaRPr lang="en-US">
+              <a:latin typeface="Arial" panose="020B0604020202020204" pitchFamily="34" charset="0"/>
+              <a:cs typeface="Arial" panose="020B0604020202020204" pitchFamily="34" charset="0"/>
+            </a:endParaRPr>
+          </a:p>
+          <a:p>
+            <a:endParaRPr lang="en-US">
+              <a:latin typeface="Arial" panose="020B0604020202020204" pitchFamily="34" charset="0"/>
+              <a:cs typeface="Arial" panose="020B0604020202020204" pitchFamily="34" charset="0"/>
+            </a:endParaRPr>
+          </a:p>
+          <a:p>
+            <a:endParaRPr lang="en-US">
+              <a:latin typeface="Arial" panose="020B0604020202020204" pitchFamily="34" charset="0"/>
+              <a:cs typeface="Arial" panose="020B0604020202020204" pitchFamily="34" charset="0"/>
+            </a:endParaRPr>
+          </a:p>
+          <a:p>
+            <a:endParaRPr lang="en-US">
+              <a:latin typeface="Arial" panose="020B0604020202020204" pitchFamily="34" charset="0"/>
+              <a:cs typeface="Arial" panose="020B0604020202020204" pitchFamily="34" charset="0"/>
+            </a:endParaRPr>
+          </a:p>
+          <a:p>
+            <a:r>
+              <a:rPr lang="en-US">
+                <a:latin typeface="Arial" panose="020B0604020202020204" pitchFamily="34" charset="0"/>
+                <a:cs typeface="Arial" panose="020B0604020202020204" pitchFamily="34" charset="0"/>
+              </a:rPr>
+              <a:t>Khi làm việc với API ta không cần sử dụng cookies để lưu phiên (session) làm việc</a:t>
+            </a:r>
+          </a:p>
+          <a:p>
+            <a:r>
+              <a:rPr lang="vi-VN">
+                <a:latin typeface="Arial" panose="020B0604020202020204" pitchFamily="34" charset="0"/>
+                <a:cs typeface="Arial" panose="020B0604020202020204" pitchFamily="34" charset="0"/>
+              </a:rPr>
+              <a:t>Tất cả </a:t>
+            </a:r>
+            <a:r>
+              <a:rPr lang="en-US">
+                <a:latin typeface="Arial" panose="020B0604020202020204" pitchFamily="34" charset="0"/>
+                <a:cs typeface="Arial" panose="020B0604020202020204" pitchFamily="34" charset="0"/>
+              </a:rPr>
+              <a:t>request</a:t>
+            </a:r>
+            <a:r>
+              <a:rPr lang="vi-VN">
+                <a:latin typeface="Arial" panose="020B0604020202020204" pitchFamily="34" charset="0"/>
+                <a:cs typeface="Arial" panose="020B0604020202020204" pitchFamily="34" charset="0"/>
+              </a:rPr>
+              <a:t> </a:t>
+            </a:r>
+            <a:r>
+              <a:rPr lang="en-US">
+                <a:latin typeface="Arial" panose="020B0604020202020204" pitchFamily="34" charset="0"/>
+                <a:cs typeface="Arial" panose="020B0604020202020204" pitchFamily="34" charset="0"/>
+              </a:rPr>
+              <a:t>đều phải </a:t>
+            </a:r>
+            <a:r>
+              <a:rPr lang="vi-VN">
+                <a:latin typeface="Arial" panose="020B0604020202020204" pitchFamily="34" charset="0"/>
+                <a:cs typeface="Arial" panose="020B0604020202020204" pitchFamily="34" charset="0"/>
+              </a:rPr>
+              <a:t>bao gồm đầy đủ thông tin xác thực, chẳng hạn như thông qua mã thông báo (token) JWT trong phần tiêu đề HTTP.</a:t>
+            </a:r>
+            <a:endParaRPr lang="en-US">
+              <a:latin typeface="Arial" panose="020B0604020202020204" pitchFamily="34" charset="0"/>
+              <a:cs typeface="Arial" panose="020B0604020202020204" pitchFamily="34" charset="0"/>
+            </a:endParaRPr>
+          </a:p>
+          <a:p>
+            <a:endParaRPr lang="en-US">
+              <a:latin typeface="Arial" panose="020B0604020202020204" pitchFamily="34" charset="0"/>
+              <a:cs typeface="Arial" panose="020B0604020202020204" pitchFamily="34" charset="0"/>
+            </a:endParaRPr>
+          </a:p>
+          <a:p>
+            <a:endParaRPr lang="en-US">
+              <a:latin typeface="Arial" panose="020B0604020202020204" pitchFamily="34" charset="0"/>
+              <a:cs typeface="Arial" panose="020B0604020202020204" pitchFamily="34" charset="0"/>
+            </a:endParaRPr>
+          </a:p>
+          <a:p>
+            <a:pPr lvl="1"/>
+            <a:endParaRPr lang="en-US">
+              <a:latin typeface="Arial" panose="020B0604020202020204" pitchFamily="34" charset="0"/>
+              <a:cs typeface="Arial" panose="020B0604020202020204" pitchFamily="34" charset="0"/>
+            </a:endParaRPr>
+          </a:p>
+        </p:txBody>
+      </p:sp>
+      <p:pic>
+        <p:nvPicPr>
+          <p:cNvPr id="5" name="Picture 4">
+            <a:extLst>
+              <a:ext uri="{FF2B5EF4-FFF2-40B4-BE49-F238E27FC236}">
+                <a16:creationId xmlns:a16="http://schemas.microsoft.com/office/drawing/2014/main" id="{5017E967-F228-4F7E-7129-D334C39700F8}"/>
+              </a:ext>
+            </a:extLst>
+          </p:cNvPr>
+          <p:cNvPicPr>
+            <a:picLocks noChangeAspect="1"/>
+          </p:cNvPicPr>
+          <p:nvPr/>
+        </p:nvPicPr>
+        <p:blipFill>
+          <a:blip r:embed="rId2"/>
+          <a:stretch>
+            <a:fillRect/>
+          </a:stretch>
+        </p:blipFill>
+        <p:spPr>
+          <a:xfrm>
+            <a:off x="677334" y="2912318"/>
+            <a:ext cx="9139277" cy="1188657"/>
+          </a:xfrm>
+          <a:prstGeom prst="rect">
+            <a:avLst/>
+          </a:prstGeom>
+        </p:spPr>
+      </p:pic>
+    </p:spTree>
+    <p:extLst>
+      <p:ext uri="{BB962C8B-B14F-4D97-AF65-F5344CB8AC3E}">
+        <p14:creationId xmlns:p14="http://schemas.microsoft.com/office/powerpoint/2010/main" val="2064765105"/>
+      </p:ext>
+    </p:extLst>
+  </p:cSld>
+  <p:clrMapOvr>
+    <a:masterClrMapping/>
+  </p:clrMapOvr>
+</p:sld>
+</file>
+
+<file path=ppt/slides/slide33.xml><?xml version="1.0" encoding="utf-8"?>
+<p:sld xmlns:a="http://schemas.openxmlformats.org/drawingml/2006/main" xmlns:r="http://schemas.openxmlformats.org/officeDocument/2006/relationships" xmlns:p="http://schemas.openxmlformats.org/presentationml/2006/main">
+  <p:cSld>
+    <p:spTree>
+      <p:nvGrpSpPr>
+        <p:cNvPr id="1" name="">
+          <a:extLst>
+            <a:ext uri="{FF2B5EF4-FFF2-40B4-BE49-F238E27FC236}">
+              <a16:creationId xmlns:a16="http://schemas.microsoft.com/office/drawing/2014/main" id="{24D25D1F-0EBA-96A3-E41B-7E136BAAA1F6}"/>
+            </a:ext>
+          </a:extLst>
+        </p:cNvPr>
+        <p:cNvGrpSpPr/>
+        <p:nvPr/>
+      </p:nvGrpSpPr>
+      <p:grpSpPr>
+        <a:xfrm>
+          <a:off x="0" y="0"/>
+          <a:ext cx="0" cy="0"/>
+          <a:chOff x="0" y="0"/>
+          <a:chExt cx="0" cy="0"/>
+        </a:xfrm>
+      </p:grpSpPr>
+      <p:sp>
+        <p:nvSpPr>
+          <p:cNvPr id="2" name="Title 1">
+            <a:extLst>
+              <a:ext uri="{FF2B5EF4-FFF2-40B4-BE49-F238E27FC236}">
+                <a16:creationId xmlns:a16="http://schemas.microsoft.com/office/drawing/2014/main" id="{D8D6A6C2-CA32-E56C-B433-CDACE471D6B4}"/>
+              </a:ext>
+            </a:extLst>
+          </p:cNvPr>
+          <p:cNvSpPr>
+            <a:spLocks noGrp="1"/>
+          </p:cNvSpPr>
+          <p:nvPr>
+            <p:ph type="title"/>
+          </p:nvPr>
+        </p:nvSpPr>
+        <p:spPr/>
+        <p:txBody>
+          <a:bodyPr/>
+          <a:lstStyle/>
+          <a:p>
+            <a:r>
+              <a:rPr lang="en-US">
+                <a:latin typeface="Arial" panose="020B0604020202020204" pitchFamily="34" charset="0"/>
+                <a:cs typeface="Arial" panose="020B0604020202020204" pitchFamily="34" charset="0"/>
+              </a:rPr>
+              <a:t>Basic Configuration</a:t>
+            </a:r>
+          </a:p>
+        </p:txBody>
+      </p:sp>
+      <p:sp>
+        <p:nvSpPr>
+          <p:cNvPr id="3" name="Content Placeholder 2">
+            <a:extLst>
+              <a:ext uri="{FF2B5EF4-FFF2-40B4-BE49-F238E27FC236}">
+                <a16:creationId xmlns:a16="http://schemas.microsoft.com/office/drawing/2014/main" id="{3EFEB5AD-0619-5E28-0AED-F25233A271A1}"/>
+              </a:ext>
+            </a:extLst>
+          </p:cNvPr>
+          <p:cNvSpPr>
+            <a:spLocks noGrp="1"/>
+          </p:cNvSpPr>
+          <p:nvPr>
+            <p:ph idx="1"/>
+          </p:nvPr>
+        </p:nvSpPr>
+        <p:spPr/>
+        <p:txBody>
+          <a:bodyPr>
+            <a:normAutofit/>
+          </a:bodyPr>
+          <a:lstStyle/>
+          <a:p>
+            <a:r>
+              <a:rPr lang="en-US">
+                <a:latin typeface="Arial" panose="020B0604020202020204" pitchFamily="34" charset="0"/>
+                <a:cs typeface="Arial" panose="020B0604020202020204" pitchFamily="34" charset="0"/>
+              </a:rPr>
+              <a:t>Để Spring không sử dụng tạo ra các session làm việc thì chúng ta config như sau:</a:t>
+            </a:r>
+          </a:p>
+          <a:p>
+            <a:endParaRPr lang="en-US">
+              <a:latin typeface="Arial" panose="020B0604020202020204" pitchFamily="34" charset="0"/>
+              <a:cs typeface="Arial" panose="020B0604020202020204" pitchFamily="34" charset="0"/>
+            </a:endParaRPr>
+          </a:p>
+          <a:p>
+            <a:endParaRPr lang="en-US">
+              <a:latin typeface="Arial" panose="020B0604020202020204" pitchFamily="34" charset="0"/>
+              <a:cs typeface="Arial" panose="020B0604020202020204" pitchFamily="34" charset="0"/>
+            </a:endParaRPr>
+          </a:p>
+          <a:p>
+            <a:pPr lvl="1"/>
+            <a:endParaRPr lang="en-US">
+              <a:latin typeface="Arial" panose="020B0604020202020204" pitchFamily="34" charset="0"/>
+              <a:cs typeface="Arial" panose="020B0604020202020204" pitchFamily="34" charset="0"/>
+            </a:endParaRPr>
+          </a:p>
+        </p:txBody>
+      </p:sp>
+      <p:pic>
+        <p:nvPicPr>
+          <p:cNvPr id="6" name="Picture 5">
+            <a:extLst>
+              <a:ext uri="{FF2B5EF4-FFF2-40B4-BE49-F238E27FC236}">
+                <a16:creationId xmlns:a16="http://schemas.microsoft.com/office/drawing/2014/main" id="{9F940F8F-A37D-32CE-3331-3970A7F9144D}"/>
+              </a:ext>
+            </a:extLst>
+          </p:cNvPr>
+          <p:cNvPicPr>
+            <a:picLocks noChangeAspect="1"/>
+          </p:cNvPicPr>
+          <p:nvPr/>
+        </p:nvPicPr>
+        <p:blipFill>
+          <a:blip r:embed="rId2"/>
+          <a:stretch>
+            <a:fillRect/>
+          </a:stretch>
+        </p:blipFill>
+        <p:spPr>
+          <a:xfrm>
+            <a:off x="677334" y="2885392"/>
+            <a:ext cx="8122370" cy="2891135"/>
+          </a:xfrm>
+          <a:prstGeom prst="rect">
+            <a:avLst/>
+          </a:prstGeom>
+        </p:spPr>
+      </p:pic>
+    </p:spTree>
+    <p:extLst>
+      <p:ext uri="{BB962C8B-B14F-4D97-AF65-F5344CB8AC3E}">
+        <p14:creationId xmlns:p14="http://schemas.microsoft.com/office/powerpoint/2010/main" val="2833725478"/>
+      </p:ext>
+    </p:extLst>
+  </p:cSld>
+  <p:clrMapOvr>
+    <a:masterClrMapping/>
+  </p:clrMapOvr>
+</p:sld>
+</file>
+
+<file path=ppt/slides/slide34.xml><?xml version="1.0" encoding="utf-8"?>
 <p:sld xmlns:a="http://schemas.openxmlformats.org/drawingml/2006/main" xmlns:r="http://schemas.openxmlformats.org/officeDocument/2006/relationships" xmlns:p="http://schemas.openxmlformats.org/presentationml/2006/main">
   <p:cSld>
     <p:spTree>
@@ -9971,7 +10477,7 @@
                 <a:latin typeface="Arial" panose="020B0604020202020204" pitchFamily="34" charset="0"/>
                 <a:cs typeface="Arial" panose="020B0604020202020204" pitchFamily="34" charset="0"/>
               </a:rPr>
-              <a:t>Ngoài ra ta có thể check role ở từng method, như sau:</a:t>
+              <a:t>Về cách check role, thì ngoài ra ta có thể check ở từng method, như sau:</a:t>
             </a:r>
           </a:p>
           <a:p>
@@ -10026,7 +10532,7 @@
 </p:sld>
 </file>
 
-<file path=ppt/slides/slide32.xml><?xml version="1.0" encoding="utf-8"?>
+<file path=ppt/slides/slide35.xml><?xml version="1.0" encoding="utf-8"?>
 <p:sld xmlns:a="http://schemas.openxmlformats.org/drawingml/2006/main" xmlns:r="http://schemas.openxmlformats.org/officeDocument/2006/relationships" xmlns:p="http://schemas.openxmlformats.org/presentationml/2006/main">
   <p:cSld>
     <p:spTree>
@@ -10173,7 +10679,7 @@
 </p:sld>
 </file>
 
-<file path=ppt/slides/slide33.xml><?xml version="1.0" encoding="utf-8"?>
+<file path=ppt/slides/slide36.xml><?xml version="1.0" encoding="utf-8"?>
 <p:sld xmlns:a="http://schemas.openxmlformats.org/drawingml/2006/main" xmlns:r="http://schemas.openxmlformats.org/officeDocument/2006/relationships" xmlns:p="http://schemas.openxmlformats.org/presentationml/2006/main">
   <p:cSld>
     <p:spTree>
@@ -10317,7 +10823,7 @@
 </p:sld>
 </file>
 
-<file path=ppt/slides/slide34.xml><?xml version="1.0" encoding="utf-8"?>
+<file path=ppt/slides/slide37.xml><?xml version="1.0" encoding="utf-8"?>
 <p:sld xmlns:a="http://schemas.openxmlformats.org/drawingml/2006/main" xmlns:r="http://schemas.openxmlformats.org/officeDocument/2006/relationships" xmlns:p="http://schemas.openxmlformats.org/presentationml/2006/main">
   <p:cSld>
     <p:spTree>
